--- a/azure-meetup-key-vault/presentation.pptx
+++ b/azure-meetup-key-vault/presentation.pptx
@@ -5,10 +5,10 @@
     <p:sldMasterId id="2147483648" r:id="rId1"/>
   </p:sldMasterIdLst>
   <p:notesMasterIdLst>
-    <p:notesMasterId r:id="rId18"/>
+    <p:notesMasterId r:id="rId17"/>
   </p:notesMasterIdLst>
   <p:handoutMasterIdLst>
-    <p:handoutMasterId r:id="rId19"/>
+    <p:handoutMasterId r:id="rId18"/>
   </p:handoutMasterIdLst>
   <p:sldIdLst>
     <p:sldId id="261" r:id="rId2"/>
@@ -25,8 +25,7 @@
     <p:sldId id="283" r:id="rId13"/>
     <p:sldId id="284" r:id="rId14"/>
     <p:sldId id="285" r:id="rId15"/>
-    <p:sldId id="286" r:id="rId16"/>
-    <p:sldId id="287" r:id="rId17"/>
+    <p:sldId id="287" r:id="rId16"/>
   </p:sldIdLst>
   <p:sldSz cx="12192000" cy="6858000"/>
   <p:notesSz cx="6858000" cy="9144000"/>
@@ -1667,90 +1666,6 @@
             <a:fld id="{82869989-EB00-4EE7-BCB5-25BDC5BB29F8}" type="slidenum">
               <a:rPr lang="en-US" smtClean="0"/>
               <a:t>15</a:t>
-            </a:fld>
-            <a:endParaRPr lang="en-US"/>
-          </a:p>
-        </p:txBody>
-      </p:sp>
-    </p:spTree>
-    <p:extLst>
-      <p:ext uri="{BB962C8B-B14F-4D97-AF65-F5344CB8AC3E}">
-        <p14:creationId xmlns:p14="http://schemas.microsoft.com/office/powerpoint/2010/main" val="1463070729"/>
-      </p:ext>
-    </p:extLst>
-  </p:cSld>
-  <p:clrMapOvr>
-    <a:masterClrMapping/>
-  </p:clrMapOvr>
-</p:notes>
-</file>
-
-<file path=ppt/notesSlides/notesSlide14.xml><?xml version="1.0" encoding="utf-8"?>
-<p:notes xmlns:a="http://schemas.openxmlformats.org/drawingml/2006/main" xmlns:r="http://schemas.openxmlformats.org/officeDocument/2006/relationships" xmlns:p="http://schemas.openxmlformats.org/presentationml/2006/main">
-  <p:cSld>
-    <p:spTree>
-      <p:nvGrpSpPr>
-        <p:cNvPr id="1" name=""/>
-        <p:cNvGrpSpPr/>
-        <p:nvPr/>
-      </p:nvGrpSpPr>
-      <p:grpSpPr>
-        <a:xfrm>
-          <a:off x="0" y="0"/>
-          <a:ext cx="0" cy="0"/>
-          <a:chOff x="0" y="0"/>
-          <a:chExt cx="0" cy="0"/>
-        </a:xfrm>
-      </p:grpSpPr>
-      <p:sp>
-        <p:nvSpPr>
-          <p:cNvPr id="2" name="Slide Image Placeholder 1"/>
-          <p:cNvSpPr>
-            <a:spLocks noGrp="1" noRot="1" noChangeAspect="1"/>
-          </p:cNvSpPr>
-          <p:nvPr>
-            <p:ph type="sldImg"/>
-          </p:nvPr>
-        </p:nvSpPr>
-        <p:spPr/>
-      </p:sp>
-      <p:sp>
-        <p:nvSpPr>
-          <p:cNvPr id="3" name="Notes Placeholder 2"/>
-          <p:cNvSpPr>
-            <a:spLocks noGrp="1"/>
-          </p:cNvSpPr>
-          <p:nvPr>
-            <p:ph type="body" idx="1"/>
-          </p:nvPr>
-        </p:nvSpPr>
-        <p:spPr/>
-        <p:txBody>
-          <a:bodyPr/>
-          <a:lstStyle/>
-          <a:p>
-            <a:endParaRPr lang="en-US" dirty="0"/>
-          </a:p>
-        </p:txBody>
-      </p:sp>
-      <p:sp>
-        <p:nvSpPr>
-          <p:cNvPr id="4" name="Slide Number Placeholder 3"/>
-          <p:cNvSpPr>
-            <a:spLocks noGrp="1"/>
-          </p:cNvSpPr>
-          <p:nvPr>
-            <p:ph type="sldNum" sz="quarter" idx="5"/>
-          </p:nvPr>
-        </p:nvSpPr>
-        <p:spPr/>
-        <p:txBody>
-          <a:bodyPr/>
-          <a:lstStyle/>
-          <a:p>
-            <a:fld id="{82869989-EB00-4EE7-BCB5-25BDC5BB29F8}" type="slidenum">
-              <a:rPr lang="en-US" smtClean="0"/>
-              <a:t>16</a:t>
             </a:fld>
             <a:endParaRPr lang="en-US"/>
           </a:p>
@@ -17674,9 +17589,12 @@
           <a:p>
             <a:r>
               <a:rPr lang="sr-Latn-RS" dirty="0"/>
-              <a:t>Čija je odgovornost bezbednost</a:t>
-            </a:r>
-            <a:endParaRPr lang="en-US" dirty="0"/>
+              <a:t>Ko je odgovoran za bezbednost aplikacije</a:t>
+            </a:r>
+            <a:r>
+              <a:rPr lang="en-US" dirty="0"/>
+              <a:t>?</a:t>
+            </a:r>
           </a:p>
         </p:txBody>
       </p:sp>
@@ -17879,9 +17797,72 @@
           <a:bodyPr/>
           <a:lstStyle/>
           <a:p>
+            <a:pPr marL="0" indent="0">
+              <a:buNone/>
+            </a:pPr>
             <a:r>
               <a:rPr lang="en-US" dirty="0"/>
-              <a:t>We want to be transparent about this incident with all customers and reassure them that we are taking it very seriously and holding ourselves accountable. … Upon notification of the issue, engineers remediated the configuration on December 31.</a:t>
+              <a:t>[</a:t>
+            </a:r>
+            <a:r>
+              <a:rPr lang="en-US" dirty="0" err="1"/>
+              <a:t>referenca</a:t>
+            </a:r>
+            <a:r>
+              <a:rPr lang="en-US" dirty="0"/>
+              <a:t> </a:t>
+            </a:r>
+            <a:r>
+              <a:rPr lang="en-US" dirty="0" err="1"/>
+              <a:t>na</a:t>
+            </a:r>
+            <a:r>
+              <a:rPr lang="en-US" dirty="0"/>
+              <a:t> </a:t>
+            </a:r>
+            <a:r>
+              <a:rPr lang="en-US" dirty="0" err="1"/>
+              <a:t>dogadjaj</a:t>
+            </a:r>
+            <a:r>
+              <a:rPr lang="en-US" dirty="0"/>
+              <a:t>]</a:t>
+            </a:r>
+          </a:p>
+          <a:p>
+            <a:r>
+              <a:rPr lang="en-US" dirty="0"/>
+              <a:t>Management: “We want to be transparent about this incident with all customers and reassure them that we are taking it very seriously and holding ourselves accountable”</a:t>
+            </a:r>
+          </a:p>
+          <a:p>
+            <a:r>
+              <a:rPr lang="en-US" dirty="0"/>
+              <a:t>Engineer on New Year’s eve: [</a:t>
+            </a:r>
+            <a:r>
+              <a:rPr lang="en-US" dirty="0" err="1"/>
+              <a:t>ubaci</a:t>
+            </a:r>
+            <a:r>
+              <a:rPr lang="en-US" dirty="0"/>
+              <a:t> </a:t>
+            </a:r>
+            <a:r>
+              <a:rPr lang="en-US" dirty="0" err="1"/>
+              <a:t>ovde</a:t>
+            </a:r>
+            <a:r>
+              <a:rPr lang="en-US" dirty="0"/>
+              <a:t> </a:t>
+            </a:r>
+            <a:r>
+              <a:rPr lang="en-US" dirty="0" err="1"/>
+              <a:t>sliku</a:t>
+            </a:r>
+            <a:r>
+              <a:rPr lang="en-US" dirty="0"/>
+              <a:t>]</a:t>
             </a:r>
           </a:p>
         </p:txBody>
@@ -18506,152 +18487,6 @@
           <p:cNvPr id="2" name="Title 1">
             <a:extLst>
               <a:ext uri="{FF2B5EF4-FFF2-40B4-BE49-F238E27FC236}">
-                <a16:creationId xmlns:a16="http://schemas.microsoft.com/office/drawing/2014/main" id="{680A354B-2574-4F2E-B617-C0D6469277BC}"/>
-              </a:ext>
-            </a:extLst>
-          </p:cNvPr>
-          <p:cNvSpPr>
-            <a:spLocks noGrp="1"/>
-          </p:cNvSpPr>
-          <p:nvPr>
-            <p:ph type="ctrTitle"/>
-          </p:nvPr>
-        </p:nvSpPr>
-        <p:spPr>
-          <a:xfrm>
-            <a:off x="1293845" y="1909346"/>
-            <a:ext cx="9604310" cy="3383280"/>
-          </a:xfrm>
-        </p:spPr>
-        <p:txBody>
-          <a:bodyPr anchor="b">
-            <a:normAutofit/>
-          </a:bodyPr>
-          <a:lstStyle/>
-          <a:p>
-            <a:r>
-              <a:rPr lang="sr-Latn-RS" dirty="0"/>
-              <a:t>QA</a:t>
-            </a:r>
-            <a:endParaRPr lang="en-US" dirty="0"/>
-          </a:p>
-        </p:txBody>
-      </p:sp>
-      <p:sp>
-        <p:nvSpPr>
-          <p:cNvPr id="8" name="Subtitle 2">
-            <a:extLst>
-              <a:ext uri="{FF2B5EF4-FFF2-40B4-BE49-F238E27FC236}">
-                <a16:creationId xmlns:a16="http://schemas.microsoft.com/office/drawing/2014/main" id="{2718F81D-777E-4117-871D-E1C96A75F5F1}"/>
-              </a:ext>
-            </a:extLst>
-          </p:cNvPr>
-          <p:cNvSpPr>
-            <a:spLocks noGrp="1"/>
-          </p:cNvSpPr>
-          <p:nvPr>
-            <p:ph type="subTitle" idx="1"/>
-          </p:nvPr>
-        </p:nvSpPr>
-        <p:spPr>
-          <a:xfrm>
-            <a:off x="1293845" y="5432564"/>
-            <a:ext cx="9604310" cy="457200"/>
-          </a:xfrm>
-        </p:spPr>
-        <p:txBody>
-          <a:bodyPr/>
-          <a:lstStyle/>
-          <a:p>
-            <a:r>
-              <a:rPr lang="en-US" dirty="0"/>
-              <a:t>?</a:t>
-            </a:r>
-          </a:p>
-        </p:txBody>
-      </p:sp>
-      <p:pic>
-        <p:nvPicPr>
-          <p:cNvPr id="5" name="Picture 4">
-            <a:extLst>
-              <a:ext uri="{FF2B5EF4-FFF2-40B4-BE49-F238E27FC236}">
-                <a16:creationId xmlns:a16="http://schemas.microsoft.com/office/drawing/2014/main" id="{17B175E3-C54C-4895-8C64-876F77A648FF}"/>
-              </a:ext>
-              <a:ext uri="{C183D7F6-B498-43B3-948B-1728B52AA6E4}">
-                <adec:decorative xmlns:adec="http://schemas.microsoft.com/office/drawing/2017/decorative" val="1"/>
-              </a:ext>
-            </a:extLst>
-          </p:cNvPr>
-          <p:cNvPicPr>
-            <a:picLocks noChangeAspect="1"/>
-          </p:cNvPicPr>
-          <p:nvPr/>
-        </p:nvPicPr>
-        <p:blipFill>
-          <a:blip r:embed="rId3">
-            <a:alphaModFix amt="50000"/>
-          </a:blip>
-          <a:stretch>
-            <a:fillRect/>
-          </a:stretch>
-        </p:blipFill>
-        <p:spPr>
-          <a:xfrm>
-            <a:off x="10095253" y="275253"/>
-            <a:ext cx="1602694" cy="457200"/>
-          </a:xfrm>
-          <a:prstGeom prst="rect">
-            <a:avLst/>
-          </a:prstGeom>
-        </p:spPr>
-      </p:pic>
-    </p:spTree>
-    <p:extLst>
-      <p:ext uri="{BB962C8B-B14F-4D97-AF65-F5344CB8AC3E}">
-        <p14:creationId xmlns:p14="http://schemas.microsoft.com/office/powerpoint/2010/main" val="627353012"/>
-      </p:ext>
-    </p:extLst>
-  </p:cSld>
-  <p:clrMapOvr>
-    <a:masterClrMapping/>
-  </p:clrMapOvr>
-  <mc:AlternateContent xmlns:mc="http://schemas.openxmlformats.org/markup-compatibility/2006" xmlns:p14="http://schemas.microsoft.com/office/powerpoint/2010/main">
-    <mc:Choice Requires="p14">
-      <p:transition spd="med" p14:dur="700">
-        <p:fade/>
-      </p:transition>
-    </mc:Choice>
-    <mc:Fallback xmlns="">
-      <p:transition spd="med">
-        <p:fade/>
-      </p:transition>
-    </mc:Fallback>
-  </mc:AlternateContent>
-</p:sld>
-</file>
-
-<file path=ppt/slides/slide16.xml><?xml version="1.0" encoding="utf-8"?>
-<p:sld xmlns:a="http://schemas.openxmlformats.org/drawingml/2006/main" xmlns:r="http://schemas.openxmlformats.org/officeDocument/2006/relationships" xmlns:p="http://schemas.openxmlformats.org/presentationml/2006/main">
-  <p:cSld>
-    <p:spTree>
-      <p:nvGrpSpPr>
-        <p:cNvPr id="1" name=""/>
-        <p:cNvGrpSpPr/>
-        <p:nvPr/>
-      </p:nvGrpSpPr>
-      <p:grpSpPr>
-        <a:xfrm>
-          <a:off x="0" y="0"/>
-          <a:ext cx="0" cy="0"/>
-          <a:chOff x="0" y="0"/>
-          <a:chExt cx="0" cy="0"/>
-        </a:xfrm>
-      </p:grpSpPr>
-      <p:sp>
-        <p:nvSpPr>
-          <p:cNvPr id="2" name="Title 1">
-            <a:extLst>
-              <a:ext uri="{FF2B5EF4-FFF2-40B4-BE49-F238E27FC236}">
                 <a16:creationId xmlns:a16="http://schemas.microsoft.com/office/drawing/2014/main" id="{D7E69B4D-2A36-486B-8406-88EBEB50D7BE}"/>
               </a:ext>
             </a:extLst>
@@ -18663,9 +18498,16 @@
             <p:ph type="title"/>
           </p:nvPr>
         </p:nvSpPr>
-        <p:spPr/>
+        <p:spPr>
+          <a:xfrm>
+            <a:off x="1295400" y="503853"/>
+            <a:ext cx="9601200" cy="1142385"/>
+          </a:xfrm>
+        </p:spPr>
         <p:txBody>
-          <a:bodyPr/>
+          <a:bodyPr anchor="b">
+            <a:normAutofit/>
+          </a:bodyPr>
           <a:lstStyle/>
           <a:p>
             <a:r>
@@ -18689,13 +18531,48 @@
             <a:spLocks noGrp="1"/>
           </p:cNvSpPr>
           <p:nvPr>
-            <p:ph idx="1"/>
+            <p:ph sz="half" idx="1"/>
           </p:nvPr>
         </p:nvSpPr>
-        <p:spPr/>
+        <p:spPr>
+          <a:xfrm>
+            <a:off x="1295399" y="1981199"/>
+            <a:ext cx="7922741" cy="3810001"/>
+          </a:xfrm>
+        </p:spPr>
         <p:txBody>
-          <a:bodyPr/>
+          <a:bodyPr>
+            <a:normAutofit/>
+          </a:bodyPr>
           <a:lstStyle/>
+          <a:p>
+            <a:r>
+              <a:rPr lang="en-US" dirty="0"/>
+              <a:t>Ne</a:t>
+            </a:r>
+            <a:r>
+              <a:rPr lang="sr-Latn-RS" dirty="0"/>
+              <a:t>ma izgovora, vaš je posao da čuvate osetljive podatke na bezbedan način</a:t>
+            </a:r>
+            <a:endParaRPr lang="en-US" dirty="0"/>
+          </a:p>
+          <a:p>
+            <a:endParaRPr lang="sr-Latn-RS" dirty="0"/>
+          </a:p>
+          <a:p>
+            <a:r>
+              <a:rPr lang="sr-Latn-RS" dirty="0"/>
+              <a:t>Pitanja</a:t>
+            </a:r>
+            <a:r>
+              <a:rPr lang="en-US" dirty="0"/>
+              <a:t>?</a:t>
+            </a:r>
+            <a:endParaRPr lang="sr-Latn-RS" b="1" dirty="0"/>
+          </a:p>
+          <a:p>
+            <a:endParaRPr lang="en-US" dirty="0"/>
+          </a:p>
           <a:p>
             <a:r>
               <a:rPr lang="en-US" dirty="0" err="1"/>
@@ -18756,6 +18633,13 @@
               <a:rPr lang="en-US" dirty="0"/>
               <a:t> </a:t>
             </a:r>
+            <a:endParaRPr lang="sr-Latn-RS" dirty="0"/>
+          </a:p>
+          <a:p>
+            <a:pPr marL="0" indent="0">
+              <a:buNone/>
+            </a:pPr>
+            <a:endParaRPr lang="sr-Latn-RS" dirty="0"/>
           </a:p>
         </p:txBody>
       </p:sp>
@@ -18778,7 +18662,7 @@
         </p:nvPicPr>
         <p:blipFill>
           <a:blip r:embed="rId5">
-            <a:alphaModFix amt="50000"/>
+            <a:alphaModFix amt="20000"/>
           </a:blip>
           <a:stretch>
             <a:fillRect/>
@@ -18786,12 +18670,13 @@
         </p:blipFill>
         <p:spPr>
           <a:xfrm>
-            <a:off x="10095253" y="275253"/>
-            <a:ext cx="1602694" cy="457200"/>
+            <a:off x="7747685" y="4144948"/>
+            <a:ext cx="3719383" cy="1060024"/>
           </a:xfrm>
           <a:prstGeom prst="rect">
             <a:avLst/>
           </a:prstGeom>
+          <a:noFill/>
         </p:spPr>
       </p:pic>
     </p:spTree>
@@ -18982,6 +18867,41 @@
           </a:p>
         </p:txBody>
       </p:sp>
+      <p:pic>
+        <p:nvPicPr>
+          <p:cNvPr id="4" name="Picture 3">
+            <a:extLst>
+              <a:ext uri="{FF2B5EF4-FFF2-40B4-BE49-F238E27FC236}">
+                <a16:creationId xmlns:a16="http://schemas.microsoft.com/office/drawing/2014/main" id="{94C88E3E-A043-4DFD-8728-35D58B86C95D}"/>
+              </a:ext>
+              <a:ext uri="{C183D7F6-B498-43B3-948B-1728B52AA6E4}">
+                <adec:decorative xmlns:adec="http://schemas.microsoft.com/office/drawing/2017/decorative" val="1"/>
+              </a:ext>
+            </a:extLst>
+          </p:cNvPr>
+          <p:cNvPicPr>
+            <a:picLocks noChangeAspect="1"/>
+          </p:cNvPicPr>
+          <p:nvPr/>
+        </p:nvPicPr>
+        <p:blipFill>
+          <a:blip r:embed="rId2">
+            <a:alphaModFix amt="50000"/>
+          </a:blip>
+          <a:stretch>
+            <a:fillRect/>
+          </a:stretch>
+        </p:blipFill>
+        <p:spPr>
+          <a:xfrm>
+            <a:off x="10095253" y="275253"/>
+            <a:ext cx="1602694" cy="457200"/>
+          </a:xfrm>
+          <a:prstGeom prst="rect">
+            <a:avLst/>
+          </a:prstGeom>
+        </p:spPr>
+      </p:pic>
     </p:spTree>
     <p:extLst>
       <p:ext uri="{BB962C8B-B14F-4D97-AF65-F5344CB8AC3E}">
@@ -19306,6 +19226,41 @@
         <p:spPr>
           <a:xfrm>
             <a:off x="2780053" y="4778237"/>
+            <a:ext cx="1602694" cy="457200"/>
+          </a:xfrm>
+          <a:prstGeom prst="rect">
+            <a:avLst/>
+          </a:prstGeom>
+        </p:spPr>
+      </p:pic>
+      <p:pic>
+        <p:nvPicPr>
+          <p:cNvPr id="6" name="Picture 5">
+            <a:extLst>
+              <a:ext uri="{FF2B5EF4-FFF2-40B4-BE49-F238E27FC236}">
+                <a16:creationId xmlns:a16="http://schemas.microsoft.com/office/drawing/2014/main" id="{14A12BCC-21C8-4819-A6E8-A62D71382241}"/>
+              </a:ext>
+              <a:ext uri="{C183D7F6-B498-43B3-948B-1728B52AA6E4}">
+                <adec:decorative xmlns:adec="http://schemas.microsoft.com/office/drawing/2017/decorative" val="1"/>
+              </a:ext>
+            </a:extLst>
+          </p:cNvPr>
+          <p:cNvPicPr>
+            <a:picLocks noChangeAspect="1"/>
+          </p:cNvPicPr>
+          <p:nvPr/>
+        </p:nvPicPr>
+        <p:blipFill>
+          <a:blip r:embed="rId4">
+            <a:alphaModFix amt="50000"/>
+          </a:blip>
+          <a:stretch>
+            <a:fillRect/>
+          </a:stretch>
+        </p:blipFill>
+        <p:spPr>
+          <a:xfrm>
+            <a:off x="10095253" y="275253"/>
             <a:ext cx="1602694" cy="457200"/>
           </a:xfrm>
           <a:prstGeom prst="rect">

--- a/azure-meetup-key-vault/presentation.pptx
+++ b/azure-meetup-key-vault/presentation.pptx
@@ -5,29 +5,28 @@
     <p:sldMasterId id="2147483648" r:id="rId1"/>
   </p:sldMasterIdLst>
   <p:notesMasterIdLst>
-    <p:notesMasterId r:id="rId19"/>
+    <p:notesMasterId r:id="rId18"/>
   </p:notesMasterIdLst>
   <p:handoutMasterIdLst>
-    <p:handoutMasterId r:id="rId20"/>
+    <p:handoutMasterId r:id="rId19"/>
   </p:handoutMasterIdLst>
   <p:sldIdLst>
     <p:sldId id="261" r:id="rId2"/>
     <p:sldId id="269" r:id="rId3"/>
     <p:sldId id="257" r:id="rId4"/>
     <p:sldId id="272" r:id="rId5"/>
-    <p:sldId id="276" r:id="rId6"/>
-    <p:sldId id="277" r:id="rId7"/>
-    <p:sldId id="278" r:id="rId8"/>
-    <p:sldId id="275" r:id="rId9"/>
-    <p:sldId id="274" r:id="rId10"/>
-    <p:sldId id="263" r:id="rId11"/>
-    <p:sldId id="271" r:id="rId12"/>
-    <p:sldId id="264" r:id="rId13"/>
-    <p:sldId id="265" r:id="rId14"/>
-    <p:sldId id="266" r:id="rId15"/>
-    <p:sldId id="267" r:id="rId16"/>
-    <p:sldId id="268" r:id="rId17"/>
-    <p:sldId id="270" r:id="rId18"/>
+    <p:sldId id="279" r:id="rId6"/>
+    <p:sldId id="276" r:id="rId7"/>
+    <p:sldId id="277" r:id="rId8"/>
+    <p:sldId id="278" r:id="rId9"/>
+    <p:sldId id="275" r:id="rId10"/>
+    <p:sldId id="280" r:id="rId11"/>
+    <p:sldId id="281" r:id="rId12"/>
+    <p:sldId id="283" r:id="rId13"/>
+    <p:sldId id="284" r:id="rId14"/>
+    <p:sldId id="285" r:id="rId15"/>
+    <p:sldId id="286" r:id="rId16"/>
+    <p:sldId id="287" r:id="rId17"/>
   </p:sldIdLst>
   <p:sldSz cx="12192000" cy="6858000"/>
   <p:notesSz cx="6858000" cy="9144000"/>
@@ -148,3047 +147,6 @@
 </p:presentation>
 </file>
 
-<file path=ppt/diagrams/colors1.xml><?xml version="1.0" encoding="utf-8"?>
-<dgm:colorsDef xmlns:dgm="http://schemas.openxmlformats.org/drawingml/2006/diagram" xmlns:a="http://schemas.openxmlformats.org/drawingml/2006/main" uniqueId="urn:microsoft.com/office/officeart/2005/8/colors/accent1_1">
-  <dgm:title val=""/>
-  <dgm:desc val=""/>
-  <dgm:catLst>
-    <dgm:cat type="accent1" pri="11100"/>
-  </dgm:catLst>
-  <dgm:styleLbl name="node0">
-    <dgm:fillClrLst meth="repeat">
-      <a:schemeClr val="lt1"/>
-    </dgm:fillClrLst>
-    <dgm:linClrLst meth="repeat">
-      <a:schemeClr val="accent1">
-        <a:shade val="80000"/>
-      </a:schemeClr>
-    </dgm:linClrLst>
-    <dgm:effectClrLst/>
-    <dgm:txLinClrLst/>
-    <dgm:txFillClrLst meth="repeat">
-      <a:schemeClr val="dk1"/>
-    </dgm:txFillClrLst>
-    <dgm:txEffectClrLst/>
-  </dgm:styleLbl>
-  <dgm:styleLbl name="alignNode1">
-    <dgm:fillClrLst meth="repeat">
-      <a:schemeClr val="lt1"/>
-    </dgm:fillClrLst>
-    <dgm:linClrLst meth="repeat">
-      <a:schemeClr val="accent1">
-        <a:shade val="80000"/>
-      </a:schemeClr>
-    </dgm:linClrLst>
-    <dgm:effectClrLst/>
-    <dgm:txLinClrLst/>
-    <dgm:txFillClrLst meth="repeat">
-      <a:schemeClr val="dk1"/>
-    </dgm:txFillClrLst>
-    <dgm:txEffectClrLst/>
-  </dgm:styleLbl>
-  <dgm:styleLbl name="node1">
-    <dgm:fillClrLst meth="repeat">
-      <a:schemeClr val="lt1"/>
-    </dgm:fillClrLst>
-    <dgm:linClrLst meth="repeat">
-      <a:schemeClr val="accent1">
-        <a:shade val="80000"/>
-      </a:schemeClr>
-    </dgm:linClrLst>
-    <dgm:effectClrLst/>
-    <dgm:txLinClrLst/>
-    <dgm:txFillClrLst meth="repeat">
-      <a:schemeClr val="dk1"/>
-    </dgm:txFillClrLst>
-    <dgm:txEffectClrLst/>
-  </dgm:styleLbl>
-  <dgm:styleLbl name="lnNode1">
-    <dgm:fillClrLst meth="repeat">
-      <a:schemeClr val="lt1"/>
-    </dgm:fillClrLst>
-    <dgm:linClrLst meth="repeat">
-      <a:schemeClr val="accent1">
-        <a:shade val="80000"/>
-      </a:schemeClr>
-    </dgm:linClrLst>
-    <dgm:effectClrLst/>
-    <dgm:txLinClrLst/>
-    <dgm:txFillClrLst meth="repeat">
-      <a:schemeClr val="dk1"/>
-    </dgm:txFillClrLst>
-    <dgm:txEffectClrLst/>
-  </dgm:styleLbl>
-  <dgm:styleLbl name="vennNode1">
-    <dgm:fillClrLst meth="repeat">
-      <a:schemeClr val="lt1">
-        <a:alpha val="50000"/>
-      </a:schemeClr>
-    </dgm:fillClrLst>
-    <dgm:linClrLst meth="repeat">
-      <a:schemeClr val="accent1">
-        <a:shade val="80000"/>
-      </a:schemeClr>
-    </dgm:linClrLst>
-    <dgm:effectClrLst/>
-    <dgm:txLinClrLst/>
-    <dgm:txFillClrLst/>
-    <dgm:txEffectClrLst/>
-  </dgm:styleLbl>
-  <dgm:styleLbl name="node2">
-    <dgm:fillClrLst meth="repeat">
-      <a:schemeClr val="lt1"/>
-    </dgm:fillClrLst>
-    <dgm:linClrLst meth="repeat">
-      <a:schemeClr val="accent1">
-        <a:shade val="80000"/>
-      </a:schemeClr>
-    </dgm:linClrLst>
-    <dgm:effectClrLst/>
-    <dgm:txLinClrLst/>
-    <dgm:txFillClrLst meth="repeat">
-      <a:schemeClr val="dk1"/>
-    </dgm:txFillClrLst>
-    <dgm:txEffectClrLst/>
-  </dgm:styleLbl>
-  <dgm:styleLbl name="node3">
-    <dgm:fillClrLst meth="repeat">
-      <a:schemeClr val="lt1"/>
-    </dgm:fillClrLst>
-    <dgm:linClrLst meth="repeat">
-      <a:schemeClr val="accent1">
-        <a:shade val="80000"/>
-      </a:schemeClr>
-    </dgm:linClrLst>
-    <dgm:effectClrLst/>
-    <dgm:txLinClrLst/>
-    <dgm:txFillClrLst meth="repeat">
-      <a:schemeClr val="dk1"/>
-    </dgm:txFillClrLst>
-    <dgm:txEffectClrLst/>
-  </dgm:styleLbl>
-  <dgm:styleLbl name="node4">
-    <dgm:fillClrLst meth="repeat">
-      <a:schemeClr val="lt1"/>
-    </dgm:fillClrLst>
-    <dgm:linClrLst meth="repeat">
-      <a:schemeClr val="accent1">
-        <a:shade val="80000"/>
-      </a:schemeClr>
-    </dgm:linClrLst>
-    <dgm:effectClrLst/>
-    <dgm:txLinClrLst/>
-    <dgm:txFillClrLst meth="repeat">
-      <a:schemeClr val="dk1"/>
-    </dgm:txFillClrLst>
-    <dgm:txEffectClrLst/>
-  </dgm:styleLbl>
-  <dgm:styleLbl name="fgImgPlace1">
-    <dgm:fillClrLst meth="repeat">
-      <a:schemeClr val="accent1">
-        <a:tint val="40000"/>
-      </a:schemeClr>
-    </dgm:fillClrLst>
-    <dgm:linClrLst meth="repeat">
-      <a:schemeClr val="accent1">
-        <a:shade val="80000"/>
-      </a:schemeClr>
-    </dgm:linClrLst>
-    <dgm:effectClrLst/>
-    <dgm:txLinClrLst/>
-    <dgm:txFillClrLst meth="repeat">
-      <a:schemeClr val="lt1"/>
-    </dgm:txFillClrLst>
-    <dgm:txEffectClrLst/>
-  </dgm:styleLbl>
-  <dgm:styleLbl name="alignImgPlace1">
-    <dgm:fillClrLst meth="repeat">
-      <a:schemeClr val="accent1">
-        <a:tint val="40000"/>
-      </a:schemeClr>
-    </dgm:fillClrLst>
-    <dgm:linClrLst meth="repeat">
-      <a:schemeClr val="accent1">
-        <a:shade val="80000"/>
-      </a:schemeClr>
-    </dgm:linClrLst>
-    <dgm:effectClrLst/>
-    <dgm:txLinClrLst/>
-    <dgm:txFillClrLst meth="repeat">
-      <a:schemeClr val="lt1"/>
-    </dgm:txFillClrLst>
-    <dgm:txEffectClrLst/>
-  </dgm:styleLbl>
-  <dgm:styleLbl name="bgImgPlace1">
-    <dgm:fillClrLst meth="repeat">
-      <a:schemeClr val="accent1">
-        <a:tint val="40000"/>
-      </a:schemeClr>
-    </dgm:fillClrLst>
-    <dgm:linClrLst meth="repeat">
-      <a:schemeClr val="accent1">
-        <a:shade val="80000"/>
-      </a:schemeClr>
-    </dgm:linClrLst>
-    <dgm:effectClrLst/>
-    <dgm:txLinClrLst/>
-    <dgm:txFillClrLst meth="repeat">
-      <a:schemeClr val="lt1"/>
-    </dgm:txFillClrLst>
-    <dgm:txEffectClrLst/>
-  </dgm:styleLbl>
-  <dgm:styleLbl name="sibTrans2D1">
-    <dgm:fillClrLst meth="repeat">
-      <a:schemeClr val="accent1">
-        <a:tint val="60000"/>
-      </a:schemeClr>
-    </dgm:fillClrLst>
-    <dgm:linClrLst meth="repeat">
-      <a:schemeClr val="accent1">
-        <a:tint val="60000"/>
-      </a:schemeClr>
-    </dgm:linClrLst>
-    <dgm:effectClrLst/>
-    <dgm:txLinClrLst/>
-    <dgm:txFillClrLst meth="repeat">
-      <a:schemeClr val="dk1"/>
-    </dgm:txFillClrLst>
-    <dgm:txEffectClrLst/>
-  </dgm:styleLbl>
-  <dgm:styleLbl name="fgSibTrans2D1">
-    <dgm:fillClrLst meth="repeat">
-      <a:schemeClr val="accent1">
-        <a:tint val="60000"/>
-      </a:schemeClr>
-    </dgm:fillClrLst>
-    <dgm:linClrLst meth="repeat">
-      <a:schemeClr val="accent1">
-        <a:tint val="60000"/>
-      </a:schemeClr>
-    </dgm:linClrLst>
-    <dgm:effectClrLst/>
-    <dgm:txLinClrLst/>
-    <dgm:txFillClrLst meth="repeat">
-      <a:schemeClr val="dk1"/>
-    </dgm:txFillClrLst>
-    <dgm:txEffectClrLst/>
-  </dgm:styleLbl>
-  <dgm:styleLbl name="bgSibTrans2D1">
-    <dgm:fillClrLst meth="repeat">
-      <a:schemeClr val="accent1">
-        <a:tint val="60000"/>
-      </a:schemeClr>
-    </dgm:fillClrLst>
-    <dgm:linClrLst meth="repeat">
-      <a:schemeClr val="accent1">
-        <a:tint val="60000"/>
-      </a:schemeClr>
-    </dgm:linClrLst>
-    <dgm:effectClrLst/>
-    <dgm:txLinClrLst/>
-    <dgm:txFillClrLst meth="repeat">
-      <a:schemeClr val="dk1"/>
-    </dgm:txFillClrLst>
-    <dgm:txEffectClrLst/>
-  </dgm:styleLbl>
-  <dgm:styleLbl name="sibTrans1D1">
-    <dgm:fillClrLst meth="repeat">
-      <a:schemeClr val="accent1"/>
-    </dgm:fillClrLst>
-    <dgm:linClrLst meth="repeat">
-      <a:schemeClr val="accent1"/>
-    </dgm:linClrLst>
-    <dgm:effectClrLst/>
-    <dgm:txLinClrLst/>
-    <dgm:txFillClrLst meth="repeat">
-      <a:schemeClr val="tx1"/>
-    </dgm:txFillClrLst>
-    <dgm:txEffectClrLst/>
-  </dgm:styleLbl>
-  <dgm:styleLbl name="callout">
-    <dgm:fillClrLst meth="repeat">
-      <a:schemeClr val="accent1"/>
-    </dgm:fillClrLst>
-    <dgm:linClrLst meth="repeat">
-      <a:schemeClr val="accent1"/>
-    </dgm:linClrLst>
-    <dgm:effectClrLst/>
-    <dgm:txLinClrLst/>
-    <dgm:txFillClrLst meth="repeat">
-      <a:schemeClr val="tx1"/>
-    </dgm:txFillClrLst>
-    <dgm:txEffectClrLst/>
-  </dgm:styleLbl>
-  <dgm:styleLbl name="asst0">
-    <dgm:fillClrLst meth="repeat">
-      <a:schemeClr val="lt1"/>
-    </dgm:fillClrLst>
-    <dgm:linClrLst meth="repeat">
-      <a:schemeClr val="accent1">
-        <a:shade val="80000"/>
-      </a:schemeClr>
-    </dgm:linClrLst>
-    <dgm:effectClrLst/>
-    <dgm:txLinClrLst/>
-    <dgm:txFillClrLst meth="repeat">
-      <a:schemeClr val="dk1"/>
-    </dgm:txFillClrLst>
-    <dgm:txEffectClrLst/>
-  </dgm:styleLbl>
-  <dgm:styleLbl name="asst1">
-    <dgm:fillClrLst meth="repeat">
-      <a:schemeClr val="lt1"/>
-    </dgm:fillClrLst>
-    <dgm:linClrLst meth="repeat">
-      <a:schemeClr val="accent1">
-        <a:shade val="80000"/>
-      </a:schemeClr>
-    </dgm:linClrLst>
-    <dgm:effectClrLst/>
-    <dgm:txLinClrLst/>
-    <dgm:txFillClrLst meth="repeat">
-      <a:schemeClr val="dk1"/>
-    </dgm:txFillClrLst>
-    <dgm:txEffectClrLst/>
-  </dgm:styleLbl>
-  <dgm:styleLbl name="asst2">
-    <dgm:fillClrLst meth="repeat">
-      <a:schemeClr val="lt1"/>
-    </dgm:fillClrLst>
-    <dgm:linClrLst meth="repeat">
-      <a:schemeClr val="accent1">
-        <a:shade val="80000"/>
-      </a:schemeClr>
-    </dgm:linClrLst>
-    <dgm:effectClrLst/>
-    <dgm:txLinClrLst/>
-    <dgm:txFillClrLst meth="repeat">
-      <a:schemeClr val="dk1"/>
-    </dgm:txFillClrLst>
-    <dgm:txEffectClrLst/>
-  </dgm:styleLbl>
-  <dgm:styleLbl name="asst3">
-    <dgm:fillClrLst meth="repeat">
-      <a:schemeClr val="lt1"/>
-    </dgm:fillClrLst>
-    <dgm:linClrLst meth="repeat">
-      <a:schemeClr val="accent1">
-        <a:shade val="80000"/>
-      </a:schemeClr>
-    </dgm:linClrLst>
-    <dgm:effectClrLst/>
-    <dgm:txLinClrLst/>
-    <dgm:txFillClrLst meth="repeat">
-      <a:schemeClr val="dk1"/>
-    </dgm:txFillClrLst>
-    <dgm:txEffectClrLst/>
-  </dgm:styleLbl>
-  <dgm:styleLbl name="asst4">
-    <dgm:fillClrLst meth="repeat">
-      <a:schemeClr val="lt1"/>
-    </dgm:fillClrLst>
-    <dgm:linClrLst meth="repeat">
-      <a:schemeClr val="accent1">
-        <a:shade val="80000"/>
-      </a:schemeClr>
-    </dgm:linClrLst>
-    <dgm:effectClrLst/>
-    <dgm:txLinClrLst/>
-    <dgm:txFillClrLst meth="repeat">
-      <a:schemeClr val="dk1"/>
-    </dgm:txFillClrLst>
-    <dgm:txEffectClrLst/>
-  </dgm:styleLbl>
-  <dgm:styleLbl name="parChTrans2D1">
-    <dgm:fillClrLst meth="repeat">
-      <a:schemeClr val="accent1">
-        <a:tint val="60000"/>
-      </a:schemeClr>
-    </dgm:fillClrLst>
-    <dgm:linClrLst meth="repeat">
-      <a:schemeClr val="accent1">
-        <a:tint val="60000"/>
-      </a:schemeClr>
-    </dgm:linClrLst>
-    <dgm:effectClrLst/>
-    <dgm:txLinClrLst/>
-    <dgm:txFillClrLst/>
-    <dgm:txEffectClrLst/>
-  </dgm:styleLbl>
-  <dgm:styleLbl name="parChTrans2D2">
-    <dgm:fillClrLst meth="repeat">
-      <a:schemeClr val="accent1"/>
-    </dgm:fillClrLst>
-    <dgm:linClrLst meth="repeat">
-      <a:schemeClr val="accent1"/>
-    </dgm:linClrLst>
-    <dgm:effectClrLst/>
-    <dgm:txLinClrLst/>
-    <dgm:txFillClrLst/>
-    <dgm:txEffectClrLst/>
-  </dgm:styleLbl>
-  <dgm:styleLbl name="parChTrans2D3">
-    <dgm:fillClrLst meth="repeat">
-      <a:schemeClr val="accent1"/>
-    </dgm:fillClrLst>
-    <dgm:linClrLst meth="repeat">
-      <a:schemeClr val="accent1"/>
-    </dgm:linClrLst>
-    <dgm:effectClrLst/>
-    <dgm:txLinClrLst/>
-    <dgm:txFillClrLst/>
-    <dgm:txEffectClrLst/>
-  </dgm:styleLbl>
-  <dgm:styleLbl name="parChTrans2D4">
-    <dgm:fillClrLst meth="repeat">
-      <a:schemeClr val="accent1"/>
-    </dgm:fillClrLst>
-    <dgm:linClrLst meth="repeat">
-      <a:schemeClr val="accent1"/>
-    </dgm:linClrLst>
-    <dgm:effectClrLst/>
-    <dgm:txLinClrLst/>
-    <dgm:txFillClrLst meth="repeat">
-      <a:schemeClr val="lt1"/>
-    </dgm:txFillClrLst>
-    <dgm:txEffectClrLst/>
-  </dgm:styleLbl>
-  <dgm:styleLbl name="parChTrans1D1">
-    <dgm:fillClrLst meth="repeat">
-      <a:schemeClr val="accent1"/>
-    </dgm:fillClrLst>
-    <dgm:linClrLst meth="repeat">
-      <a:schemeClr val="accent1">
-        <a:shade val="60000"/>
-      </a:schemeClr>
-    </dgm:linClrLst>
-    <dgm:effectClrLst/>
-    <dgm:txLinClrLst/>
-    <dgm:txFillClrLst meth="repeat">
-      <a:schemeClr val="tx1"/>
-    </dgm:txFillClrLst>
-    <dgm:txEffectClrLst/>
-  </dgm:styleLbl>
-  <dgm:styleLbl name="parChTrans1D2">
-    <dgm:fillClrLst meth="repeat">
-      <a:schemeClr val="accent1"/>
-    </dgm:fillClrLst>
-    <dgm:linClrLst meth="repeat">
-      <a:schemeClr val="accent1">
-        <a:shade val="60000"/>
-      </a:schemeClr>
-    </dgm:linClrLst>
-    <dgm:effectClrLst/>
-    <dgm:txLinClrLst/>
-    <dgm:txFillClrLst meth="repeat">
-      <a:schemeClr val="tx1"/>
-    </dgm:txFillClrLst>
-    <dgm:txEffectClrLst/>
-  </dgm:styleLbl>
-  <dgm:styleLbl name="parChTrans1D3">
-    <dgm:fillClrLst meth="repeat">
-      <a:schemeClr val="accent1"/>
-    </dgm:fillClrLst>
-    <dgm:linClrLst meth="repeat">
-      <a:schemeClr val="accent1">
-        <a:shade val="80000"/>
-      </a:schemeClr>
-    </dgm:linClrLst>
-    <dgm:effectClrLst/>
-    <dgm:txLinClrLst/>
-    <dgm:txFillClrLst meth="repeat">
-      <a:schemeClr val="tx1"/>
-    </dgm:txFillClrLst>
-    <dgm:txEffectClrLst/>
-  </dgm:styleLbl>
-  <dgm:styleLbl name="parChTrans1D4">
-    <dgm:fillClrLst meth="repeat">
-      <a:schemeClr val="accent1"/>
-    </dgm:fillClrLst>
-    <dgm:linClrLst meth="repeat">
-      <a:schemeClr val="accent1">
-        <a:shade val="80000"/>
-      </a:schemeClr>
-    </dgm:linClrLst>
-    <dgm:effectClrLst/>
-    <dgm:txLinClrLst/>
-    <dgm:txFillClrLst meth="repeat">
-      <a:schemeClr val="tx1"/>
-    </dgm:txFillClrLst>
-    <dgm:txEffectClrLst/>
-  </dgm:styleLbl>
-  <dgm:styleLbl name="fgAcc1">
-    <dgm:fillClrLst meth="repeat">
-      <a:schemeClr val="accent1">
-        <a:alpha val="90000"/>
-        <a:tint val="40000"/>
-      </a:schemeClr>
-    </dgm:fillClrLst>
-    <dgm:linClrLst meth="repeat">
-      <a:schemeClr val="accent1"/>
-    </dgm:linClrLst>
-    <dgm:effectClrLst/>
-    <dgm:txLinClrLst/>
-    <dgm:txFillClrLst meth="repeat">
-      <a:schemeClr val="dk1"/>
-    </dgm:txFillClrLst>
-    <dgm:txEffectClrLst/>
-  </dgm:styleLbl>
-  <dgm:styleLbl name="conFgAcc1">
-    <dgm:fillClrLst meth="repeat">
-      <a:schemeClr val="accent1">
-        <a:alpha val="90000"/>
-        <a:tint val="40000"/>
-      </a:schemeClr>
-    </dgm:fillClrLst>
-    <dgm:linClrLst meth="repeat">
-      <a:schemeClr val="accent1"/>
-    </dgm:linClrLst>
-    <dgm:effectClrLst/>
-    <dgm:txLinClrLst/>
-    <dgm:txFillClrLst meth="repeat">
-      <a:schemeClr val="dk1"/>
-    </dgm:txFillClrLst>
-    <dgm:txEffectClrLst/>
-  </dgm:styleLbl>
-  <dgm:styleLbl name="alignAcc1">
-    <dgm:fillClrLst meth="repeat">
-      <a:schemeClr val="accent1">
-        <a:alpha val="90000"/>
-        <a:tint val="40000"/>
-      </a:schemeClr>
-    </dgm:fillClrLst>
-    <dgm:linClrLst meth="repeat">
-      <a:schemeClr val="accent1"/>
-    </dgm:linClrLst>
-    <dgm:effectClrLst/>
-    <dgm:txLinClrLst/>
-    <dgm:txFillClrLst meth="repeat">
-      <a:schemeClr val="dk1"/>
-    </dgm:txFillClrLst>
-    <dgm:txEffectClrLst/>
-  </dgm:styleLbl>
-  <dgm:styleLbl name="trAlignAcc1">
-    <dgm:fillClrLst meth="repeat">
-      <a:schemeClr val="accent1">
-        <a:alpha val="40000"/>
-        <a:tint val="40000"/>
-      </a:schemeClr>
-    </dgm:fillClrLst>
-    <dgm:linClrLst meth="repeat">
-      <a:schemeClr val="accent1"/>
-    </dgm:linClrLst>
-    <dgm:effectClrLst/>
-    <dgm:txLinClrLst/>
-    <dgm:txFillClrLst meth="repeat">
-      <a:schemeClr val="dk1"/>
-    </dgm:txFillClrLst>
-    <dgm:txEffectClrLst/>
-  </dgm:styleLbl>
-  <dgm:styleLbl name="bgAcc1">
-    <dgm:fillClrLst meth="repeat">
-      <a:schemeClr val="accent1">
-        <a:alpha val="90000"/>
-        <a:tint val="40000"/>
-      </a:schemeClr>
-    </dgm:fillClrLst>
-    <dgm:linClrLst meth="repeat">
-      <a:schemeClr val="accent1"/>
-    </dgm:linClrLst>
-    <dgm:effectClrLst/>
-    <dgm:txLinClrLst/>
-    <dgm:txFillClrLst meth="repeat">
-      <a:schemeClr val="dk1"/>
-    </dgm:txFillClrLst>
-    <dgm:txEffectClrLst/>
-  </dgm:styleLbl>
-  <dgm:styleLbl name="solidFgAcc1">
-    <dgm:fillClrLst meth="repeat">
-      <a:schemeClr val="lt1"/>
-    </dgm:fillClrLst>
-    <dgm:linClrLst meth="repeat">
-      <a:schemeClr val="accent1"/>
-    </dgm:linClrLst>
-    <dgm:effectClrLst/>
-    <dgm:txLinClrLst/>
-    <dgm:txFillClrLst meth="repeat">
-      <a:schemeClr val="dk1"/>
-    </dgm:txFillClrLst>
-    <dgm:txEffectClrLst/>
-  </dgm:styleLbl>
-  <dgm:styleLbl name="solidAlignAcc1">
-    <dgm:fillClrLst meth="repeat">
-      <a:schemeClr val="lt1"/>
-    </dgm:fillClrLst>
-    <dgm:linClrLst meth="repeat">
-      <a:schemeClr val="accent1"/>
-    </dgm:linClrLst>
-    <dgm:effectClrLst/>
-    <dgm:txLinClrLst/>
-    <dgm:txFillClrLst meth="repeat">
-      <a:schemeClr val="dk1"/>
-    </dgm:txFillClrLst>
-    <dgm:txEffectClrLst/>
-  </dgm:styleLbl>
-  <dgm:styleLbl name="solidBgAcc1">
-    <dgm:fillClrLst meth="repeat">
-      <a:schemeClr val="lt1"/>
-    </dgm:fillClrLst>
-    <dgm:linClrLst meth="repeat">
-      <a:schemeClr val="accent1"/>
-    </dgm:linClrLst>
-    <dgm:effectClrLst/>
-    <dgm:txLinClrLst/>
-    <dgm:txFillClrLst meth="repeat">
-      <a:schemeClr val="dk1"/>
-    </dgm:txFillClrLst>
-    <dgm:txEffectClrLst/>
-  </dgm:styleLbl>
-  <dgm:styleLbl name="fgAccFollowNode1">
-    <dgm:fillClrLst meth="repeat">
-      <a:schemeClr val="lt1">
-        <a:alpha val="90000"/>
-        <a:tint val="40000"/>
-      </a:schemeClr>
-    </dgm:fillClrLst>
-    <dgm:linClrLst meth="repeat">
-      <a:schemeClr val="accent1">
-        <a:alpha val="90000"/>
-      </a:schemeClr>
-    </dgm:linClrLst>
-    <dgm:effectClrLst/>
-    <dgm:txLinClrLst/>
-    <dgm:txFillClrLst meth="repeat">
-      <a:schemeClr val="dk1"/>
-    </dgm:txFillClrLst>
-    <dgm:txEffectClrLst/>
-  </dgm:styleLbl>
-  <dgm:styleLbl name="alignAccFollowNode1">
-    <dgm:fillClrLst meth="repeat">
-      <a:schemeClr val="lt1">
-        <a:alpha val="90000"/>
-        <a:tint val="40000"/>
-      </a:schemeClr>
-    </dgm:fillClrLst>
-    <dgm:linClrLst meth="repeat">
-      <a:schemeClr val="accent1">
-        <a:alpha val="90000"/>
-      </a:schemeClr>
-    </dgm:linClrLst>
-    <dgm:effectClrLst/>
-    <dgm:txLinClrLst/>
-    <dgm:txFillClrLst meth="repeat">
-      <a:schemeClr val="dk1"/>
-    </dgm:txFillClrLst>
-    <dgm:txEffectClrLst/>
-  </dgm:styleLbl>
-  <dgm:styleLbl name="bgAccFollowNode1">
-    <dgm:fillClrLst meth="repeat">
-      <a:schemeClr val="lt1">
-        <a:alpha val="90000"/>
-        <a:tint val="40000"/>
-      </a:schemeClr>
-    </dgm:fillClrLst>
-    <dgm:linClrLst meth="repeat">
-      <a:schemeClr val="accent1">
-        <a:alpha val="90000"/>
-      </a:schemeClr>
-    </dgm:linClrLst>
-    <dgm:effectClrLst/>
-    <dgm:txLinClrLst/>
-    <dgm:txFillClrLst meth="repeat">
-      <a:schemeClr val="dk1"/>
-    </dgm:txFillClrLst>
-    <dgm:txEffectClrLst/>
-  </dgm:styleLbl>
-  <dgm:styleLbl name="fgAcc0">
-    <dgm:fillClrLst meth="repeat">
-      <a:schemeClr val="accent1">
-        <a:alpha val="90000"/>
-        <a:tint val="40000"/>
-      </a:schemeClr>
-    </dgm:fillClrLst>
-    <dgm:linClrLst meth="repeat">
-      <a:schemeClr val="accent1"/>
-    </dgm:linClrLst>
-    <dgm:effectClrLst/>
-    <dgm:txLinClrLst/>
-    <dgm:txFillClrLst meth="repeat">
-      <a:schemeClr val="dk1"/>
-    </dgm:txFillClrLst>
-    <dgm:txEffectClrLst/>
-  </dgm:styleLbl>
-  <dgm:styleLbl name="fgAcc2">
-    <dgm:fillClrLst meth="repeat">
-      <a:schemeClr val="accent1">
-        <a:alpha val="90000"/>
-        <a:tint val="40000"/>
-      </a:schemeClr>
-    </dgm:fillClrLst>
-    <dgm:linClrLst meth="repeat">
-      <a:schemeClr val="accent1"/>
-    </dgm:linClrLst>
-    <dgm:effectClrLst/>
-    <dgm:txLinClrLst/>
-    <dgm:txFillClrLst meth="repeat">
-      <a:schemeClr val="dk1"/>
-    </dgm:txFillClrLst>
-    <dgm:txEffectClrLst/>
-  </dgm:styleLbl>
-  <dgm:styleLbl name="fgAcc3">
-    <dgm:fillClrLst meth="repeat">
-      <a:schemeClr val="accent1">
-        <a:alpha val="90000"/>
-        <a:tint val="40000"/>
-      </a:schemeClr>
-    </dgm:fillClrLst>
-    <dgm:linClrLst meth="repeat">
-      <a:schemeClr val="accent1"/>
-    </dgm:linClrLst>
-    <dgm:effectClrLst/>
-    <dgm:txLinClrLst/>
-    <dgm:txFillClrLst meth="repeat">
-      <a:schemeClr val="dk1"/>
-    </dgm:txFillClrLst>
-    <dgm:txEffectClrLst/>
-  </dgm:styleLbl>
-  <dgm:styleLbl name="fgAcc4">
-    <dgm:fillClrLst meth="repeat">
-      <a:schemeClr val="accent1">
-        <a:alpha val="90000"/>
-        <a:tint val="40000"/>
-      </a:schemeClr>
-    </dgm:fillClrLst>
-    <dgm:linClrLst meth="repeat">
-      <a:schemeClr val="accent1"/>
-    </dgm:linClrLst>
-    <dgm:effectClrLst/>
-    <dgm:txLinClrLst/>
-    <dgm:txFillClrLst meth="repeat">
-      <a:schemeClr val="dk1"/>
-    </dgm:txFillClrLst>
-    <dgm:txEffectClrLst/>
-  </dgm:styleLbl>
-  <dgm:styleLbl name="bgShp">
-    <dgm:fillClrLst meth="repeat">
-      <a:schemeClr val="accent1">
-        <a:tint val="40000"/>
-      </a:schemeClr>
-    </dgm:fillClrLst>
-    <dgm:linClrLst meth="repeat">
-      <a:schemeClr val="accent1"/>
-    </dgm:linClrLst>
-    <dgm:effectClrLst/>
-    <dgm:txLinClrLst/>
-    <dgm:txFillClrLst meth="repeat">
-      <a:schemeClr val="dk1"/>
-    </dgm:txFillClrLst>
-    <dgm:txEffectClrLst/>
-  </dgm:styleLbl>
-  <dgm:styleLbl name="dkBgShp">
-    <dgm:fillClrLst meth="repeat">
-      <a:schemeClr val="accent1">
-        <a:shade val="80000"/>
-      </a:schemeClr>
-    </dgm:fillClrLst>
-    <dgm:linClrLst meth="repeat">
-      <a:schemeClr val="accent1"/>
-    </dgm:linClrLst>
-    <dgm:effectClrLst/>
-    <dgm:txLinClrLst/>
-    <dgm:txFillClrLst meth="repeat">
-      <a:schemeClr val="lt1"/>
-    </dgm:txFillClrLst>
-    <dgm:txEffectClrLst/>
-  </dgm:styleLbl>
-  <dgm:styleLbl name="trBgShp">
-    <dgm:fillClrLst meth="repeat">
-      <a:schemeClr val="accent1">
-        <a:tint val="50000"/>
-        <a:alpha val="40000"/>
-      </a:schemeClr>
-    </dgm:fillClrLst>
-    <dgm:linClrLst meth="repeat">
-      <a:schemeClr val="accent1"/>
-    </dgm:linClrLst>
-    <dgm:effectClrLst/>
-    <dgm:txLinClrLst/>
-    <dgm:txFillClrLst meth="repeat">
-      <a:schemeClr val="lt1"/>
-    </dgm:txFillClrLst>
-    <dgm:txEffectClrLst/>
-  </dgm:styleLbl>
-  <dgm:styleLbl name="fgShp">
-    <dgm:fillClrLst meth="repeat">
-      <a:schemeClr val="accent1">
-        <a:tint val="60000"/>
-      </a:schemeClr>
-    </dgm:fillClrLst>
-    <dgm:linClrLst meth="repeat">
-      <a:schemeClr val="lt1"/>
-    </dgm:linClrLst>
-    <dgm:effectClrLst/>
-    <dgm:txLinClrLst/>
-    <dgm:txFillClrLst meth="repeat">
-      <a:schemeClr val="dk1"/>
-    </dgm:txFillClrLst>
-    <dgm:txEffectClrLst/>
-  </dgm:styleLbl>
-  <dgm:styleLbl name="revTx">
-    <dgm:fillClrLst meth="repeat">
-      <a:schemeClr val="lt1">
-        <a:alpha val="0"/>
-      </a:schemeClr>
-    </dgm:fillClrLst>
-    <dgm:linClrLst meth="repeat">
-      <a:schemeClr val="dk1">
-        <a:alpha val="0"/>
-      </a:schemeClr>
-    </dgm:linClrLst>
-    <dgm:effectClrLst/>
-    <dgm:txLinClrLst/>
-    <dgm:txFillClrLst meth="repeat">
-      <a:schemeClr val="tx1"/>
-    </dgm:txFillClrLst>
-    <dgm:txEffectClrLst/>
-  </dgm:styleLbl>
-</dgm:colorsDef>
-</file>
-
-<file path=ppt/diagrams/data1.xml><?xml version="1.0" encoding="utf-8"?>
-<dgm:dataModel xmlns:dgm="http://schemas.openxmlformats.org/drawingml/2006/diagram" xmlns:a="http://schemas.openxmlformats.org/drawingml/2006/main">
-  <dgm:ptLst>
-    <dgm:pt modelId="{FBA29113-7A70-4E0E-B036-871C49B835F1}" type="doc">
-      <dgm:prSet loTypeId="urn:microsoft.com/office/officeart/2005/8/layout/hProcess6" loCatId="process" qsTypeId="urn:microsoft.com/office/officeart/2005/8/quickstyle/simple1" qsCatId="simple" csTypeId="urn:microsoft.com/office/officeart/2005/8/colors/accent1_1" csCatId="accent1" phldr="1"/>
-      <dgm:spPr/>
-      <dgm:t>
-        <a:bodyPr/>
-        <a:lstStyle/>
-        <a:p>
-          <a:endParaRPr lang="en-US"/>
-        </a:p>
-      </dgm:t>
-    </dgm:pt>
-    <dgm:pt modelId="{A6406C01-7E83-4650-8EF5-394419DCB348}">
-      <dgm:prSet phldrT="[Text]"/>
-      <dgm:spPr/>
-      <dgm:t>
-        <a:bodyPr/>
-        <a:lstStyle/>
-        <a:p>
-          <a:r>
-            <a:rPr lang="en-US" dirty="0"/>
-            <a:t>Step 1 Title</a:t>
-          </a:r>
-        </a:p>
-      </dgm:t>
-      <dgm:extLst>
-        <a:ext uri="{E40237B7-FDA0-4F09-8148-C483321AD2D9}">
-          <dgm14:cNvPr xmlns:dgm14="http://schemas.microsoft.com/office/drawing/2010/diagram" id="0" name="" title="Step 1 title"/>
-        </a:ext>
-      </dgm:extLst>
-    </dgm:pt>
-    <dgm:pt modelId="{2586B3BB-DA8B-42DF-AC9A-77CE21607FD0}" type="parTrans" cxnId="{4D956F8D-5727-488A-93AF-F33602655A44}">
-      <dgm:prSet/>
-      <dgm:spPr/>
-      <dgm:t>
-        <a:bodyPr/>
-        <a:lstStyle/>
-        <a:p>
-          <a:endParaRPr lang="en-US"/>
-        </a:p>
-      </dgm:t>
-    </dgm:pt>
-    <dgm:pt modelId="{7C5B61F0-A4F6-4FCA-B552-36151F31051E}" type="sibTrans" cxnId="{4D956F8D-5727-488A-93AF-F33602655A44}">
-      <dgm:prSet/>
-      <dgm:spPr/>
-      <dgm:t>
-        <a:bodyPr/>
-        <a:lstStyle/>
-        <a:p>
-          <a:endParaRPr lang="en-US"/>
-        </a:p>
-      </dgm:t>
-    </dgm:pt>
-    <dgm:pt modelId="{E4E9F0D0-FF23-4B59-9B97-973BCBE5DC65}">
-      <dgm:prSet phldrT="[Text]"/>
-      <dgm:spPr/>
-      <dgm:t>
-        <a:bodyPr/>
-        <a:lstStyle/>
-        <a:p>
-          <a:r>
-            <a:rPr lang="en-US" dirty="0"/>
-            <a:t>Task description</a:t>
-          </a:r>
-        </a:p>
-      </dgm:t>
-      <dgm:extLst>
-        <a:ext uri="{E40237B7-FDA0-4F09-8148-C483321AD2D9}">
-          <dgm14:cNvPr xmlns:dgm14="http://schemas.microsoft.com/office/drawing/2010/diagram" id="0" name="" title="Step 1 - task description"/>
-        </a:ext>
-      </dgm:extLst>
-    </dgm:pt>
-    <dgm:pt modelId="{E9237435-F938-45D4-8BF4-6D5D4DFF850F}" type="parTrans" cxnId="{37A3A996-9723-4BDB-8959-9D9B7799BD9A}">
-      <dgm:prSet/>
-      <dgm:spPr/>
-      <dgm:t>
-        <a:bodyPr/>
-        <a:lstStyle/>
-        <a:p>
-          <a:endParaRPr lang="en-US"/>
-        </a:p>
-      </dgm:t>
-    </dgm:pt>
-    <dgm:pt modelId="{D32B195A-7CAD-474B-B79C-BE4BB171E742}" type="sibTrans" cxnId="{37A3A996-9723-4BDB-8959-9D9B7799BD9A}">
-      <dgm:prSet/>
-      <dgm:spPr/>
-      <dgm:t>
-        <a:bodyPr/>
-        <a:lstStyle/>
-        <a:p>
-          <a:endParaRPr lang="en-US"/>
-        </a:p>
-      </dgm:t>
-    </dgm:pt>
-    <dgm:pt modelId="{5D952622-A79E-41E4-BBC2-6212DEFFA91C}">
-      <dgm:prSet phldrT="[Text]"/>
-      <dgm:spPr/>
-      <dgm:t>
-        <a:bodyPr/>
-        <a:lstStyle/>
-        <a:p>
-          <a:r>
-            <a:rPr lang="en-US" dirty="0"/>
-            <a:t>Step 2 Title</a:t>
-          </a:r>
-        </a:p>
-      </dgm:t>
-      <dgm:extLst>
-        <a:ext uri="{E40237B7-FDA0-4F09-8148-C483321AD2D9}">
-          <dgm14:cNvPr xmlns:dgm14="http://schemas.microsoft.com/office/drawing/2010/diagram" id="0" name="" title="Step 2 title"/>
-        </a:ext>
-      </dgm:extLst>
-    </dgm:pt>
-    <dgm:pt modelId="{10627A68-BE4B-4A4A-9EC9-4CFEF1E4DF39}" type="parTrans" cxnId="{A22BDB9A-90BB-4DA2-8850-00D4F1D3B898}">
-      <dgm:prSet/>
-      <dgm:spPr/>
-      <dgm:t>
-        <a:bodyPr/>
-        <a:lstStyle/>
-        <a:p>
-          <a:endParaRPr lang="en-US"/>
-        </a:p>
-      </dgm:t>
-    </dgm:pt>
-    <dgm:pt modelId="{092BAEF3-D9F2-476B-9A0B-6F14CC814529}" type="sibTrans" cxnId="{A22BDB9A-90BB-4DA2-8850-00D4F1D3B898}">
-      <dgm:prSet/>
-      <dgm:spPr/>
-      <dgm:t>
-        <a:bodyPr/>
-        <a:lstStyle/>
-        <a:p>
-          <a:endParaRPr lang="en-US"/>
-        </a:p>
-      </dgm:t>
-    </dgm:pt>
-    <dgm:pt modelId="{5248D9DA-6444-46F6-8D28-C8BB2253AAD1}">
-      <dgm:prSet phldrT="[Text]"/>
-      <dgm:spPr/>
-      <dgm:t>
-        <a:bodyPr/>
-        <a:lstStyle/>
-        <a:p>
-          <a:r>
-            <a:rPr lang="en-US" dirty="0"/>
-            <a:t>Task description</a:t>
-          </a:r>
-        </a:p>
-      </dgm:t>
-      <dgm:extLst>
-        <a:ext uri="{E40237B7-FDA0-4F09-8148-C483321AD2D9}">
-          <dgm14:cNvPr xmlns:dgm14="http://schemas.microsoft.com/office/drawing/2010/diagram" id="0" name="" title="Step 2 - task description"/>
-        </a:ext>
-      </dgm:extLst>
-    </dgm:pt>
-    <dgm:pt modelId="{A8533F77-F094-4EDB-BCC7-35E0D6A46B71}" type="parTrans" cxnId="{35AF286C-A401-4C08-B8A3-F38B03322BD8}">
-      <dgm:prSet/>
-      <dgm:spPr/>
-      <dgm:t>
-        <a:bodyPr/>
-        <a:lstStyle/>
-        <a:p>
-          <a:endParaRPr lang="en-US"/>
-        </a:p>
-      </dgm:t>
-    </dgm:pt>
-    <dgm:pt modelId="{011B552E-515A-4C41-B810-0D2552861422}" type="sibTrans" cxnId="{35AF286C-A401-4C08-B8A3-F38B03322BD8}">
-      <dgm:prSet/>
-      <dgm:spPr/>
-      <dgm:t>
-        <a:bodyPr/>
-        <a:lstStyle/>
-        <a:p>
-          <a:endParaRPr lang="en-US"/>
-        </a:p>
-      </dgm:t>
-    </dgm:pt>
-    <dgm:pt modelId="{50706FFE-8A00-485D-9FF7-8D310692C602}">
-      <dgm:prSet phldrT="[Text]"/>
-      <dgm:spPr/>
-      <dgm:t>
-        <a:bodyPr/>
-        <a:lstStyle/>
-        <a:p>
-          <a:r>
-            <a:rPr lang="en-US" dirty="0"/>
-            <a:t>Step 3 Title</a:t>
-          </a:r>
-        </a:p>
-      </dgm:t>
-      <dgm:extLst>
-        <a:ext uri="{E40237B7-FDA0-4F09-8148-C483321AD2D9}">
-          <dgm14:cNvPr xmlns:dgm14="http://schemas.microsoft.com/office/drawing/2010/diagram" id="0" name="" title="Step 3 title"/>
-        </a:ext>
-      </dgm:extLst>
-    </dgm:pt>
-    <dgm:pt modelId="{EF44BD91-19A4-424B-BA32-4A5492B6E40B}" type="parTrans" cxnId="{7599CECE-5293-4C57-A979-D096C99254C7}">
-      <dgm:prSet/>
-      <dgm:spPr/>
-      <dgm:t>
-        <a:bodyPr/>
-        <a:lstStyle/>
-        <a:p>
-          <a:endParaRPr lang="en-US"/>
-        </a:p>
-      </dgm:t>
-    </dgm:pt>
-    <dgm:pt modelId="{CD03DFF4-D962-46D6-AFFA-2A87FD08403E}" type="sibTrans" cxnId="{7599CECE-5293-4C57-A979-D096C99254C7}">
-      <dgm:prSet/>
-      <dgm:spPr/>
-      <dgm:t>
-        <a:bodyPr/>
-        <a:lstStyle/>
-        <a:p>
-          <a:endParaRPr lang="en-US"/>
-        </a:p>
-      </dgm:t>
-    </dgm:pt>
-    <dgm:pt modelId="{3A9B5D84-CB00-4BC9-ADB2-5CF832F36763}">
-      <dgm:prSet phldrT="[Text]"/>
-      <dgm:spPr/>
-      <dgm:t>
-        <a:bodyPr/>
-        <a:lstStyle/>
-        <a:p>
-          <a:r>
-            <a:rPr lang="en-US" dirty="0"/>
-            <a:t>Task description</a:t>
-          </a:r>
-        </a:p>
-      </dgm:t>
-      <dgm:extLst>
-        <a:ext uri="{E40237B7-FDA0-4F09-8148-C483321AD2D9}">
-          <dgm14:cNvPr xmlns:dgm14="http://schemas.microsoft.com/office/drawing/2010/diagram" id="0" name="" title="Step 3 - task description"/>
-        </a:ext>
-      </dgm:extLst>
-    </dgm:pt>
-    <dgm:pt modelId="{BD57EC4A-052D-4824-8820-064BAC997A9B}" type="parTrans" cxnId="{11A0AF47-4BCA-470E-92BF-7B388FFB0DE8}">
-      <dgm:prSet/>
-      <dgm:spPr/>
-      <dgm:t>
-        <a:bodyPr/>
-        <a:lstStyle/>
-        <a:p>
-          <a:endParaRPr lang="en-US"/>
-        </a:p>
-      </dgm:t>
-    </dgm:pt>
-    <dgm:pt modelId="{98E878CF-4A49-4E76-BD23-AE7C5290BAFD}" type="sibTrans" cxnId="{11A0AF47-4BCA-470E-92BF-7B388FFB0DE8}">
-      <dgm:prSet/>
-      <dgm:spPr/>
-      <dgm:t>
-        <a:bodyPr/>
-        <a:lstStyle/>
-        <a:p>
-          <a:endParaRPr lang="en-US"/>
-        </a:p>
-      </dgm:t>
-    </dgm:pt>
-    <dgm:pt modelId="{8734DFB3-ADD8-4FD2-87D8-1981AA0ADD0B}" type="pres">
-      <dgm:prSet presAssocID="{FBA29113-7A70-4E0E-B036-871C49B835F1}" presName="theList" presStyleCnt="0">
-        <dgm:presLayoutVars>
-          <dgm:dir/>
-          <dgm:animLvl val="lvl"/>
-          <dgm:resizeHandles val="exact"/>
-        </dgm:presLayoutVars>
-      </dgm:prSet>
-      <dgm:spPr/>
-    </dgm:pt>
-    <dgm:pt modelId="{5C04AEFB-7132-4B28-A7D3-862245070A8D}" type="pres">
-      <dgm:prSet presAssocID="{A6406C01-7E83-4650-8EF5-394419DCB348}" presName="compNode" presStyleCnt="0"/>
-      <dgm:spPr/>
-    </dgm:pt>
-    <dgm:pt modelId="{358F74AC-FC7D-465B-BD12-B6CCC00F3D29}" type="pres">
-      <dgm:prSet presAssocID="{A6406C01-7E83-4650-8EF5-394419DCB348}" presName="noGeometry" presStyleCnt="0"/>
-      <dgm:spPr/>
-    </dgm:pt>
-    <dgm:pt modelId="{610B5FFC-C0C9-444C-9F7A-14D1B54F604D}" type="pres">
-      <dgm:prSet presAssocID="{A6406C01-7E83-4650-8EF5-394419DCB348}" presName="childTextVisible" presStyleLbl="bgAccFollowNode1" presStyleIdx="0" presStyleCnt="3">
-        <dgm:presLayoutVars>
-          <dgm:bulletEnabled val="1"/>
-        </dgm:presLayoutVars>
-      </dgm:prSet>
-      <dgm:spPr/>
-    </dgm:pt>
-    <dgm:pt modelId="{FB705FC1-639E-4064-8E9A-A79870DE5273}" type="pres">
-      <dgm:prSet presAssocID="{A6406C01-7E83-4650-8EF5-394419DCB348}" presName="childTextHidden" presStyleLbl="bgAccFollowNode1" presStyleIdx="0" presStyleCnt="3"/>
-      <dgm:spPr/>
-    </dgm:pt>
-    <dgm:pt modelId="{47DA5750-48DC-4E4F-815D-0B05DBC30DAB}" type="pres">
-      <dgm:prSet presAssocID="{A6406C01-7E83-4650-8EF5-394419DCB348}" presName="parentText" presStyleLbl="node1" presStyleIdx="0" presStyleCnt="3">
-        <dgm:presLayoutVars>
-          <dgm:chMax val="1"/>
-          <dgm:bulletEnabled val="1"/>
-        </dgm:presLayoutVars>
-      </dgm:prSet>
-      <dgm:spPr/>
-    </dgm:pt>
-    <dgm:pt modelId="{6319C676-A7DE-4777-9BB4-3B6D30ED3F5C}" type="pres">
-      <dgm:prSet presAssocID="{A6406C01-7E83-4650-8EF5-394419DCB348}" presName="aSpace" presStyleCnt="0"/>
-      <dgm:spPr/>
-    </dgm:pt>
-    <dgm:pt modelId="{CA708D38-D093-4C16-A955-CF2CAC7F0A99}" type="pres">
-      <dgm:prSet presAssocID="{5D952622-A79E-41E4-BBC2-6212DEFFA91C}" presName="compNode" presStyleCnt="0"/>
-      <dgm:spPr/>
-    </dgm:pt>
-    <dgm:pt modelId="{6F3066E9-E96F-489D-8A4B-6D55FBE389F2}" type="pres">
-      <dgm:prSet presAssocID="{5D952622-A79E-41E4-BBC2-6212DEFFA91C}" presName="noGeometry" presStyleCnt="0"/>
-      <dgm:spPr/>
-    </dgm:pt>
-    <dgm:pt modelId="{00D2DC2C-7CA2-4A4B-B66D-3DDCAB7DC8E9}" type="pres">
-      <dgm:prSet presAssocID="{5D952622-A79E-41E4-BBC2-6212DEFFA91C}" presName="childTextVisible" presStyleLbl="bgAccFollowNode1" presStyleIdx="1" presStyleCnt="3">
-        <dgm:presLayoutVars>
-          <dgm:bulletEnabled val="1"/>
-        </dgm:presLayoutVars>
-      </dgm:prSet>
-      <dgm:spPr/>
-    </dgm:pt>
-    <dgm:pt modelId="{072FB640-0A28-40E8-9C0C-86BAF45C6EF0}" type="pres">
-      <dgm:prSet presAssocID="{5D952622-A79E-41E4-BBC2-6212DEFFA91C}" presName="childTextHidden" presStyleLbl="bgAccFollowNode1" presStyleIdx="1" presStyleCnt="3"/>
-      <dgm:spPr/>
-    </dgm:pt>
-    <dgm:pt modelId="{EE8733A1-7662-4D0A-B39E-2218596CC81C}" type="pres">
-      <dgm:prSet presAssocID="{5D952622-A79E-41E4-BBC2-6212DEFFA91C}" presName="parentText" presStyleLbl="node1" presStyleIdx="1" presStyleCnt="3">
-        <dgm:presLayoutVars>
-          <dgm:chMax val="1"/>
-          <dgm:bulletEnabled val="1"/>
-        </dgm:presLayoutVars>
-      </dgm:prSet>
-      <dgm:spPr/>
-    </dgm:pt>
-    <dgm:pt modelId="{E0D7C734-E391-436F-996C-E60442F50A17}" type="pres">
-      <dgm:prSet presAssocID="{5D952622-A79E-41E4-BBC2-6212DEFFA91C}" presName="aSpace" presStyleCnt="0"/>
-      <dgm:spPr/>
-    </dgm:pt>
-    <dgm:pt modelId="{E8F3A685-8F9F-4BAC-8C8B-A1DE5AA41F3A}" type="pres">
-      <dgm:prSet presAssocID="{50706FFE-8A00-485D-9FF7-8D310692C602}" presName="compNode" presStyleCnt="0"/>
-      <dgm:spPr/>
-    </dgm:pt>
-    <dgm:pt modelId="{84BFA617-6CAF-4DA9-A086-82BCA61093BE}" type="pres">
-      <dgm:prSet presAssocID="{50706FFE-8A00-485D-9FF7-8D310692C602}" presName="noGeometry" presStyleCnt="0"/>
-      <dgm:spPr/>
-    </dgm:pt>
-    <dgm:pt modelId="{4BF699B1-BE15-42D1-9784-AA33CF29870E}" type="pres">
-      <dgm:prSet presAssocID="{50706FFE-8A00-485D-9FF7-8D310692C602}" presName="childTextVisible" presStyleLbl="bgAccFollowNode1" presStyleIdx="2" presStyleCnt="3">
-        <dgm:presLayoutVars>
-          <dgm:bulletEnabled val="1"/>
-        </dgm:presLayoutVars>
-      </dgm:prSet>
-      <dgm:spPr/>
-    </dgm:pt>
-    <dgm:pt modelId="{F0925EF4-86E2-4748-BA70-94AAF55AB064}" type="pres">
-      <dgm:prSet presAssocID="{50706FFE-8A00-485D-9FF7-8D310692C602}" presName="childTextHidden" presStyleLbl="bgAccFollowNode1" presStyleIdx="2" presStyleCnt="3"/>
-      <dgm:spPr/>
-    </dgm:pt>
-    <dgm:pt modelId="{78E9A4E4-18A9-4B73-8007-A63A71C71937}" type="pres">
-      <dgm:prSet presAssocID="{50706FFE-8A00-485D-9FF7-8D310692C602}" presName="parentText" presStyleLbl="node1" presStyleIdx="2" presStyleCnt="3">
-        <dgm:presLayoutVars>
-          <dgm:chMax val="1"/>
-          <dgm:bulletEnabled val="1"/>
-        </dgm:presLayoutVars>
-      </dgm:prSet>
-      <dgm:spPr/>
-    </dgm:pt>
-  </dgm:ptLst>
-  <dgm:cxnLst>
-    <dgm:cxn modelId="{99E34304-5770-4691-A3EE-6A7C8B9ACD53}" type="presOf" srcId="{E4E9F0D0-FF23-4B59-9B97-973BCBE5DC65}" destId="{610B5FFC-C0C9-444C-9F7A-14D1B54F604D}" srcOrd="0" destOrd="0" presId="urn:microsoft.com/office/officeart/2005/8/layout/hProcess6"/>
-    <dgm:cxn modelId="{81ACEA16-295B-4802-A889-1DC375F525AB}" type="presOf" srcId="{A6406C01-7E83-4650-8EF5-394419DCB348}" destId="{47DA5750-48DC-4E4F-815D-0B05DBC30DAB}" srcOrd="0" destOrd="0" presId="urn:microsoft.com/office/officeart/2005/8/layout/hProcess6"/>
-    <dgm:cxn modelId="{130B0544-2388-4104-A721-8D29E7C77420}" type="presOf" srcId="{5D952622-A79E-41E4-BBC2-6212DEFFA91C}" destId="{EE8733A1-7662-4D0A-B39E-2218596CC81C}" srcOrd="0" destOrd="0" presId="urn:microsoft.com/office/officeart/2005/8/layout/hProcess6"/>
-    <dgm:cxn modelId="{31498E67-CEA0-4571-B7AB-26A2113144F6}" type="presOf" srcId="{FBA29113-7A70-4E0E-B036-871C49B835F1}" destId="{8734DFB3-ADD8-4FD2-87D8-1981AA0ADD0B}" srcOrd="0" destOrd="0" presId="urn:microsoft.com/office/officeart/2005/8/layout/hProcess6"/>
-    <dgm:cxn modelId="{11A0AF47-4BCA-470E-92BF-7B388FFB0DE8}" srcId="{50706FFE-8A00-485D-9FF7-8D310692C602}" destId="{3A9B5D84-CB00-4BC9-ADB2-5CF832F36763}" srcOrd="0" destOrd="0" parTransId="{BD57EC4A-052D-4824-8820-064BAC997A9B}" sibTransId="{98E878CF-4A49-4E76-BD23-AE7C5290BAFD}"/>
-    <dgm:cxn modelId="{019AA969-1A2B-48C0-B7C9-005E817BC2CB}" type="presOf" srcId="{E4E9F0D0-FF23-4B59-9B97-973BCBE5DC65}" destId="{FB705FC1-639E-4064-8E9A-A79870DE5273}" srcOrd="1" destOrd="0" presId="urn:microsoft.com/office/officeart/2005/8/layout/hProcess6"/>
-    <dgm:cxn modelId="{35AF286C-A401-4C08-B8A3-F38B03322BD8}" srcId="{5D952622-A79E-41E4-BBC2-6212DEFFA91C}" destId="{5248D9DA-6444-46F6-8D28-C8BB2253AAD1}" srcOrd="0" destOrd="0" parTransId="{A8533F77-F094-4EDB-BCC7-35E0D6A46B71}" sibTransId="{011B552E-515A-4C41-B810-0D2552861422}"/>
-    <dgm:cxn modelId="{F36BB86E-E9BB-4DBF-9DFE-F8050046ED1F}" type="presOf" srcId="{3A9B5D84-CB00-4BC9-ADB2-5CF832F36763}" destId="{4BF699B1-BE15-42D1-9784-AA33CF29870E}" srcOrd="0" destOrd="0" presId="urn:microsoft.com/office/officeart/2005/8/layout/hProcess6"/>
-    <dgm:cxn modelId="{BA539253-48E3-447C-8770-C31D10399C4A}" type="presOf" srcId="{50706FFE-8A00-485D-9FF7-8D310692C602}" destId="{78E9A4E4-18A9-4B73-8007-A63A71C71937}" srcOrd="0" destOrd="0" presId="urn:microsoft.com/office/officeart/2005/8/layout/hProcess6"/>
-    <dgm:cxn modelId="{D2E26D7D-A939-4166-987B-3E9E5A080266}" type="presOf" srcId="{3A9B5D84-CB00-4BC9-ADB2-5CF832F36763}" destId="{F0925EF4-86E2-4748-BA70-94AAF55AB064}" srcOrd="1" destOrd="0" presId="urn:microsoft.com/office/officeart/2005/8/layout/hProcess6"/>
-    <dgm:cxn modelId="{4D956F8D-5727-488A-93AF-F33602655A44}" srcId="{FBA29113-7A70-4E0E-B036-871C49B835F1}" destId="{A6406C01-7E83-4650-8EF5-394419DCB348}" srcOrd="0" destOrd="0" parTransId="{2586B3BB-DA8B-42DF-AC9A-77CE21607FD0}" sibTransId="{7C5B61F0-A4F6-4FCA-B552-36151F31051E}"/>
-    <dgm:cxn modelId="{37A3A996-9723-4BDB-8959-9D9B7799BD9A}" srcId="{A6406C01-7E83-4650-8EF5-394419DCB348}" destId="{E4E9F0D0-FF23-4B59-9B97-973BCBE5DC65}" srcOrd="0" destOrd="0" parTransId="{E9237435-F938-45D4-8BF4-6D5D4DFF850F}" sibTransId="{D32B195A-7CAD-474B-B79C-BE4BB171E742}"/>
-    <dgm:cxn modelId="{E23D729A-C2FC-40CD-8A08-F5EBB66CF80B}" type="presOf" srcId="{5248D9DA-6444-46F6-8D28-C8BB2253AAD1}" destId="{072FB640-0A28-40E8-9C0C-86BAF45C6EF0}" srcOrd="1" destOrd="0" presId="urn:microsoft.com/office/officeart/2005/8/layout/hProcess6"/>
-    <dgm:cxn modelId="{A22BDB9A-90BB-4DA2-8850-00D4F1D3B898}" srcId="{FBA29113-7A70-4E0E-B036-871C49B835F1}" destId="{5D952622-A79E-41E4-BBC2-6212DEFFA91C}" srcOrd="1" destOrd="0" parTransId="{10627A68-BE4B-4A4A-9EC9-4CFEF1E4DF39}" sibTransId="{092BAEF3-D9F2-476B-9A0B-6F14CC814529}"/>
-    <dgm:cxn modelId="{AE4FA1B2-1FFD-4999-BFB4-0E2A9E4BEBBB}" type="presOf" srcId="{5248D9DA-6444-46F6-8D28-C8BB2253AAD1}" destId="{00D2DC2C-7CA2-4A4B-B66D-3DDCAB7DC8E9}" srcOrd="0" destOrd="0" presId="urn:microsoft.com/office/officeart/2005/8/layout/hProcess6"/>
-    <dgm:cxn modelId="{7599CECE-5293-4C57-A979-D096C99254C7}" srcId="{FBA29113-7A70-4E0E-B036-871C49B835F1}" destId="{50706FFE-8A00-485D-9FF7-8D310692C602}" srcOrd="2" destOrd="0" parTransId="{EF44BD91-19A4-424B-BA32-4A5492B6E40B}" sibTransId="{CD03DFF4-D962-46D6-AFFA-2A87FD08403E}"/>
-    <dgm:cxn modelId="{FF0D50D3-9477-4407-8F44-B60B9728DED7}" type="presParOf" srcId="{8734DFB3-ADD8-4FD2-87D8-1981AA0ADD0B}" destId="{5C04AEFB-7132-4B28-A7D3-862245070A8D}" srcOrd="0" destOrd="0" presId="urn:microsoft.com/office/officeart/2005/8/layout/hProcess6"/>
-    <dgm:cxn modelId="{126CE751-65CF-4E60-902C-2D0B01478834}" type="presParOf" srcId="{5C04AEFB-7132-4B28-A7D3-862245070A8D}" destId="{358F74AC-FC7D-465B-BD12-B6CCC00F3D29}" srcOrd="0" destOrd="0" presId="urn:microsoft.com/office/officeart/2005/8/layout/hProcess6"/>
-    <dgm:cxn modelId="{C6915109-771C-43AE-A4C7-A411D8E5978F}" type="presParOf" srcId="{5C04AEFB-7132-4B28-A7D3-862245070A8D}" destId="{610B5FFC-C0C9-444C-9F7A-14D1B54F604D}" srcOrd="1" destOrd="0" presId="urn:microsoft.com/office/officeart/2005/8/layout/hProcess6"/>
-    <dgm:cxn modelId="{954FE73F-9595-47D0-9AB9-6EB7EDC39F8E}" type="presParOf" srcId="{5C04AEFB-7132-4B28-A7D3-862245070A8D}" destId="{FB705FC1-639E-4064-8E9A-A79870DE5273}" srcOrd="2" destOrd="0" presId="urn:microsoft.com/office/officeart/2005/8/layout/hProcess6"/>
-    <dgm:cxn modelId="{362B7B1C-776A-481A-B10E-B2136C044DB5}" type="presParOf" srcId="{5C04AEFB-7132-4B28-A7D3-862245070A8D}" destId="{47DA5750-48DC-4E4F-815D-0B05DBC30DAB}" srcOrd="3" destOrd="0" presId="urn:microsoft.com/office/officeart/2005/8/layout/hProcess6"/>
-    <dgm:cxn modelId="{AB361918-49A4-4458-A6B4-A38162139DB4}" type="presParOf" srcId="{8734DFB3-ADD8-4FD2-87D8-1981AA0ADD0B}" destId="{6319C676-A7DE-4777-9BB4-3B6D30ED3F5C}" srcOrd="1" destOrd="0" presId="urn:microsoft.com/office/officeart/2005/8/layout/hProcess6"/>
-    <dgm:cxn modelId="{3E32ED31-FAFA-41FB-A502-0C9269827B55}" type="presParOf" srcId="{8734DFB3-ADD8-4FD2-87D8-1981AA0ADD0B}" destId="{CA708D38-D093-4C16-A955-CF2CAC7F0A99}" srcOrd="2" destOrd="0" presId="urn:microsoft.com/office/officeart/2005/8/layout/hProcess6"/>
-    <dgm:cxn modelId="{38B5F8BF-C6A8-4D51-8681-B847070CD1C0}" type="presParOf" srcId="{CA708D38-D093-4C16-A955-CF2CAC7F0A99}" destId="{6F3066E9-E96F-489D-8A4B-6D55FBE389F2}" srcOrd="0" destOrd="0" presId="urn:microsoft.com/office/officeart/2005/8/layout/hProcess6"/>
-    <dgm:cxn modelId="{B873A9F4-217E-473A-8D65-14527890AC34}" type="presParOf" srcId="{CA708D38-D093-4C16-A955-CF2CAC7F0A99}" destId="{00D2DC2C-7CA2-4A4B-B66D-3DDCAB7DC8E9}" srcOrd="1" destOrd="0" presId="urn:microsoft.com/office/officeart/2005/8/layout/hProcess6"/>
-    <dgm:cxn modelId="{F573A08D-1388-4362-9D10-155655876363}" type="presParOf" srcId="{CA708D38-D093-4C16-A955-CF2CAC7F0A99}" destId="{072FB640-0A28-40E8-9C0C-86BAF45C6EF0}" srcOrd="2" destOrd="0" presId="urn:microsoft.com/office/officeart/2005/8/layout/hProcess6"/>
-    <dgm:cxn modelId="{7ADF5CCF-F26A-45B5-9692-98B07AFD46A1}" type="presParOf" srcId="{CA708D38-D093-4C16-A955-CF2CAC7F0A99}" destId="{EE8733A1-7662-4D0A-B39E-2218596CC81C}" srcOrd="3" destOrd="0" presId="urn:microsoft.com/office/officeart/2005/8/layout/hProcess6"/>
-    <dgm:cxn modelId="{985C18C8-95A3-4479-821C-610A2BAFFFF3}" type="presParOf" srcId="{8734DFB3-ADD8-4FD2-87D8-1981AA0ADD0B}" destId="{E0D7C734-E391-436F-996C-E60442F50A17}" srcOrd="3" destOrd="0" presId="urn:microsoft.com/office/officeart/2005/8/layout/hProcess6"/>
-    <dgm:cxn modelId="{951CD7FA-A9B4-463F-BD0D-452C521FF523}" type="presParOf" srcId="{8734DFB3-ADD8-4FD2-87D8-1981AA0ADD0B}" destId="{E8F3A685-8F9F-4BAC-8C8B-A1DE5AA41F3A}" srcOrd="4" destOrd="0" presId="urn:microsoft.com/office/officeart/2005/8/layout/hProcess6"/>
-    <dgm:cxn modelId="{E08D8862-B273-4AA6-9A90-754366CE4945}" type="presParOf" srcId="{E8F3A685-8F9F-4BAC-8C8B-A1DE5AA41F3A}" destId="{84BFA617-6CAF-4DA9-A086-82BCA61093BE}" srcOrd="0" destOrd="0" presId="urn:microsoft.com/office/officeart/2005/8/layout/hProcess6"/>
-    <dgm:cxn modelId="{69392B4C-2A7B-41A4-A48C-35E312A6434A}" type="presParOf" srcId="{E8F3A685-8F9F-4BAC-8C8B-A1DE5AA41F3A}" destId="{4BF699B1-BE15-42D1-9784-AA33CF29870E}" srcOrd="1" destOrd="0" presId="urn:microsoft.com/office/officeart/2005/8/layout/hProcess6"/>
-    <dgm:cxn modelId="{29F5DEAB-A9C8-47F8-A089-1585C323795A}" type="presParOf" srcId="{E8F3A685-8F9F-4BAC-8C8B-A1DE5AA41F3A}" destId="{F0925EF4-86E2-4748-BA70-94AAF55AB064}" srcOrd="2" destOrd="0" presId="urn:microsoft.com/office/officeart/2005/8/layout/hProcess6"/>
-    <dgm:cxn modelId="{E9A57A1B-DDAF-4905-B46C-246DB5E9FB2A}" type="presParOf" srcId="{E8F3A685-8F9F-4BAC-8C8B-A1DE5AA41F3A}" destId="{78E9A4E4-18A9-4B73-8007-A63A71C71937}" srcOrd="3" destOrd="0" presId="urn:microsoft.com/office/officeart/2005/8/layout/hProcess6"/>
-  </dgm:cxnLst>
-  <dgm:bg/>
-  <dgm:whole/>
-  <dgm:extLst>
-    <a:ext uri="http://schemas.microsoft.com/office/drawing/2008/diagram">
-      <dsp:dataModelExt xmlns:dsp="http://schemas.microsoft.com/office/drawing/2008/diagram" relId="rId6" minVer="http://schemas.openxmlformats.org/drawingml/2006/diagram"/>
-    </a:ext>
-  </dgm:extLst>
-</dgm:dataModel>
-</file>
-
-<file path=ppt/diagrams/drawing1.xml><?xml version="1.0" encoding="utf-8"?>
-<dsp:drawing xmlns:dgm="http://schemas.openxmlformats.org/drawingml/2006/diagram" xmlns:dsp="http://schemas.microsoft.com/office/drawing/2008/diagram" xmlns:a="http://schemas.openxmlformats.org/drawingml/2006/main">
-  <dsp:spTree>
-    <dsp:nvGrpSpPr>
-      <dsp:cNvPr id="0" name=""/>
-      <dsp:cNvGrpSpPr/>
-    </dsp:nvGrpSpPr>
-    <dsp:grpSpPr/>
-    <dsp:sp modelId="{610B5FFC-C0C9-444C-9F7A-14D1B54F604D}">
-      <dsp:nvSpPr>
-        <dsp:cNvPr id="0" name=""/>
-        <dsp:cNvSpPr/>
-      </dsp:nvSpPr>
-      <dsp:spPr>
-        <a:xfrm>
-          <a:off x="623515" y="823134"/>
-          <a:ext cx="2475309" cy="2163731"/>
-        </a:xfrm>
-        <a:prstGeom prst="rightArrow">
-          <a:avLst>
-            <a:gd name="adj1" fmla="val 70000"/>
-            <a:gd name="adj2" fmla="val 50000"/>
-          </a:avLst>
-        </a:prstGeom>
-        <a:solidFill>
-          <a:schemeClr val="lt1">
-            <a:alpha val="90000"/>
-            <a:tint val="40000"/>
-            <a:hueOff val="0"/>
-            <a:satOff val="0"/>
-            <a:lumOff val="0"/>
-            <a:alphaOff val="0"/>
-          </a:schemeClr>
-        </a:solidFill>
-        <a:ln w="12700" cap="flat" cmpd="sng" algn="ctr">
-          <a:solidFill>
-            <a:schemeClr val="accent1">
-              <a:alpha val="90000"/>
-              <a:hueOff val="0"/>
-              <a:satOff val="0"/>
-              <a:lumOff val="0"/>
-              <a:alphaOff val="0"/>
-            </a:schemeClr>
-          </a:solidFill>
-          <a:prstDash val="solid"/>
-          <a:miter lim="800000"/>
-        </a:ln>
-        <a:effectLst/>
-      </dsp:spPr>
-      <dsp:style>
-        <a:lnRef idx="2">
-          <a:scrgbClr r="0" g="0" b="0"/>
-        </a:lnRef>
-        <a:fillRef idx="1">
-          <a:scrgbClr r="0" g="0" b="0"/>
-        </a:fillRef>
-        <a:effectRef idx="0">
-          <a:scrgbClr r="0" g="0" b="0"/>
-        </a:effectRef>
-        <a:fontRef idx="minor"/>
-      </dsp:style>
-      <dsp:txBody>
-        <a:bodyPr spcFirstLastPara="0" vert="horz" wrap="square" lIns="45720" tIns="11430" rIns="22860" bIns="11430" numCol="1" spcCol="1270" anchor="ctr" anchorCtr="0">
-          <a:noAutofit/>
-        </a:bodyPr>
-        <a:lstStyle/>
-        <a:p>
-          <a:pPr marL="0" lvl="0" indent="0" algn="ctr" defTabSz="800100">
-            <a:lnSpc>
-              <a:spcPct val="90000"/>
-            </a:lnSpc>
-            <a:spcBef>
-              <a:spcPct val="0"/>
-            </a:spcBef>
-            <a:spcAft>
-              <a:spcPct val="35000"/>
-            </a:spcAft>
-            <a:buNone/>
-          </a:pPr>
-          <a:r>
-            <a:rPr lang="en-US" sz="1800" kern="1200" dirty="0"/>
-            <a:t>Task description</a:t>
-          </a:r>
-        </a:p>
-      </dsp:txBody>
-      <dsp:txXfrm>
-        <a:off x="1242342" y="1147694"/>
-        <a:ext cx="1206713" cy="1514611"/>
-      </dsp:txXfrm>
-    </dsp:sp>
-    <dsp:sp modelId="{47DA5750-48DC-4E4F-815D-0B05DBC30DAB}">
-      <dsp:nvSpPr>
-        <dsp:cNvPr id="0" name=""/>
-        <dsp:cNvSpPr/>
-      </dsp:nvSpPr>
-      <dsp:spPr>
-        <a:xfrm>
-          <a:off x="4688" y="1286172"/>
-          <a:ext cx="1237654" cy="1237654"/>
-        </a:xfrm>
-        <a:prstGeom prst="ellipse">
-          <a:avLst/>
-        </a:prstGeom>
-        <a:solidFill>
-          <a:schemeClr val="lt1">
-            <a:hueOff val="0"/>
-            <a:satOff val="0"/>
-            <a:lumOff val="0"/>
-            <a:alphaOff val="0"/>
-          </a:schemeClr>
-        </a:solidFill>
-        <a:ln w="12700" cap="flat" cmpd="sng" algn="ctr">
-          <a:solidFill>
-            <a:schemeClr val="accent1">
-              <a:shade val="80000"/>
-              <a:hueOff val="0"/>
-              <a:satOff val="0"/>
-              <a:lumOff val="0"/>
-              <a:alphaOff val="0"/>
-            </a:schemeClr>
-          </a:solidFill>
-          <a:prstDash val="solid"/>
-          <a:miter lim="800000"/>
-        </a:ln>
-        <a:effectLst/>
-      </dsp:spPr>
-      <dsp:style>
-        <a:lnRef idx="2">
-          <a:scrgbClr r="0" g="0" b="0"/>
-        </a:lnRef>
-        <a:fillRef idx="1">
-          <a:scrgbClr r="0" g="0" b="0"/>
-        </a:fillRef>
-        <a:effectRef idx="0">
-          <a:scrgbClr r="0" g="0" b="0"/>
-        </a:effectRef>
-        <a:fontRef idx="minor">
-          <a:schemeClr val="lt1"/>
-        </a:fontRef>
-      </dsp:style>
-      <dsp:txBody>
-        <a:bodyPr spcFirstLastPara="0" vert="horz" wrap="square" lIns="15240" tIns="15240" rIns="15240" bIns="15240" numCol="1" spcCol="1270" anchor="ctr" anchorCtr="0">
-          <a:noAutofit/>
-        </a:bodyPr>
-        <a:lstStyle/>
-        <a:p>
-          <a:pPr marL="0" lvl="0" indent="0" algn="ctr" defTabSz="1066800">
-            <a:lnSpc>
-              <a:spcPct val="90000"/>
-            </a:lnSpc>
-            <a:spcBef>
-              <a:spcPct val="0"/>
-            </a:spcBef>
-            <a:spcAft>
-              <a:spcPct val="35000"/>
-            </a:spcAft>
-            <a:buNone/>
-          </a:pPr>
-          <a:r>
-            <a:rPr lang="en-US" sz="2400" kern="1200" dirty="0"/>
-            <a:t>Step 1 Title</a:t>
-          </a:r>
-        </a:p>
-      </dsp:txBody>
-      <dsp:txXfrm>
-        <a:off x="185938" y="1467422"/>
-        <a:ext cx="875154" cy="875154"/>
-      </dsp:txXfrm>
-    </dsp:sp>
-    <dsp:sp modelId="{00D2DC2C-7CA2-4A4B-B66D-3DDCAB7DC8E9}">
-      <dsp:nvSpPr>
-        <dsp:cNvPr id="0" name=""/>
-        <dsp:cNvSpPr/>
-      </dsp:nvSpPr>
-      <dsp:spPr>
-        <a:xfrm>
-          <a:off x="3872358" y="823134"/>
-          <a:ext cx="2475309" cy="2163731"/>
-        </a:xfrm>
-        <a:prstGeom prst="rightArrow">
-          <a:avLst>
-            <a:gd name="adj1" fmla="val 70000"/>
-            <a:gd name="adj2" fmla="val 50000"/>
-          </a:avLst>
-        </a:prstGeom>
-        <a:solidFill>
-          <a:schemeClr val="lt1">
-            <a:alpha val="90000"/>
-            <a:tint val="40000"/>
-            <a:hueOff val="0"/>
-            <a:satOff val="0"/>
-            <a:lumOff val="0"/>
-            <a:alphaOff val="0"/>
-          </a:schemeClr>
-        </a:solidFill>
-        <a:ln w="12700" cap="flat" cmpd="sng" algn="ctr">
-          <a:solidFill>
-            <a:schemeClr val="accent1">
-              <a:alpha val="90000"/>
-              <a:hueOff val="0"/>
-              <a:satOff val="0"/>
-              <a:lumOff val="0"/>
-              <a:alphaOff val="0"/>
-            </a:schemeClr>
-          </a:solidFill>
-          <a:prstDash val="solid"/>
-          <a:miter lim="800000"/>
-        </a:ln>
-        <a:effectLst/>
-      </dsp:spPr>
-      <dsp:style>
-        <a:lnRef idx="2">
-          <a:scrgbClr r="0" g="0" b="0"/>
-        </a:lnRef>
-        <a:fillRef idx="1">
-          <a:scrgbClr r="0" g="0" b="0"/>
-        </a:fillRef>
-        <a:effectRef idx="0">
-          <a:scrgbClr r="0" g="0" b="0"/>
-        </a:effectRef>
-        <a:fontRef idx="minor"/>
-      </dsp:style>
-      <dsp:txBody>
-        <a:bodyPr spcFirstLastPara="0" vert="horz" wrap="square" lIns="45720" tIns="11430" rIns="22860" bIns="11430" numCol="1" spcCol="1270" anchor="ctr" anchorCtr="0">
-          <a:noAutofit/>
-        </a:bodyPr>
-        <a:lstStyle/>
-        <a:p>
-          <a:pPr marL="0" lvl="0" indent="0" algn="ctr" defTabSz="800100">
-            <a:lnSpc>
-              <a:spcPct val="90000"/>
-            </a:lnSpc>
-            <a:spcBef>
-              <a:spcPct val="0"/>
-            </a:spcBef>
-            <a:spcAft>
-              <a:spcPct val="35000"/>
-            </a:spcAft>
-            <a:buNone/>
-          </a:pPr>
-          <a:r>
-            <a:rPr lang="en-US" sz="1800" kern="1200" dirty="0"/>
-            <a:t>Task description</a:t>
-          </a:r>
-        </a:p>
-      </dsp:txBody>
-      <dsp:txXfrm>
-        <a:off x="4491186" y="1147694"/>
-        <a:ext cx="1206713" cy="1514611"/>
-      </dsp:txXfrm>
-    </dsp:sp>
-    <dsp:sp modelId="{EE8733A1-7662-4D0A-B39E-2218596CC81C}">
-      <dsp:nvSpPr>
-        <dsp:cNvPr id="0" name=""/>
-        <dsp:cNvSpPr/>
-      </dsp:nvSpPr>
-      <dsp:spPr>
-        <a:xfrm>
-          <a:off x="3253531" y="1286172"/>
-          <a:ext cx="1237654" cy="1237654"/>
-        </a:xfrm>
-        <a:prstGeom prst="ellipse">
-          <a:avLst/>
-        </a:prstGeom>
-        <a:solidFill>
-          <a:schemeClr val="lt1">
-            <a:hueOff val="0"/>
-            <a:satOff val="0"/>
-            <a:lumOff val="0"/>
-            <a:alphaOff val="0"/>
-          </a:schemeClr>
-        </a:solidFill>
-        <a:ln w="12700" cap="flat" cmpd="sng" algn="ctr">
-          <a:solidFill>
-            <a:schemeClr val="accent1">
-              <a:shade val="80000"/>
-              <a:hueOff val="0"/>
-              <a:satOff val="0"/>
-              <a:lumOff val="0"/>
-              <a:alphaOff val="0"/>
-            </a:schemeClr>
-          </a:solidFill>
-          <a:prstDash val="solid"/>
-          <a:miter lim="800000"/>
-        </a:ln>
-        <a:effectLst/>
-      </dsp:spPr>
-      <dsp:style>
-        <a:lnRef idx="2">
-          <a:scrgbClr r="0" g="0" b="0"/>
-        </a:lnRef>
-        <a:fillRef idx="1">
-          <a:scrgbClr r="0" g="0" b="0"/>
-        </a:fillRef>
-        <a:effectRef idx="0">
-          <a:scrgbClr r="0" g="0" b="0"/>
-        </a:effectRef>
-        <a:fontRef idx="minor">
-          <a:schemeClr val="lt1"/>
-        </a:fontRef>
-      </dsp:style>
-      <dsp:txBody>
-        <a:bodyPr spcFirstLastPara="0" vert="horz" wrap="square" lIns="15240" tIns="15240" rIns="15240" bIns="15240" numCol="1" spcCol="1270" anchor="ctr" anchorCtr="0">
-          <a:noAutofit/>
-        </a:bodyPr>
-        <a:lstStyle/>
-        <a:p>
-          <a:pPr marL="0" lvl="0" indent="0" algn="ctr" defTabSz="1066800">
-            <a:lnSpc>
-              <a:spcPct val="90000"/>
-            </a:lnSpc>
-            <a:spcBef>
-              <a:spcPct val="0"/>
-            </a:spcBef>
-            <a:spcAft>
-              <a:spcPct val="35000"/>
-            </a:spcAft>
-            <a:buNone/>
-          </a:pPr>
-          <a:r>
-            <a:rPr lang="en-US" sz="2400" kern="1200" dirty="0"/>
-            <a:t>Step 2 Title</a:t>
-          </a:r>
-        </a:p>
-      </dsp:txBody>
-      <dsp:txXfrm>
-        <a:off x="3434781" y="1467422"/>
-        <a:ext cx="875154" cy="875154"/>
-      </dsp:txXfrm>
-    </dsp:sp>
-    <dsp:sp modelId="{4BF699B1-BE15-42D1-9784-AA33CF29870E}">
-      <dsp:nvSpPr>
-        <dsp:cNvPr id="0" name=""/>
-        <dsp:cNvSpPr/>
-      </dsp:nvSpPr>
-      <dsp:spPr>
-        <a:xfrm>
-          <a:off x="7121202" y="823134"/>
-          <a:ext cx="2475309" cy="2163731"/>
-        </a:xfrm>
-        <a:prstGeom prst="rightArrow">
-          <a:avLst>
-            <a:gd name="adj1" fmla="val 70000"/>
-            <a:gd name="adj2" fmla="val 50000"/>
-          </a:avLst>
-        </a:prstGeom>
-        <a:solidFill>
-          <a:schemeClr val="lt1">
-            <a:alpha val="90000"/>
-            <a:tint val="40000"/>
-            <a:hueOff val="0"/>
-            <a:satOff val="0"/>
-            <a:lumOff val="0"/>
-            <a:alphaOff val="0"/>
-          </a:schemeClr>
-        </a:solidFill>
-        <a:ln w="12700" cap="flat" cmpd="sng" algn="ctr">
-          <a:solidFill>
-            <a:schemeClr val="accent1">
-              <a:alpha val="90000"/>
-              <a:hueOff val="0"/>
-              <a:satOff val="0"/>
-              <a:lumOff val="0"/>
-              <a:alphaOff val="0"/>
-            </a:schemeClr>
-          </a:solidFill>
-          <a:prstDash val="solid"/>
-          <a:miter lim="800000"/>
-        </a:ln>
-        <a:effectLst/>
-      </dsp:spPr>
-      <dsp:style>
-        <a:lnRef idx="2">
-          <a:scrgbClr r="0" g="0" b="0"/>
-        </a:lnRef>
-        <a:fillRef idx="1">
-          <a:scrgbClr r="0" g="0" b="0"/>
-        </a:fillRef>
-        <a:effectRef idx="0">
-          <a:scrgbClr r="0" g="0" b="0"/>
-        </a:effectRef>
-        <a:fontRef idx="minor"/>
-      </dsp:style>
-      <dsp:txBody>
-        <a:bodyPr spcFirstLastPara="0" vert="horz" wrap="square" lIns="45720" tIns="11430" rIns="22860" bIns="11430" numCol="1" spcCol="1270" anchor="ctr" anchorCtr="0">
-          <a:noAutofit/>
-        </a:bodyPr>
-        <a:lstStyle/>
-        <a:p>
-          <a:pPr marL="0" lvl="0" indent="0" algn="ctr" defTabSz="800100">
-            <a:lnSpc>
-              <a:spcPct val="90000"/>
-            </a:lnSpc>
-            <a:spcBef>
-              <a:spcPct val="0"/>
-            </a:spcBef>
-            <a:spcAft>
-              <a:spcPct val="35000"/>
-            </a:spcAft>
-            <a:buNone/>
-          </a:pPr>
-          <a:r>
-            <a:rPr lang="en-US" sz="1800" kern="1200" dirty="0"/>
-            <a:t>Task description</a:t>
-          </a:r>
-        </a:p>
-      </dsp:txBody>
-      <dsp:txXfrm>
-        <a:off x="7740029" y="1147694"/>
-        <a:ext cx="1206713" cy="1514611"/>
-      </dsp:txXfrm>
-    </dsp:sp>
-    <dsp:sp modelId="{78E9A4E4-18A9-4B73-8007-A63A71C71937}">
-      <dsp:nvSpPr>
-        <dsp:cNvPr id="0" name=""/>
-        <dsp:cNvSpPr/>
-      </dsp:nvSpPr>
-      <dsp:spPr>
-        <a:xfrm>
-          <a:off x="6502375" y="1286172"/>
-          <a:ext cx="1237654" cy="1237654"/>
-        </a:xfrm>
-        <a:prstGeom prst="ellipse">
-          <a:avLst/>
-        </a:prstGeom>
-        <a:solidFill>
-          <a:schemeClr val="lt1">
-            <a:hueOff val="0"/>
-            <a:satOff val="0"/>
-            <a:lumOff val="0"/>
-            <a:alphaOff val="0"/>
-          </a:schemeClr>
-        </a:solidFill>
-        <a:ln w="12700" cap="flat" cmpd="sng" algn="ctr">
-          <a:solidFill>
-            <a:schemeClr val="accent1">
-              <a:shade val="80000"/>
-              <a:hueOff val="0"/>
-              <a:satOff val="0"/>
-              <a:lumOff val="0"/>
-              <a:alphaOff val="0"/>
-            </a:schemeClr>
-          </a:solidFill>
-          <a:prstDash val="solid"/>
-          <a:miter lim="800000"/>
-        </a:ln>
-        <a:effectLst/>
-      </dsp:spPr>
-      <dsp:style>
-        <a:lnRef idx="2">
-          <a:scrgbClr r="0" g="0" b="0"/>
-        </a:lnRef>
-        <a:fillRef idx="1">
-          <a:scrgbClr r="0" g="0" b="0"/>
-        </a:fillRef>
-        <a:effectRef idx="0">
-          <a:scrgbClr r="0" g="0" b="0"/>
-        </a:effectRef>
-        <a:fontRef idx="minor">
-          <a:schemeClr val="lt1"/>
-        </a:fontRef>
-      </dsp:style>
-      <dsp:txBody>
-        <a:bodyPr spcFirstLastPara="0" vert="horz" wrap="square" lIns="15240" tIns="15240" rIns="15240" bIns="15240" numCol="1" spcCol="1270" anchor="ctr" anchorCtr="0">
-          <a:noAutofit/>
-        </a:bodyPr>
-        <a:lstStyle/>
-        <a:p>
-          <a:pPr marL="0" lvl="0" indent="0" algn="ctr" defTabSz="1066800">
-            <a:lnSpc>
-              <a:spcPct val="90000"/>
-            </a:lnSpc>
-            <a:spcBef>
-              <a:spcPct val="0"/>
-            </a:spcBef>
-            <a:spcAft>
-              <a:spcPct val="35000"/>
-            </a:spcAft>
-            <a:buNone/>
-          </a:pPr>
-          <a:r>
-            <a:rPr lang="en-US" sz="2400" kern="1200" dirty="0"/>
-            <a:t>Step 3 Title</a:t>
-          </a:r>
-        </a:p>
-      </dsp:txBody>
-      <dsp:txXfrm>
-        <a:off x="6683625" y="1467422"/>
-        <a:ext cx="875154" cy="875154"/>
-      </dsp:txXfrm>
-    </dsp:sp>
-  </dsp:spTree>
-</dsp:drawing>
-</file>
-
-<file path=ppt/diagrams/layout1.xml><?xml version="1.0" encoding="utf-8"?>
-<dgm:layoutDef xmlns:dgm="http://schemas.openxmlformats.org/drawingml/2006/diagram" xmlns:a="http://schemas.openxmlformats.org/drawingml/2006/main" uniqueId="urn:microsoft.com/office/officeart/2005/8/layout/hProcess6">
-  <dgm:title val=""/>
-  <dgm:desc val=""/>
-  <dgm:catLst>
-    <dgm:cat type="process" pri="7000"/>
-  </dgm:catLst>
-  <dgm:sampData>
-    <dgm:dataModel>
-      <dgm:ptLst>
-        <dgm:pt modelId="0" type="doc"/>
-        <dgm:pt modelId="1">
-          <dgm:prSet phldr="1"/>
-        </dgm:pt>
-        <dgm:pt modelId="11">
-          <dgm:prSet phldr="1"/>
-        </dgm:pt>
-        <dgm:pt modelId="12">
-          <dgm:prSet phldr="1"/>
-        </dgm:pt>
-        <dgm:pt modelId="2">
-          <dgm:prSet phldr="1"/>
-        </dgm:pt>
-        <dgm:pt modelId="21">
-          <dgm:prSet phldr="1"/>
-        </dgm:pt>
-        <dgm:pt modelId="22">
-          <dgm:prSet phldr="1"/>
-        </dgm:pt>
-        <dgm:pt modelId="3">
-          <dgm:prSet phldr="1"/>
-        </dgm:pt>
-        <dgm:pt modelId="31">
-          <dgm:prSet phldr="1"/>
-        </dgm:pt>
-        <dgm:pt modelId="32">
-          <dgm:prSet phldr="1"/>
-        </dgm:pt>
-      </dgm:ptLst>
-      <dgm:cxnLst>
-        <dgm:cxn modelId="4" srcId="0" destId="1" srcOrd="0" destOrd="0"/>
-        <dgm:cxn modelId="5" srcId="0" destId="2" srcOrd="1" destOrd="0"/>
-        <dgm:cxn modelId="13" srcId="1" destId="11" srcOrd="0" destOrd="0"/>
-        <dgm:cxn modelId="14" srcId="1" destId="12" srcOrd="0" destOrd="0"/>
-        <dgm:cxn modelId="23" srcId="2" destId="21" srcOrd="0" destOrd="0"/>
-        <dgm:cxn modelId="24" srcId="2" destId="22" srcOrd="0" destOrd="0"/>
-        <dgm:cxn modelId="33" srcId="3" destId="31" srcOrd="0" destOrd="0"/>
-        <dgm:cxn modelId="34" srcId="3" destId="32" srcOrd="0" destOrd="0"/>
-      </dgm:cxnLst>
-      <dgm:bg/>
-      <dgm:whole/>
-    </dgm:dataModel>
-  </dgm:sampData>
-  <dgm:styleData>
-    <dgm:dataModel>
-      <dgm:ptLst>
-        <dgm:pt modelId="0" type="doc"/>
-        <dgm:pt modelId="1"/>
-        <dgm:pt modelId="11"/>
-        <dgm:pt modelId="2"/>
-        <dgm:pt modelId="21"/>
-      </dgm:ptLst>
-      <dgm:cxnLst>
-        <dgm:cxn modelId="4" srcId="0" destId="1" srcOrd="0" destOrd="0"/>
-        <dgm:cxn modelId="5" srcId="0" destId="2" srcOrd="1" destOrd="0"/>
-        <dgm:cxn modelId="13" srcId="1" destId="11" srcOrd="0" destOrd="0"/>
-        <dgm:cxn modelId="23" srcId="2" destId="21" srcOrd="0" destOrd="0"/>
-      </dgm:cxnLst>
-      <dgm:bg/>
-      <dgm:whole/>
-    </dgm:dataModel>
-  </dgm:styleData>
-  <dgm:clrData>
-    <dgm:dataModel>
-      <dgm:ptLst>
-        <dgm:pt modelId="0" type="doc"/>
-        <dgm:pt modelId="1"/>
-        <dgm:pt modelId="11"/>
-        <dgm:pt modelId="2"/>
-        <dgm:pt modelId="21"/>
-        <dgm:pt modelId="3"/>
-        <dgm:pt modelId="31"/>
-        <dgm:pt modelId="4"/>
-        <dgm:pt modelId="41"/>
-      </dgm:ptLst>
-      <dgm:cxnLst>
-        <dgm:cxn modelId="5" srcId="0" destId="1" srcOrd="0" destOrd="0"/>
-        <dgm:cxn modelId="6" srcId="0" destId="2" srcOrd="1" destOrd="0"/>
-        <dgm:cxn modelId="7" srcId="0" destId="3" srcOrd="2" destOrd="0"/>
-        <dgm:cxn modelId="8" srcId="0" destId="4" srcOrd="3" destOrd="0"/>
-        <dgm:cxn modelId="13" srcId="1" destId="11" srcOrd="0" destOrd="0"/>
-        <dgm:cxn modelId="23" srcId="2" destId="21" srcOrd="0" destOrd="0"/>
-        <dgm:cxn modelId="33" srcId="3" destId="31" srcOrd="0" destOrd="0"/>
-        <dgm:cxn modelId="43" srcId="4" destId="41" srcOrd="0" destOrd="0"/>
-      </dgm:cxnLst>
-      <dgm:bg/>
-      <dgm:whole/>
-    </dgm:dataModel>
-  </dgm:clrData>
-  <dgm:layoutNode name="theList">
-    <dgm:varLst>
-      <dgm:dir/>
-      <dgm:animLvl val="lvl"/>
-      <dgm:resizeHandles val="exact"/>
-    </dgm:varLst>
-    <dgm:choose name="Name0">
-      <dgm:if name="Name1" func="var" arg="dir" op="equ" val="norm">
-        <dgm:alg type="lin">
-          <dgm:param type="linDir" val="fromL"/>
-          <dgm:param type="nodeHorzAlign" val="l"/>
-        </dgm:alg>
-      </dgm:if>
-      <dgm:else name="Name2">
-        <dgm:alg type="lin">
-          <dgm:param type="linDir" val="fromR"/>
-          <dgm:param type="nodeHorzAlign" val="r"/>
-        </dgm:alg>
-      </dgm:else>
-    </dgm:choose>
-    <dgm:shape xmlns:r="http://schemas.openxmlformats.org/officeDocument/2006/relationships" r:blip="">
-      <dgm:adjLst/>
-    </dgm:shape>
-    <dgm:presOf/>
-    <dgm:constrLst>
-      <dgm:constr type="w" for="ch" forName="compNode" refType="w"/>
-      <dgm:constr type="h" for="ch" forName="compNode" refType="w" refFor="ch" refForName="compNode" fact="0.7"/>
-      <dgm:constr type="ctrY" for="ch" forName="compNode" refType="h" fact="0.5"/>
-      <dgm:constr type="w" for="ch" forName="aSpace" refType="w" fact="0.05"/>
-      <dgm:constr type="primFontSz" for="des" forName="childTextHidden" op="equ" val="65"/>
-      <dgm:constr type="primFontSz" for="des" forName="parentText" op="equ"/>
-    </dgm:constrLst>
-    <dgm:ruleLst/>
-    <dgm:forEach name="aNodeForEach" axis="ch" ptType="node">
-      <dgm:layoutNode name="compNode">
-        <dgm:alg type="composite">
-          <dgm:param type="ar" val="1.43"/>
-        </dgm:alg>
-        <dgm:shape xmlns:r="http://schemas.openxmlformats.org/officeDocument/2006/relationships" r:blip="">
-          <dgm:adjLst/>
-        </dgm:shape>
-        <dgm:presOf/>
-        <dgm:choose name="Name3">
-          <dgm:if name="Name4" func="var" arg="dir" op="equ" val="norm">
-            <dgm:constrLst>
-              <dgm:constr type="w" for="ch" forName="childTextVisible" refType="w" fact="0.8"/>
-              <dgm:constr type="h" for="ch" forName="childTextVisible" refType="h"/>
-              <dgm:constr type="r" for="ch" forName="childTextVisible" refType="w"/>
-              <dgm:constr type="w" for="ch" forName="childTextHidden" refType="w" fact="0.6"/>
-              <dgm:constr type="h" for="ch" forName="childTextHidden" refType="h"/>
-              <dgm:constr type="r" for="ch" forName="childTextHidden" refType="w"/>
-              <dgm:constr type="l" for="ch" forName="parentText"/>
-              <dgm:constr type="w" for="ch" forName="parentText" refType="w" fact="0.4"/>
-              <dgm:constr type="h" for="ch" forName="parentText" refType="w" refFor="ch" refForName="parentText" op="equ"/>
-              <dgm:constr type="ctrY" for="ch" forName="parentText" refType="h" fact="0.5"/>
-            </dgm:constrLst>
-          </dgm:if>
-          <dgm:else name="Name5">
-            <dgm:constrLst>
-              <dgm:constr type="w" for="ch" forName="childTextVisible" refType="w" fact="0.8"/>
-              <dgm:constr type="h" for="ch" forName="childTextVisible" refType="h"/>
-              <dgm:constr type="l" for="ch" forName="childTextVisible"/>
-              <dgm:constr type="w" for="ch" forName="childTextHidden" refType="w" fact="0.6"/>
-              <dgm:constr type="h" for="ch" forName="childTextHidden" refType="h"/>
-              <dgm:constr type="l" for="ch" forName="childTextHidden"/>
-              <dgm:constr type="r" for="ch" forName="parentText" refType="w"/>
-              <dgm:constr type="w" for="ch" forName="parentText" refType="w" fact="0.4"/>
-              <dgm:constr type="h" for="ch" forName="parentText" refType="w" refFor="ch" refForName="parentText" op="equ"/>
-              <dgm:constr type="ctrY" for="ch" forName="parentText" refType="h" fact="0.5"/>
-            </dgm:constrLst>
-          </dgm:else>
-        </dgm:choose>
-        <dgm:ruleLst/>
-        <dgm:layoutNode name="noGeometry">
-          <dgm:alg type="sp"/>
-          <dgm:shape xmlns:r="http://schemas.openxmlformats.org/officeDocument/2006/relationships" r:blip="">
-            <dgm:adjLst/>
-          </dgm:shape>
-          <dgm:presOf/>
-          <dgm:constrLst/>
-          <dgm:ruleLst/>
-        </dgm:layoutNode>
-        <dgm:layoutNode name="childTextVisible" styleLbl="bgAccFollowNode1">
-          <dgm:varLst>
-            <dgm:bulletEnabled val="1"/>
-          </dgm:varLst>
-          <dgm:alg type="sp"/>
-          <dgm:choose name="Name6">
-            <dgm:if name="Name7" func="var" arg="dir" op="equ" val="norm">
-              <dgm:shape xmlns:r="http://schemas.openxmlformats.org/officeDocument/2006/relationships" type="rightArrow" r:blip="">
-                <dgm:adjLst>
-                  <dgm:adj idx="1" val="0.7"/>
-                  <dgm:adj idx="2" val="0.5"/>
-                </dgm:adjLst>
-              </dgm:shape>
-            </dgm:if>
-            <dgm:else name="Name8">
-              <dgm:shape xmlns:r="http://schemas.openxmlformats.org/officeDocument/2006/relationships" type="leftArrow" r:blip="">
-                <dgm:adjLst>
-                  <dgm:adj idx="1" val="0.7"/>
-                  <dgm:adj idx="2" val="0.5"/>
-                </dgm:adjLst>
-              </dgm:shape>
-            </dgm:else>
-          </dgm:choose>
-          <dgm:presOf axis="des" ptType="node"/>
-          <dgm:constrLst/>
-          <dgm:ruleLst/>
-        </dgm:layoutNode>
-        <dgm:layoutNode name="childTextHidden" styleLbl="bgAccFollowNode1">
-          <dgm:choose name="Name9">
-            <dgm:if name="Name10" axis="des followSib" ptType="node node" st="1 1" cnt="1 0" func="cnt" op="gte" val="1">
-              <dgm:alg type="tx">
-                <dgm:param type="stBulletLvl" val="1"/>
-                <dgm:param type="txAnchorVertCh" val="mid"/>
-              </dgm:alg>
-            </dgm:if>
-            <dgm:else name="Name11">
-              <dgm:alg type="tx">
-                <dgm:param type="stBulletLvl" val="2"/>
-                <dgm:param type="txAnchorVertCh" val="mid"/>
-              </dgm:alg>
-            </dgm:else>
-          </dgm:choose>
-          <dgm:choose name="Name12">
-            <dgm:if name="Name13" func="var" arg="dir" op="equ" val="norm">
-              <dgm:shape xmlns:r="http://schemas.openxmlformats.org/officeDocument/2006/relationships" type="rightArrow" r:blip="" hideGeom="1">
-                <dgm:adjLst>
-                  <dgm:adj idx="1" val="0.7"/>
-                  <dgm:adj idx="2" val="0.5"/>
-                </dgm:adjLst>
-              </dgm:shape>
-            </dgm:if>
-            <dgm:else name="Name14">
-              <dgm:shape xmlns:r="http://schemas.openxmlformats.org/officeDocument/2006/relationships" type="leftArrow" r:blip="" hideGeom="1">
-                <dgm:adjLst>
-                  <dgm:adj idx="1" val="0.7"/>
-                  <dgm:adj idx="2" val="0.5"/>
-                </dgm:adjLst>
-              </dgm:shape>
-            </dgm:else>
-          </dgm:choose>
-          <dgm:presOf axis="des" ptType="node"/>
-          <dgm:constrLst>
-            <dgm:constr type="secFontSz" refType="primFontSz"/>
-            <dgm:constr type="tMarg" refType="primFontSz" fact="0.05"/>
-            <dgm:constr type="bMarg" refType="primFontSz" fact="0.05"/>
-            <dgm:constr type="rMarg" refType="primFontSz" fact="0.1"/>
-            <dgm:constr type="lMarg" refType="primFontSz" fact="0.2"/>
-          </dgm:constrLst>
-          <dgm:ruleLst>
-            <dgm:rule type="primFontSz" val="5" fact="NaN" max="NaN"/>
-          </dgm:ruleLst>
-        </dgm:layoutNode>
-        <dgm:layoutNode name="parentText" styleLbl="node1">
-          <dgm:varLst>
-            <dgm:chMax val="1"/>
-            <dgm:bulletEnabled val="1"/>
-          </dgm:varLst>
-          <dgm:alg type="tx"/>
-          <dgm:shape xmlns:r="http://schemas.openxmlformats.org/officeDocument/2006/relationships" type="ellipse" r:blip="">
-            <dgm:adjLst/>
-          </dgm:shape>
-          <dgm:presOf axis="self"/>
-          <dgm:constrLst>
-            <dgm:constr type="primFontSz" val="65"/>
-            <dgm:constr type="tMarg" refType="primFontSz" fact="0.05"/>
-            <dgm:constr type="bMarg" refType="primFontSz" fact="0.05"/>
-            <dgm:constr type="lMarg" refType="primFontSz" fact="0.05"/>
-            <dgm:constr type="rMarg" refType="primFontSz" fact="0.05"/>
-          </dgm:constrLst>
-          <dgm:ruleLst>
-            <dgm:rule type="primFontSz" val="5" fact="NaN" max="NaN"/>
-          </dgm:ruleLst>
-        </dgm:layoutNode>
-      </dgm:layoutNode>
-      <dgm:choose name="Name15">
-        <dgm:if name="Name16" axis="self" ptType="node" func="revPos" op="gte" val="2">
-          <dgm:layoutNode name="aSpace">
-            <dgm:alg type="sp"/>
-            <dgm:shape xmlns:r="http://schemas.openxmlformats.org/officeDocument/2006/relationships" r:blip="">
-              <dgm:adjLst/>
-            </dgm:shape>
-            <dgm:presOf/>
-            <dgm:constrLst/>
-            <dgm:ruleLst/>
-          </dgm:layoutNode>
-        </dgm:if>
-        <dgm:else name="Name17"/>
-      </dgm:choose>
-    </dgm:forEach>
-  </dgm:layoutNode>
-</dgm:layoutDef>
-</file>
-
-<file path=ppt/diagrams/quickStyle1.xml><?xml version="1.0" encoding="utf-8"?>
-<dgm:styleDef xmlns:dgm="http://schemas.openxmlformats.org/drawingml/2006/diagram" xmlns:a="http://schemas.openxmlformats.org/drawingml/2006/main" uniqueId="urn:microsoft.com/office/officeart/2005/8/quickstyle/simple1">
-  <dgm:title val=""/>
-  <dgm:desc val=""/>
-  <dgm:catLst>
-    <dgm:cat type="simple" pri="10100"/>
-  </dgm:catLst>
-  <dgm:scene3d>
-    <a:camera prst="orthographicFront"/>
-    <a:lightRig rig="threePt" dir="t"/>
-  </dgm:scene3d>
-  <dgm:styleLbl name="node0">
-    <dgm:scene3d>
-      <a:camera prst="orthographicFront"/>
-      <a:lightRig rig="threePt" dir="t"/>
-    </dgm:scene3d>
-    <dgm:sp3d/>
-    <dgm:txPr/>
-    <dgm:style>
-      <a:lnRef idx="2">
-        <a:scrgbClr r="0" g="0" b="0"/>
-      </a:lnRef>
-      <a:fillRef idx="1">
-        <a:scrgbClr r="0" g="0" b="0"/>
-      </a:fillRef>
-      <a:effectRef idx="0">
-        <a:scrgbClr r="0" g="0" b="0"/>
-      </a:effectRef>
-      <a:fontRef idx="minor">
-        <a:schemeClr val="lt1"/>
-      </a:fontRef>
-    </dgm:style>
-  </dgm:styleLbl>
-  <dgm:styleLbl name="lnNode1">
-    <dgm:scene3d>
-      <a:camera prst="orthographicFront"/>
-      <a:lightRig rig="threePt" dir="t"/>
-    </dgm:scene3d>
-    <dgm:sp3d/>
-    <dgm:txPr/>
-    <dgm:style>
-      <a:lnRef idx="2">
-        <a:scrgbClr r="0" g="0" b="0"/>
-      </a:lnRef>
-      <a:fillRef idx="1">
-        <a:scrgbClr r="0" g="0" b="0"/>
-      </a:fillRef>
-      <a:effectRef idx="0">
-        <a:scrgbClr r="0" g="0" b="0"/>
-      </a:effectRef>
-      <a:fontRef idx="minor">
-        <a:schemeClr val="lt1"/>
-      </a:fontRef>
-    </dgm:style>
-  </dgm:styleLbl>
-  <dgm:styleLbl name="vennNode1">
-    <dgm:scene3d>
-      <a:camera prst="orthographicFront"/>
-      <a:lightRig rig="threePt" dir="t"/>
-    </dgm:scene3d>
-    <dgm:sp3d/>
-    <dgm:txPr/>
-    <dgm:style>
-      <a:lnRef idx="2">
-        <a:scrgbClr r="0" g="0" b="0"/>
-      </a:lnRef>
-      <a:fillRef idx="1">
-        <a:scrgbClr r="0" g="0" b="0"/>
-      </a:fillRef>
-      <a:effectRef idx="0">
-        <a:scrgbClr r="0" g="0" b="0"/>
-      </a:effectRef>
-      <a:fontRef idx="minor">
-        <a:schemeClr val="tx1"/>
-      </a:fontRef>
-    </dgm:style>
-  </dgm:styleLbl>
-  <dgm:styleLbl name="alignNode1">
-    <dgm:scene3d>
-      <a:camera prst="orthographicFront"/>
-      <a:lightRig rig="threePt" dir="t"/>
-    </dgm:scene3d>
-    <dgm:sp3d/>
-    <dgm:txPr/>
-    <dgm:style>
-      <a:lnRef idx="2">
-        <a:scrgbClr r="0" g="0" b="0"/>
-      </a:lnRef>
-      <a:fillRef idx="1">
-        <a:scrgbClr r="0" g="0" b="0"/>
-      </a:fillRef>
-      <a:effectRef idx="0">
-        <a:scrgbClr r="0" g="0" b="0"/>
-      </a:effectRef>
-      <a:fontRef idx="minor">
-        <a:schemeClr val="lt1"/>
-      </a:fontRef>
-    </dgm:style>
-  </dgm:styleLbl>
-  <dgm:styleLbl name="node1">
-    <dgm:scene3d>
-      <a:camera prst="orthographicFront"/>
-      <a:lightRig rig="threePt" dir="t"/>
-    </dgm:scene3d>
-    <dgm:sp3d/>
-    <dgm:txPr/>
-    <dgm:style>
-      <a:lnRef idx="2">
-        <a:scrgbClr r="0" g="0" b="0"/>
-      </a:lnRef>
-      <a:fillRef idx="1">
-        <a:scrgbClr r="0" g="0" b="0"/>
-      </a:fillRef>
-      <a:effectRef idx="0">
-        <a:scrgbClr r="0" g="0" b="0"/>
-      </a:effectRef>
-      <a:fontRef idx="minor">
-        <a:schemeClr val="lt1"/>
-      </a:fontRef>
-    </dgm:style>
-  </dgm:styleLbl>
-  <dgm:styleLbl name="node2">
-    <dgm:scene3d>
-      <a:camera prst="orthographicFront"/>
-      <a:lightRig rig="threePt" dir="t"/>
-    </dgm:scene3d>
-    <dgm:sp3d/>
-    <dgm:txPr/>
-    <dgm:style>
-      <a:lnRef idx="2">
-        <a:scrgbClr r="0" g="0" b="0"/>
-      </a:lnRef>
-      <a:fillRef idx="1">
-        <a:scrgbClr r="0" g="0" b="0"/>
-      </a:fillRef>
-      <a:effectRef idx="0">
-        <a:scrgbClr r="0" g="0" b="0"/>
-      </a:effectRef>
-      <a:fontRef idx="minor">
-        <a:schemeClr val="lt1"/>
-      </a:fontRef>
-    </dgm:style>
-  </dgm:styleLbl>
-  <dgm:styleLbl name="node3">
-    <dgm:scene3d>
-      <a:camera prst="orthographicFront"/>
-      <a:lightRig rig="threePt" dir="t"/>
-    </dgm:scene3d>
-    <dgm:sp3d/>
-    <dgm:txPr/>
-    <dgm:style>
-      <a:lnRef idx="2">
-        <a:scrgbClr r="0" g="0" b="0"/>
-      </a:lnRef>
-      <a:fillRef idx="1">
-        <a:scrgbClr r="0" g="0" b="0"/>
-      </a:fillRef>
-      <a:effectRef idx="0">
-        <a:scrgbClr r="0" g="0" b="0"/>
-      </a:effectRef>
-      <a:fontRef idx="minor">
-        <a:schemeClr val="lt1"/>
-      </a:fontRef>
-    </dgm:style>
-  </dgm:styleLbl>
-  <dgm:styleLbl name="node4">
-    <dgm:scene3d>
-      <a:camera prst="orthographicFront"/>
-      <a:lightRig rig="threePt" dir="t"/>
-    </dgm:scene3d>
-    <dgm:sp3d/>
-    <dgm:txPr/>
-    <dgm:style>
-      <a:lnRef idx="2">
-        <a:scrgbClr r="0" g="0" b="0"/>
-      </a:lnRef>
-      <a:fillRef idx="1">
-        <a:scrgbClr r="0" g="0" b="0"/>
-      </a:fillRef>
-      <a:effectRef idx="0">
-        <a:scrgbClr r="0" g="0" b="0"/>
-      </a:effectRef>
-      <a:fontRef idx="minor">
-        <a:schemeClr val="lt1"/>
-      </a:fontRef>
-    </dgm:style>
-  </dgm:styleLbl>
-  <dgm:styleLbl name="fgImgPlace1">
-    <dgm:scene3d>
-      <a:camera prst="orthographicFront"/>
-      <a:lightRig rig="threePt" dir="t"/>
-    </dgm:scene3d>
-    <dgm:sp3d/>
-    <dgm:txPr/>
-    <dgm:style>
-      <a:lnRef idx="2">
-        <a:scrgbClr r="0" g="0" b="0"/>
-      </a:lnRef>
-      <a:fillRef idx="1">
-        <a:scrgbClr r="0" g="0" b="0"/>
-      </a:fillRef>
-      <a:effectRef idx="0">
-        <a:scrgbClr r="0" g="0" b="0"/>
-      </a:effectRef>
-      <a:fontRef idx="minor"/>
-    </dgm:style>
-  </dgm:styleLbl>
-  <dgm:styleLbl name="alignImgPlace1">
-    <dgm:scene3d>
-      <a:camera prst="orthographicFront"/>
-      <a:lightRig rig="threePt" dir="t"/>
-    </dgm:scene3d>
-    <dgm:sp3d/>
-    <dgm:txPr/>
-    <dgm:style>
-      <a:lnRef idx="2">
-        <a:scrgbClr r="0" g="0" b="0"/>
-      </a:lnRef>
-      <a:fillRef idx="1">
-        <a:scrgbClr r="0" g="0" b="0"/>
-      </a:fillRef>
-      <a:effectRef idx="0">
-        <a:scrgbClr r="0" g="0" b="0"/>
-      </a:effectRef>
-      <a:fontRef idx="minor"/>
-    </dgm:style>
-  </dgm:styleLbl>
-  <dgm:styleLbl name="bgImgPlace1">
-    <dgm:scene3d>
-      <a:camera prst="orthographicFront"/>
-      <a:lightRig rig="threePt" dir="t"/>
-    </dgm:scene3d>
-    <dgm:sp3d/>
-    <dgm:txPr/>
-    <dgm:style>
-      <a:lnRef idx="2">
-        <a:scrgbClr r="0" g="0" b="0"/>
-      </a:lnRef>
-      <a:fillRef idx="1">
-        <a:scrgbClr r="0" g="0" b="0"/>
-      </a:fillRef>
-      <a:effectRef idx="0">
-        <a:scrgbClr r="0" g="0" b="0"/>
-      </a:effectRef>
-      <a:fontRef idx="minor"/>
-    </dgm:style>
-  </dgm:styleLbl>
-  <dgm:styleLbl name="sibTrans2D1">
-    <dgm:scene3d>
-      <a:camera prst="orthographicFront"/>
-      <a:lightRig rig="threePt" dir="t"/>
-    </dgm:scene3d>
-    <dgm:sp3d/>
-    <dgm:txPr/>
-    <dgm:style>
-      <a:lnRef idx="0">
-        <a:scrgbClr r="0" g="0" b="0"/>
-      </a:lnRef>
-      <a:fillRef idx="1">
-        <a:scrgbClr r="0" g="0" b="0"/>
-      </a:fillRef>
-      <a:effectRef idx="0">
-        <a:scrgbClr r="0" g="0" b="0"/>
-      </a:effectRef>
-      <a:fontRef idx="minor">
-        <a:schemeClr val="lt1"/>
-      </a:fontRef>
-    </dgm:style>
-  </dgm:styleLbl>
-  <dgm:styleLbl name="fgSibTrans2D1">
-    <dgm:scene3d>
-      <a:camera prst="orthographicFront"/>
-      <a:lightRig rig="threePt" dir="t"/>
-    </dgm:scene3d>
-    <dgm:sp3d/>
-    <dgm:txPr/>
-    <dgm:style>
-      <a:lnRef idx="0">
-        <a:scrgbClr r="0" g="0" b="0"/>
-      </a:lnRef>
-      <a:fillRef idx="1">
-        <a:scrgbClr r="0" g="0" b="0"/>
-      </a:fillRef>
-      <a:effectRef idx="0">
-        <a:scrgbClr r="0" g="0" b="0"/>
-      </a:effectRef>
-      <a:fontRef idx="minor">
-        <a:schemeClr val="lt1"/>
-      </a:fontRef>
-    </dgm:style>
-  </dgm:styleLbl>
-  <dgm:styleLbl name="bgSibTrans2D1">
-    <dgm:scene3d>
-      <a:camera prst="orthographicFront"/>
-      <a:lightRig rig="threePt" dir="t"/>
-    </dgm:scene3d>
-    <dgm:sp3d/>
-    <dgm:txPr/>
-    <dgm:style>
-      <a:lnRef idx="0">
-        <a:scrgbClr r="0" g="0" b="0"/>
-      </a:lnRef>
-      <a:fillRef idx="1">
-        <a:scrgbClr r="0" g="0" b="0"/>
-      </a:fillRef>
-      <a:effectRef idx="0">
-        <a:scrgbClr r="0" g="0" b="0"/>
-      </a:effectRef>
-      <a:fontRef idx="minor">
-        <a:schemeClr val="lt1"/>
-      </a:fontRef>
-    </dgm:style>
-  </dgm:styleLbl>
-  <dgm:styleLbl name="sibTrans1D1">
-    <dgm:scene3d>
-      <a:camera prst="orthographicFront"/>
-      <a:lightRig rig="threePt" dir="t"/>
-    </dgm:scene3d>
-    <dgm:sp3d/>
-    <dgm:txPr/>
-    <dgm:style>
-      <a:lnRef idx="1">
-        <a:scrgbClr r="0" g="0" b="0"/>
-      </a:lnRef>
-      <a:fillRef idx="0">
-        <a:scrgbClr r="0" g="0" b="0"/>
-      </a:fillRef>
-      <a:effectRef idx="0">
-        <a:scrgbClr r="0" g="0" b="0"/>
-      </a:effectRef>
-      <a:fontRef idx="minor"/>
-    </dgm:style>
-  </dgm:styleLbl>
-  <dgm:styleLbl name="callout">
-    <dgm:scene3d>
-      <a:camera prst="orthographicFront"/>
-      <a:lightRig rig="threePt" dir="t"/>
-    </dgm:scene3d>
-    <dgm:sp3d/>
-    <dgm:txPr/>
-    <dgm:style>
-      <a:lnRef idx="2">
-        <a:scrgbClr r="0" g="0" b="0"/>
-      </a:lnRef>
-      <a:fillRef idx="1">
-        <a:scrgbClr r="0" g="0" b="0"/>
-      </a:fillRef>
-      <a:effectRef idx="0">
-        <a:scrgbClr r="0" g="0" b="0"/>
-      </a:effectRef>
-      <a:fontRef idx="minor"/>
-    </dgm:style>
-  </dgm:styleLbl>
-  <dgm:styleLbl name="asst0">
-    <dgm:scene3d>
-      <a:camera prst="orthographicFront"/>
-      <a:lightRig rig="threePt" dir="t"/>
-    </dgm:scene3d>
-    <dgm:sp3d/>
-    <dgm:txPr/>
-    <dgm:style>
-      <a:lnRef idx="2">
-        <a:scrgbClr r="0" g="0" b="0"/>
-      </a:lnRef>
-      <a:fillRef idx="1">
-        <a:scrgbClr r="0" g="0" b="0"/>
-      </a:fillRef>
-      <a:effectRef idx="0">
-        <a:scrgbClr r="0" g="0" b="0"/>
-      </a:effectRef>
-      <a:fontRef idx="minor">
-        <a:schemeClr val="lt1"/>
-      </a:fontRef>
-    </dgm:style>
-  </dgm:styleLbl>
-  <dgm:styleLbl name="asst1">
-    <dgm:scene3d>
-      <a:camera prst="orthographicFront"/>
-      <a:lightRig rig="threePt" dir="t"/>
-    </dgm:scene3d>
-    <dgm:sp3d/>
-    <dgm:txPr/>
-    <dgm:style>
-      <a:lnRef idx="2">
-        <a:scrgbClr r="0" g="0" b="0"/>
-      </a:lnRef>
-      <a:fillRef idx="1">
-        <a:scrgbClr r="0" g="0" b="0"/>
-      </a:fillRef>
-      <a:effectRef idx="0">
-        <a:scrgbClr r="0" g="0" b="0"/>
-      </a:effectRef>
-      <a:fontRef idx="minor">
-        <a:schemeClr val="lt1"/>
-      </a:fontRef>
-    </dgm:style>
-  </dgm:styleLbl>
-  <dgm:styleLbl name="asst2">
-    <dgm:scene3d>
-      <a:camera prst="orthographicFront"/>
-      <a:lightRig rig="threePt" dir="t"/>
-    </dgm:scene3d>
-    <dgm:sp3d/>
-    <dgm:txPr/>
-    <dgm:style>
-      <a:lnRef idx="2">
-        <a:scrgbClr r="0" g="0" b="0"/>
-      </a:lnRef>
-      <a:fillRef idx="1">
-        <a:scrgbClr r="0" g="0" b="0"/>
-      </a:fillRef>
-      <a:effectRef idx="0">
-        <a:scrgbClr r="0" g="0" b="0"/>
-      </a:effectRef>
-      <a:fontRef idx="minor">
-        <a:schemeClr val="lt1"/>
-      </a:fontRef>
-    </dgm:style>
-  </dgm:styleLbl>
-  <dgm:styleLbl name="asst3">
-    <dgm:scene3d>
-      <a:camera prst="orthographicFront"/>
-      <a:lightRig rig="threePt" dir="t"/>
-    </dgm:scene3d>
-    <dgm:sp3d/>
-    <dgm:txPr/>
-    <dgm:style>
-      <a:lnRef idx="2">
-        <a:scrgbClr r="0" g="0" b="0"/>
-      </a:lnRef>
-      <a:fillRef idx="1">
-        <a:scrgbClr r="0" g="0" b="0"/>
-      </a:fillRef>
-      <a:effectRef idx="0">
-        <a:scrgbClr r="0" g="0" b="0"/>
-      </a:effectRef>
-      <a:fontRef idx="minor">
-        <a:schemeClr val="lt1"/>
-      </a:fontRef>
-    </dgm:style>
-  </dgm:styleLbl>
-  <dgm:styleLbl name="asst4">
-    <dgm:scene3d>
-      <a:camera prst="orthographicFront"/>
-      <a:lightRig rig="threePt" dir="t"/>
-    </dgm:scene3d>
-    <dgm:sp3d/>
-    <dgm:txPr/>
-    <dgm:style>
-      <a:lnRef idx="2">
-        <a:scrgbClr r="0" g="0" b="0"/>
-      </a:lnRef>
-      <a:fillRef idx="1">
-        <a:scrgbClr r="0" g="0" b="0"/>
-      </a:fillRef>
-      <a:effectRef idx="0">
-        <a:scrgbClr r="0" g="0" b="0"/>
-      </a:effectRef>
-      <a:fontRef idx="minor">
-        <a:schemeClr val="lt1"/>
-      </a:fontRef>
-    </dgm:style>
-  </dgm:styleLbl>
-  <dgm:styleLbl name="parChTrans2D1">
-    <dgm:scene3d>
-      <a:camera prst="orthographicFront"/>
-      <a:lightRig rig="threePt" dir="t"/>
-    </dgm:scene3d>
-    <dgm:sp3d/>
-    <dgm:txPr/>
-    <dgm:style>
-      <a:lnRef idx="2">
-        <a:scrgbClr r="0" g="0" b="0"/>
-      </a:lnRef>
-      <a:fillRef idx="1">
-        <a:scrgbClr r="0" g="0" b="0"/>
-      </a:fillRef>
-      <a:effectRef idx="0">
-        <a:scrgbClr r="0" g="0" b="0"/>
-      </a:effectRef>
-      <a:fontRef idx="minor">
-        <a:schemeClr val="lt1"/>
-      </a:fontRef>
-    </dgm:style>
-  </dgm:styleLbl>
-  <dgm:styleLbl name="parChTrans2D2">
-    <dgm:scene3d>
-      <a:camera prst="orthographicFront"/>
-      <a:lightRig rig="threePt" dir="t"/>
-    </dgm:scene3d>
-    <dgm:sp3d/>
-    <dgm:txPr/>
-    <dgm:style>
-      <a:lnRef idx="2">
-        <a:scrgbClr r="0" g="0" b="0"/>
-      </a:lnRef>
-      <a:fillRef idx="1">
-        <a:scrgbClr r="0" g="0" b="0"/>
-      </a:fillRef>
-      <a:effectRef idx="0">
-        <a:scrgbClr r="0" g="0" b="0"/>
-      </a:effectRef>
-      <a:fontRef idx="minor">
-        <a:schemeClr val="lt1"/>
-      </a:fontRef>
-    </dgm:style>
-  </dgm:styleLbl>
-  <dgm:styleLbl name="parChTrans2D3">
-    <dgm:scene3d>
-      <a:camera prst="orthographicFront"/>
-      <a:lightRig rig="threePt" dir="t"/>
-    </dgm:scene3d>
-    <dgm:sp3d/>
-    <dgm:txPr/>
-    <dgm:style>
-      <a:lnRef idx="2">
-        <a:scrgbClr r="0" g="0" b="0"/>
-      </a:lnRef>
-      <a:fillRef idx="1">
-        <a:scrgbClr r="0" g="0" b="0"/>
-      </a:fillRef>
-      <a:effectRef idx="0">
-        <a:scrgbClr r="0" g="0" b="0"/>
-      </a:effectRef>
-      <a:fontRef idx="minor">
-        <a:schemeClr val="lt1"/>
-      </a:fontRef>
-    </dgm:style>
-  </dgm:styleLbl>
-  <dgm:styleLbl name="parChTrans2D4">
-    <dgm:scene3d>
-      <a:camera prst="orthographicFront"/>
-      <a:lightRig rig="threePt" dir="t"/>
-    </dgm:scene3d>
-    <dgm:sp3d/>
-    <dgm:txPr/>
-    <dgm:style>
-      <a:lnRef idx="2">
-        <a:scrgbClr r="0" g="0" b="0"/>
-      </a:lnRef>
-      <a:fillRef idx="1">
-        <a:scrgbClr r="0" g="0" b="0"/>
-      </a:fillRef>
-      <a:effectRef idx="0">
-        <a:scrgbClr r="0" g="0" b="0"/>
-      </a:effectRef>
-      <a:fontRef idx="minor">
-        <a:schemeClr val="lt1"/>
-      </a:fontRef>
-    </dgm:style>
-  </dgm:styleLbl>
-  <dgm:styleLbl name="parChTrans1D1">
-    <dgm:scene3d>
-      <a:camera prst="orthographicFront"/>
-      <a:lightRig rig="threePt" dir="t"/>
-    </dgm:scene3d>
-    <dgm:sp3d/>
-    <dgm:txPr/>
-    <dgm:style>
-      <a:lnRef idx="2">
-        <a:scrgbClr r="0" g="0" b="0"/>
-      </a:lnRef>
-      <a:fillRef idx="0">
-        <a:scrgbClr r="0" g="0" b="0"/>
-      </a:fillRef>
-      <a:effectRef idx="0">
-        <a:scrgbClr r="0" g="0" b="0"/>
-      </a:effectRef>
-      <a:fontRef idx="minor"/>
-    </dgm:style>
-  </dgm:styleLbl>
-  <dgm:styleLbl name="parChTrans1D2">
-    <dgm:scene3d>
-      <a:camera prst="orthographicFront"/>
-      <a:lightRig rig="threePt" dir="t"/>
-    </dgm:scene3d>
-    <dgm:sp3d/>
-    <dgm:txPr/>
-    <dgm:style>
-      <a:lnRef idx="2">
-        <a:scrgbClr r="0" g="0" b="0"/>
-      </a:lnRef>
-      <a:fillRef idx="0">
-        <a:scrgbClr r="0" g="0" b="0"/>
-      </a:fillRef>
-      <a:effectRef idx="0">
-        <a:scrgbClr r="0" g="0" b="0"/>
-      </a:effectRef>
-      <a:fontRef idx="minor"/>
-    </dgm:style>
-  </dgm:styleLbl>
-  <dgm:styleLbl name="parChTrans1D3">
-    <dgm:scene3d>
-      <a:camera prst="orthographicFront"/>
-      <a:lightRig rig="threePt" dir="t"/>
-    </dgm:scene3d>
-    <dgm:sp3d/>
-    <dgm:txPr/>
-    <dgm:style>
-      <a:lnRef idx="2">
-        <a:scrgbClr r="0" g="0" b="0"/>
-      </a:lnRef>
-      <a:fillRef idx="0">
-        <a:scrgbClr r="0" g="0" b="0"/>
-      </a:fillRef>
-      <a:effectRef idx="0">
-        <a:scrgbClr r="0" g="0" b="0"/>
-      </a:effectRef>
-      <a:fontRef idx="minor"/>
-    </dgm:style>
-  </dgm:styleLbl>
-  <dgm:styleLbl name="parChTrans1D4">
-    <dgm:scene3d>
-      <a:camera prst="orthographicFront"/>
-      <a:lightRig rig="threePt" dir="t"/>
-    </dgm:scene3d>
-    <dgm:sp3d/>
-    <dgm:txPr/>
-    <dgm:style>
-      <a:lnRef idx="2">
-        <a:scrgbClr r="0" g="0" b="0"/>
-      </a:lnRef>
-      <a:fillRef idx="0">
-        <a:scrgbClr r="0" g="0" b="0"/>
-      </a:fillRef>
-      <a:effectRef idx="0">
-        <a:scrgbClr r="0" g="0" b="0"/>
-      </a:effectRef>
-      <a:fontRef idx="minor"/>
-    </dgm:style>
-  </dgm:styleLbl>
-  <dgm:styleLbl name="fgAcc1">
-    <dgm:scene3d>
-      <a:camera prst="orthographicFront"/>
-      <a:lightRig rig="threePt" dir="t"/>
-    </dgm:scene3d>
-    <dgm:sp3d/>
-    <dgm:txPr/>
-    <dgm:style>
-      <a:lnRef idx="2">
-        <a:scrgbClr r="0" g="0" b="0"/>
-      </a:lnRef>
-      <a:fillRef idx="1">
-        <a:scrgbClr r="0" g="0" b="0"/>
-      </a:fillRef>
-      <a:effectRef idx="0">
-        <a:scrgbClr r="0" g="0" b="0"/>
-      </a:effectRef>
-      <a:fontRef idx="minor"/>
-    </dgm:style>
-  </dgm:styleLbl>
-  <dgm:styleLbl name="conFgAcc1">
-    <dgm:scene3d>
-      <a:camera prst="orthographicFront"/>
-      <a:lightRig rig="threePt" dir="t"/>
-    </dgm:scene3d>
-    <dgm:sp3d/>
-    <dgm:txPr/>
-    <dgm:style>
-      <a:lnRef idx="2">
-        <a:scrgbClr r="0" g="0" b="0"/>
-      </a:lnRef>
-      <a:fillRef idx="1">
-        <a:scrgbClr r="0" g="0" b="0"/>
-      </a:fillRef>
-      <a:effectRef idx="0">
-        <a:scrgbClr r="0" g="0" b="0"/>
-      </a:effectRef>
-      <a:fontRef idx="minor"/>
-    </dgm:style>
-  </dgm:styleLbl>
-  <dgm:styleLbl name="alignAcc1">
-    <dgm:scene3d>
-      <a:camera prst="orthographicFront"/>
-      <a:lightRig rig="threePt" dir="t"/>
-    </dgm:scene3d>
-    <dgm:sp3d/>
-    <dgm:txPr/>
-    <dgm:style>
-      <a:lnRef idx="2">
-        <a:scrgbClr r="0" g="0" b="0"/>
-      </a:lnRef>
-      <a:fillRef idx="1">
-        <a:scrgbClr r="0" g="0" b="0"/>
-      </a:fillRef>
-      <a:effectRef idx="0">
-        <a:scrgbClr r="0" g="0" b="0"/>
-      </a:effectRef>
-      <a:fontRef idx="minor"/>
-    </dgm:style>
-  </dgm:styleLbl>
-  <dgm:styleLbl name="trAlignAcc1">
-    <dgm:scene3d>
-      <a:camera prst="orthographicFront"/>
-      <a:lightRig rig="threePt" dir="t"/>
-    </dgm:scene3d>
-    <dgm:sp3d/>
-    <dgm:txPr/>
-    <dgm:style>
-      <a:lnRef idx="1">
-        <a:scrgbClr r="0" g="0" b="0"/>
-      </a:lnRef>
-      <a:fillRef idx="1">
-        <a:scrgbClr r="0" g="0" b="0"/>
-      </a:fillRef>
-      <a:effectRef idx="0">
-        <a:scrgbClr r="0" g="0" b="0"/>
-      </a:effectRef>
-      <a:fontRef idx="minor"/>
-    </dgm:style>
-  </dgm:styleLbl>
-  <dgm:styleLbl name="bgAcc1">
-    <dgm:scene3d>
-      <a:camera prst="orthographicFront"/>
-      <a:lightRig rig="threePt" dir="t"/>
-    </dgm:scene3d>
-    <dgm:sp3d/>
-    <dgm:txPr/>
-    <dgm:style>
-      <a:lnRef idx="2">
-        <a:scrgbClr r="0" g="0" b="0"/>
-      </a:lnRef>
-      <a:fillRef idx="1">
-        <a:scrgbClr r="0" g="0" b="0"/>
-      </a:fillRef>
-      <a:effectRef idx="0">
-        <a:scrgbClr r="0" g="0" b="0"/>
-      </a:effectRef>
-      <a:fontRef idx="minor"/>
-    </dgm:style>
-  </dgm:styleLbl>
-  <dgm:styleLbl name="solidFgAcc1">
-    <dgm:scene3d>
-      <a:camera prst="orthographicFront"/>
-      <a:lightRig rig="threePt" dir="t"/>
-    </dgm:scene3d>
-    <dgm:sp3d/>
-    <dgm:txPr/>
-    <dgm:style>
-      <a:lnRef idx="2">
-        <a:scrgbClr r="0" g="0" b="0"/>
-      </a:lnRef>
-      <a:fillRef idx="1">
-        <a:scrgbClr r="0" g="0" b="0"/>
-      </a:fillRef>
-      <a:effectRef idx="0">
-        <a:scrgbClr r="0" g="0" b="0"/>
-      </a:effectRef>
-      <a:fontRef idx="minor"/>
-    </dgm:style>
-  </dgm:styleLbl>
-  <dgm:styleLbl name="solidAlignAcc1">
-    <dgm:scene3d>
-      <a:camera prst="orthographicFront"/>
-      <a:lightRig rig="threePt" dir="t"/>
-    </dgm:scene3d>
-    <dgm:sp3d/>
-    <dgm:txPr/>
-    <dgm:style>
-      <a:lnRef idx="2">
-        <a:scrgbClr r="0" g="0" b="0"/>
-      </a:lnRef>
-      <a:fillRef idx="1">
-        <a:scrgbClr r="0" g="0" b="0"/>
-      </a:fillRef>
-      <a:effectRef idx="0">
-        <a:scrgbClr r="0" g="0" b="0"/>
-      </a:effectRef>
-      <a:fontRef idx="minor"/>
-    </dgm:style>
-  </dgm:styleLbl>
-  <dgm:styleLbl name="solidBgAcc1">
-    <dgm:scene3d>
-      <a:camera prst="orthographicFront"/>
-      <a:lightRig rig="threePt" dir="t"/>
-    </dgm:scene3d>
-    <dgm:sp3d/>
-    <dgm:txPr/>
-    <dgm:style>
-      <a:lnRef idx="2">
-        <a:scrgbClr r="0" g="0" b="0"/>
-      </a:lnRef>
-      <a:fillRef idx="1">
-        <a:scrgbClr r="0" g="0" b="0"/>
-      </a:fillRef>
-      <a:effectRef idx="0">
-        <a:scrgbClr r="0" g="0" b="0"/>
-      </a:effectRef>
-      <a:fontRef idx="minor"/>
-    </dgm:style>
-  </dgm:styleLbl>
-  <dgm:styleLbl name="fgAccFollowNode1">
-    <dgm:scene3d>
-      <a:camera prst="orthographicFront"/>
-      <a:lightRig rig="threePt" dir="t"/>
-    </dgm:scene3d>
-    <dgm:sp3d/>
-    <dgm:txPr/>
-    <dgm:style>
-      <a:lnRef idx="2">
-        <a:scrgbClr r="0" g="0" b="0"/>
-      </a:lnRef>
-      <a:fillRef idx="1">
-        <a:scrgbClr r="0" g="0" b="0"/>
-      </a:fillRef>
-      <a:effectRef idx="0">
-        <a:scrgbClr r="0" g="0" b="0"/>
-      </a:effectRef>
-      <a:fontRef idx="minor"/>
-    </dgm:style>
-  </dgm:styleLbl>
-  <dgm:styleLbl name="alignAccFollowNode1">
-    <dgm:scene3d>
-      <a:camera prst="orthographicFront"/>
-      <a:lightRig rig="threePt" dir="t"/>
-    </dgm:scene3d>
-    <dgm:sp3d/>
-    <dgm:txPr/>
-    <dgm:style>
-      <a:lnRef idx="2">
-        <a:scrgbClr r="0" g="0" b="0"/>
-      </a:lnRef>
-      <a:fillRef idx="1">
-        <a:scrgbClr r="0" g="0" b="0"/>
-      </a:fillRef>
-      <a:effectRef idx="0">
-        <a:scrgbClr r="0" g="0" b="0"/>
-      </a:effectRef>
-      <a:fontRef idx="minor"/>
-    </dgm:style>
-  </dgm:styleLbl>
-  <dgm:styleLbl name="bgAccFollowNode1">
-    <dgm:scene3d>
-      <a:camera prst="orthographicFront"/>
-      <a:lightRig rig="threePt" dir="t"/>
-    </dgm:scene3d>
-    <dgm:sp3d/>
-    <dgm:txPr/>
-    <dgm:style>
-      <a:lnRef idx="2">
-        <a:scrgbClr r="0" g="0" b="0"/>
-      </a:lnRef>
-      <a:fillRef idx="1">
-        <a:scrgbClr r="0" g="0" b="0"/>
-      </a:fillRef>
-      <a:effectRef idx="0">
-        <a:scrgbClr r="0" g="0" b="0"/>
-      </a:effectRef>
-      <a:fontRef idx="minor"/>
-    </dgm:style>
-  </dgm:styleLbl>
-  <dgm:styleLbl name="fgAcc0">
-    <dgm:scene3d>
-      <a:camera prst="orthographicFront"/>
-      <a:lightRig rig="threePt" dir="t"/>
-    </dgm:scene3d>
-    <dgm:sp3d/>
-    <dgm:txPr/>
-    <dgm:style>
-      <a:lnRef idx="2">
-        <a:scrgbClr r="0" g="0" b="0"/>
-      </a:lnRef>
-      <a:fillRef idx="1">
-        <a:scrgbClr r="0" g="0" b="0"/>
-      </a:fillRef>
-      <a:effectRef idx="0">
-        <a:scrgbClr r="0" g="0" b="0"/>
-      </a:effectRef>
-      <a:fontRef idx="minor"/>
-    </dgm:style>
-  </dgm:styleLbl>
-  <dgm:styleLbl name="fgAcc2">
-    <dgm:scene3d>
-      <a:camera prst="orthographicFront"/>
-      <a:lightRig rig="threePt" dir="t"/>
-    </dgm:scene3d>
-    <dgm:sp3d/>
-    <dgm:txPr/>
-    <dgm:style>
-      <a:lnRef idx="2">
-        <a:scrgbClr r="0" g="0" b="0"/>
-      </a:lnRef>
-      <a:fillRef idx="1">
-        <a:scrgbClr r="0" g="0" b="0"/>
-      </a:fillRef>
-      <a:effectRef idx="0">
-        <a:scrgbClr r="0" g="0" b="0"/>
-      </a:effectRef>
-      <a:fontRef idx="minor"/>
-    </dgm:style>
-  </dgm:styleLbl>
-  <dgm:styleLbl name="fgAcc3">
-    <dgm:scene3d>
-      <a:camera prst="orthographicFront"/>
-      <a:lightRig rig="threePt" dir="t"/>
-    </dgm:scene3d>
-    <dgm:sp3d/>
-    <dgm:txPr/>
-    <dgm:style>
-      <a:lnRef idx="2">
-        <a:scrgbClr r="0" g="0" b="0"/>
-      </a:lnRef>
-      <a:fillRef idx="1">
-        <a:scrgbClr r="0" g="0" b="0"/>
-      </a:fillRef>
-      <a:effectRef idx="0">
-        <a:scrgbClr r="0" g="0" b="0"/>
-      </a:effectRef>
-      <a:fontRef idx="minor"/>
-    </dgm:style>
-  </dgm:styleLbl>
-  <dgm:styleLbl name="fgAcc4">
-    <dgm:scene3d>
-      <a:camera prst="orthographicFront"/>
-      <a:lightRig rig="threePt" dir="t"/>
-    </dgm:scene3d>
-    <dgm:sp3d/>
-    <dgm:txPr/>
-    <dgm:style>
-      <a:lnRef idx="2">
-        <a:scrgbClr r="0" g="0" b="0"/>
-      </a:lnRef>
-      <a:fillRef idx="1">
-        <a:scrgbClr r="0" g="0" b="0"/>
-      </a:fillRef>
-      <a:effectRef idx="0">
-        <a:scrgbClr r="0" g="0" b="0"/>
-      </a:effectRef>
-      <a:fontRef idx="minor"/>
-    </dgm:style>
-  </dgm:styleLbl>
-  <dgm:styleLbl name="bgShp">
-    <dgm:scene3d>
-      <a:camera prst="orthographicFront"/>
-      <a:lightRig rig="threePt" dir="t"/>
-    </dgm:scene3d>
-    <dgm:sp3d/>
-    <dgm:txPr/>
-    <dgm:style>
-      <a:lnRef idx="0">
-        <a:scrgbClr r="0" g="0" b="0"/>
-      </a:lnRef>
-      <a:fillRef idx="1">
-        <a:scrgbClr r="0" g="0" b="0"/>
-      </a:fillRef>
-      <a:effectRef idx="0">
-        <a:scrgbClr r="0" g="0" b="0"/>
-      </a:effectRef>
-      <a:fontRef idx="minor"/>
-    </dgm:style>
-  </dgm:styleLbl>
-  <dgm:styleLbl name="dkBgShp">
-    <dgm:scene3d>
-      <a:camera prst="orthographicFront"/>
-      <a:lightRig rig="threePt" dir="t"/>
-    </dgm:scene3d>
-    <dgm:sp3d/>
-    <dgm:txPr/>
-    <dgm:style>
-      <a:lnRef idx="0">
-        <a:scrgbClr r="0" g="0" b="0"/>
-      </a:lnRef>
-      <a:fillRef idx="1">
-        <a:scrgbClr r="0" g="0" b="0"/>
-      </a:fillRef>
-      <a:effectRef idx="0">
-        <a:scrgbClr r="0" g="0" b="0"/>
-      </a:effectRef>
-      <a:fontRef idx="minor"/>
-    </dgm:style>
-  </dgm:styleLbl>
-  <dgm:styleLbl name="trBgShp">
-    <dgm:scene3d>
-      <a:camera prst="orthographicFront"/>
-      <a:lightRig rig="threePt" dir="t"/>
-    </dgm:scene3d>
-    <dgm:sp3d/>
-    <dgm:txPr/>
-    <dgm:style>
-      <a:lnRef idx="0">
-        <a:scrgbClr r="0" g="0" b="0"/>
-      </a:lnRef>
-      <a:fillRef idx="1">
-        <a:scrgbClr r="0" g="0" b="0"/>
-      </a:fillRef>
-      <a:effectRef idx="0">
-        <a:scrgbClr r="0" g="0" b="0"/>
-      </a:effectRef>
-      <a:fontRef idx="minor"/>
-    </dgm:style>
-  </dgm:styleLbl>
-  <dgm:styleLbl name="fgShp">
-    <dgm:scene3d>
-      <a:camera prst="orthographicFront"/>
-      <a:lightRig rig="threePt" dir="t"/>
-    </dgm:scene3d>
-    <dgm:sp3d/>
-    <dgm:txPr/>
-    <dgm:style>
-      <a:lnRef idx="2">
-        <a:scrgbClr r="0" g="0" b="0"/>
-      </a:lnRef>
-      <a:fillRef idx="1">
-        <a:scrgbClr r="0" g="0" b="0"/>
-      </a:fillRef>
-      <a:effectRef idx="0">
-        <a:scrgbClr r="0" g="0" b="0"/>
-      </a:effectRef>
-      <a:fontRef idx="minor"/>
-    </dgm:style>
-  </dgm:styleLbl>
-  <dgm:styleLbl name="revTx">
-    <dgm:scene3d>
-      <a:camera prst="orthographicFront"/>
-      <a:lightRig rig="threePt" dir="t"/>
-    </dgm:scene3d>
-    <dgm:sp3d/>
-    <dgm:txPr/>
-    <dgm:style>
-      <a:lnRef idx="0">
-        <a:scrgbClr r="0" g="0" b="0"/>
-      </a:lnRef>
-      <a:fillRef idx="0">
-        <a:scrgbClr r="0" g="0" b="0"/>
-      </a:fillRef>
-      <a:effectRef idx="0">
-        <a:scrgbClr r="0" g="0" b="0"/>
-      </a:effectRef>
-      <a:fontRef idx="minor"/>
-    </dgm:style>
-  </dgm:styleLbl>
-</dgm:styleDef>
-</file>
-
 <file path=ppt/handoutMasters/handoutMaster1.xml><?xml version="1.0" encoding="utf-8"?>
 <p:handoutMaster xmlns:a="http://schemas.openxmlformats.org/drawingml/2006/main" xmlns:r="http://schemas.openxmlformats.org/officeDocument/2006/relationships" xmlns:p="http://schemas.openxmlformats.org/presentationml/2006/main">
   <p:cSld>
@@ -3271,7 +229,7 @@
           <a:p>
             <a:fld id="{59041DB8-B66F-4DC8-A96E-33677E0F90FF}" type="datetimeFigureOut">
               <a:rPr lang="en-US" smtClean="0"/>
-              <a:t>6/14/2020</a:t>
+              <a:t>6/15/2020</a:t>
             </a:fld>
             <a:endParaRPr lang="en-US"/>
           </a:p>
@@ -3436,7 +394,7 @@
           <a:p>
             <a:fld id="{DEB49C4A-65AC-492D-9701-81B46C3AD0E4}" type="datetimeFigureOut">
               <a:rPr lang="en-US" smtClean="0"/>
-              <a:t>6/14/2020</a:t>
+              <a:t>6/15/2020</a:t>
             </a:fld>
             <a:endParaRPr lang="en-US"/>
           </a:p>
@@ -3787,6 +745,1030 @@
 </p:notes>
 </file>
 
+<file path=ppt/notesSlides/notesSlide10.xml><?xml version="1.0" encoding="utf-8"?>
+<p:notes xmlns:a="http://schemas.openxmlformats.org/drawingml/2006/main" xmlns:r="http://schemas.openxmlformats.org/officeDocument/2006/relationships" xmlns:p="http://schemas.openxmlformats.org/presentationml/2006/main">
+  <p:cSld>
+    <p:spTree>
+      <p:nvGrpSpPr>
+        <p:cNvPr id="1" name=""/>
+        <p:cNvGrpSpPr/>
+        <p:nvPr/>
+      </p:nvGrpSpPr>
+      <p:grpSpPr>
+        <a:xfrm>
+          <a:off x="0" y="0"/>
+          <a:ext cx="0" cy="0"/>
+          <a:chOff x="0" y="0"/>
+          <a:chExt cx="0" cy="0"/>
+        </a:xfrm>
+      </p:grpSpPr>
+      <p:sp>
+        <p:nvSpPr>
+          <p:cNvPr id="2" name="Slide Image Placeholder 1"/>
+          <p:cNvSpPr>
+            <a:spLocks noGrp="1" noRot="1" noChangeAspect="1"/>
+          </p:cNvSpPr>
+          <p:nvPr>
+            <p:ph type="sldImg"/>
+          </p:nvPr>
+        </p:nvSpPr>
+        <p:spPr/>
+      </p:sp>
+      <p:sp>
+        <p:nvSpPr>
+          <p:cNvPr id="3" name="Notes Placeholder 2"/>
+          <p:cNvSpPr>
+            <a:spLocks noGrp="1"/>
+          </p:cNvSpPr>
+          <p:nvPr>
+            <p:ph type="body" idx="1"/>
+          </p:nvPr>
+        </p:nvSpPr>
+        <p:spPr/>
+        <p:txBody>
+          <a:bodyPr/>
+          <a:lstStyle/>
+          <a:p>
+            <a:r>
+              <a:rPr lang="en-US" sz="1200" b="0" i="0" kern="1200" dirty="0">
+                <a:solidFill>
+                  <a:schemeClr val="tx1"/>
+                </a:solidFill>
+                <a:effectLst/>
+                <a:latin typeface="+mn-lt"/>
+                <a:ea typeface="+mn-ea"/>
+                <a:cs typeface="+mn-cs"/>
+              </a:rPr>
+              <a:t>CIOs need to ensure their security teams are not holding back cloud initiatives with unsubstantiated cloud security worries. Exaggerated fears can result in lost opportunity and inappropriate spending.</a:t>
+            </a:r>
+          </a:p>
+          <a:p>
+            <a:endParaRPr lang="en-US" sz="1200" b="0" i="0" kern="1200" dirty="0">
+              <a:solidFill>
+                <a:schemeClr val="tx1"/>
+              </a:solidFill>
+              <a:effectLst/>
+              <a:latin typeface="+mn-lt"/>
+              <a:ea typeface="+mn-ea"/>
+              <a:cs typeface="+mn-cs"/>
+            </a:endParaRPr>
+          </a:p>
+          <a:p>
+            <a:r>
+              <a:rPr lang="en-US" sz="1200" b="0" i="0" kern="1200" dirty="0">
+                <a:solidFill>
+                  <a:schemeClr val="tx1"/>
+                </a:solidFill>
+                <a:effectLst/>
+                <a:latin typeface="+mn-lt"/>
+                <a:ea typeface="+mn-ea"/>
+                <a:cs typeface="+mn-cs"/>
+              </a:rPr>
+              <a:t>Data breaches occur due to targeted attacks, human errors, application vulnerabilities, or poor security practices. A majority of breaches in the cloud have been reported due to misconfigurations from the user’s end that lead to SQL injection, brute force attacks, etc. These data breaches were never a cloud provider’s fault! </a:t>
+            </a:r>
+          </a:p>
+          <a:p>
+            <a:endParaRPr lang="en-US" sz="1200" b="0" i="0" kern="1200" dirty="0">
+              <a:solidFill>
+                <a:schemeClr val="tx1"/>
+              </a:solidFill>
+              <a:effectLst/>
+              <a:latin typeface="+mn-lt"/>
+              <a:ea typeface="+mn-ea"/>
+              <a:cs typeface="+mn-cs"/>
+            </a:endParaRPr>
+          </a:p>
+          <a:p>
+            <a:pPr marL="171450" indent="-171450">
+              <a:buFontTx/>
+              <a:buChar char="-"/>
+            </a:pPr>
+            <a:r>
+              <a:rPr lang="en-US" dirty="0">
+                <a:hlinkClick r:id="rId3"/>
+              </a:rPr>
+              <a:t>https://arstechnica.com/information-technology/2020/06/machine-learning-clusters-in-azure-hijacked-to-mine-cryptocurrency/</a:t>
+            </a:r>
+            <a:endParaRPr lang="en-US" dirty="0"/>
+          </a:p>
+          <a:p>
+            <a:pPr marL="171450" indent="-171450">
+              <a:buFontTx/>
+              <a:buChar char="-"/>
+            </a:pPr>
+            <a:r>
+              <a:rPr lang="en-US" dirty="0">
+                <a:hlinkClick r:id="rId4"/>
+              </a:rPr>
+              <a:t>https://securityboulevard.com/2020/01/microsoft-leaks-250m-customer-details-in-azure-fat-finger-faux-pas/</a:t>
+            </a:r>
+            <a:endParaRPr lang="en-US" dirty="0"/>
+          </a:p>
+          <a:p>
+            <a:pPr marL="171450" indent="-171450">
+              <a:buFontTx/>
+              <a:buChar char="-"/>
+            </a:pPr>
+            <a:endParaRPr lang="en-US" dirty="0"/>
+          </a:p>
+          <a:p>
+            <a:pPr marL="171450" indent="-171450">
+              <a:buFontTx/>
+              <a:buChar char="-"/>
+            </a:pPr>
+            <a:r>
+              <a:rPr lang="en-US" sz="1200" b="0" i="0" kern="1200" dirty="0">
+                <a:solidFill>
+                  <a:schemeClr val="tx1"/>
+                </a:solidFill>
+                <a:effectLst/>
+                <a:latin typeface="+mn-lt"/>
+                <a:ea typeface="+mn-ea"/>
+                <a:cs typeface="+mn-cs"/>
+              </a:rPr>
+              <a:t> We want to be transparent about this incident with all customers and reassure them that we are taking it very seriously and holding ourselves accountable. … Upon notification of the issue, engineers remediated the configuration on December 31.</a:t>
+            </a:r>
+            <a:endParaRPr lang="en-US" dirty="0"/>
+          </a:p>
+          <a:p>
+            <a:endParaRPr lang="en-US" dirty="0"/>
+          </a:p>
+        </p:txBody>
+      </p:sp>
+      <p:sp>
+        <p:nvSpPr>
+          <p:cNvPr id="4" name="Slide Number Placeholder 3"/>
+          <p:cNvSpPr>
+            <a:spLocks noGrp="1"/>
+          </p:cNvSpPr>
+          <p:nvPr>
+            <p:ph type="sldNum" sz="quarter" idx="5"/>
+          </p:nvPr>
+        </p:nvSpPr>
+        <p:spPr/>
+        <p:txBody>
+          <a:bodyPr/>
+          <a:lstStyle/>
+          <a:p>
+            <a:fld id="{82869989-EB00-4EE7-BCB5-25BDC5BB29F8}" type="slidenum">
+              <a:rPr lang="en-US" smtClean="0"/>
+              <a:t>12</a:t>
+            </a:fld>
+            <a:endParaRPr lang="en-US"/>
+          </a:p>
+        </p:txBody>
+      </p:sp>
+    </p:spTree>
+    <p:extLst>
+      <p:ext uri="{BB962C8B-B14F-4D97-AF65-F5344CB8AC3E}">
+        <p14:creationId xmlns:p14="http://schemas.microsoft.com/office/powerpoint/2010/main" val="1496135311"/>
+      </p:ext>
+    </p:extLst>
+  </p:cSld>
+  <p:clrMapOvr>
+    <a:masterClrMapping/>
+  </p:clrMapOvr>
+</p:notes>
+</file>
+
+<file path=ppt/notesSlides/notesSlide11.xml><?xml version="1.0" encoding="utf-8"?>
+<p:notes xmlns:a="http://schemas.openxmlformats.org/drawingml/2006/main" xmlns:r="http://schemas.openxmlformats.org/officeDocument/2006/relationships" xmlns:p="http://schemas.openxmlformats.org/presentationml/2006/main">
+  <p:cSld>
+    <p:spTree>
+      <p:nvGrpSpPr>
+        <p:cNvPr id="1" name=""/>
+        <p:cNvGrpSpPr/>
+        <p:nvPr/>
+      </p:nvGrpSpPr>
+      <p:grpSpPr>
+        <a:xfrm>
+          <a:off x="0" y="0"/>
+          <a:ext cx="0" cy="0"/>
+          <a:chOff x="0" y="0"/>
+          <a:chExt cx="0" cy="0"/>
+        </a:xfrm>
+      </p:grpSpPr>
+      <p:sp>
+        <p:nvSpPr>
+          <p:cNvPr id="2" name="Slide Image Placeholder 1"/>
+          <p:cNvSpPr>
+            <a:spLocks noGrp="1" noRot="1" noChangeAspect="1"/>
+          </p:cNvSpPr>
+          <p:nvPr>
+            <p:ph type="sldImg"/>
+          </p:nvPr>
+        </p:nvSpPr>
+        <p:spPr/>
+      </p:sp>
+      <p:sp>
+        <p:nvSpPr>
+          <p:cNvPr id="3" name="Notes Placeholder 2"/>
+          <p:cNvSpPr>
+            <a:spLocks noGrp="1"/>
+          </p:cNvSpPr>
+          <p:nvPr>
+            <p:ph type="body" idx="1"/>
+          </p:nvPr>
+        </p:nvSpPr>
+        <p:spPr/>
+        <p:txBody>
+          <a:bodyPr/>
+          <a:lstStyle/>
+          <a:p>
+            <a:r>
+              <a:rPr lang="en-US" b="1" dirty="0"/>
+              <a:t>Control Access to your vault</a:t>
+            </a:r>
+          </a:p>
+          <a:p>
+            <a:r>
+              <a:rPr lang="en-US" dirty="0"/>
+              <a:t>	Lock down access to your subscription, resource group and Key Vaults (RBAC)</a:t>
+            </a:r>
+          </a:p>
+          <a:p>
+            <a:r>
+              <a:rPr lang="en-US" dirty="0"/>
+              <a:t>	Create Access policies for every vault</a:t>
+            </a:r>
+          </a:p>
+          <a:p>
+            <a:r>
+              <a:rPr lang="en-US" dirty="0"/>
+              <a:t>	Use least privilege access principal to grant access</a:t>
+            </a:r>
+          </a:p>
+          <a:p>
+            <a:r>
+              <a:rPr lang="en-US" dirty="0"/>
+              <a:t>	Turn on Firewall and </a:t>
+            </a:r>
+            <a:r>
+              <a:rPr lang="en-US" dirty="0">
+                <a:hlinkClick r:id="rId3"/>
+              </a:rPr>
+              <a:t>VNET Service Endpoints</a:t>
+            </a:r>
+            <a:endParaRPr lang="sr-Latn-RS" dirty="0"/>
+          </a:p>
+          <a:p>
+            <a:endParaRPr lang="sr-Latn-RS" sz="1200" b="1" i="0" kern="1200" dirty="0">
+              <a:solidFill>
+                <a:schemeClr val="tx1"/>
+              </a:solidFill>
+              <a:effectLst/>
+              <a:latin typeface="+mn-lt"/>
+              <a:ea typeface="+mn-ea"/>
+              <a:cs typeface="+mn-cs"/>
+            </a:endParaRPr>
+          </a:p>
+          <a:p>
+            <a:r>
+              <a:rPr lang="en-US" sz="1200" b="1" i="0" kern="1200" dirty="0">
+                <a:solidFill>
+                  <a:schemeClr val="tx1"/>
+                </a:solidFill>
+                <a:effectLst/>
+                <a:latin typeface="+mn-lt"/>
+                <a:ea typeface="+mn-ea"/>
+                <a:cs typeface="+mn-cs"/>
+              </a:rPr>
+              <a:t>Use separate Key Vault</a:t>
+            </a:r>
+            <a:endParaRPr lang="sr-Latn-RS" sz="1200" b="1" i="0" kern="1200" dirty="0">
+              <a:solidFill>
+                <a:schemeClr val="tx1"/>
+              </a:solidFill>
+              <a:effectLst/>
+              <a:latin typeface="+mn-lt"/>
+              <a:ea typeface="+mn-ea"/>
+              <a:cs typeface="+mn-cs"/>
+            </a:endParaRPr>
+          </a:p>
+          <a:p>
+            <a:r>
+              <a:rPr lang="sr-Latn-RS" sz="1200" b="1" i="0" kern="1200" dirty="0">
+                <a:solidFill>
+                  <a:schemeClr val="tx1"/>
+                </a:solidFill>
+                <a:effectLst/>
+                <a:latin typeface="+mn-lt"/>
+                <a:ea typeface="+mn-ea"/>
+                <a:cs typeface="+mn-cs"/>
+              </a:rPr>
+              <a:t>	</a:t>
+            </a:r>
+            <a:r>
+              <a:rPr lang="en-US" sz="1200" b="0" i="0" kern="1200" dirty="0">
+                <a:solidFill>
+                  <a:schemeClr val="tx1"/>
+                </a:solidFill>
+                <a:effectLst/>
+                <a:latin typeface="+mn-lt"/>
+                <a:ea typeface="+mn-ea"/>
+                <a:cs typeface="+mn-cs"/>
+              </a:rPr>
+              <a:t>Our recommendation is to use a vault per application per environment (Development, Pre-Production and Production). </a:t>
+            </a:r>
+            <a:endParaRPr lang="sr-Latn-RS" sz="1200" b="0" i="0" kern="1200" dirty="0">
+              <a:solidFill>
+                <a:schemeClr val="tx1"/>
+              </a:solidFill>
+              <a:effectLst/>
+              <a:latin typeface="+mn-lt"/>
+              <a:ea typeface="+mn-ea"/>
+              <a:cs typeface="+mn-cs"/>
+            </a:endParaRPr>
+          </a:p>
+          <a:p>
+            <a:r>
+              <a:rPr lang="sr-Latn-RS" sz="1200" b="0" i="0" kern="1200" dirty="0">
+                <a:solidFill>
+                  <a:schemeClr val="tx1"/>
+                </a:solidFill>
+                <a:effectLst/>
+                <a:latin typeface="+mn-lt"/>
+                <a:ea typeface="+mn-ea"/>
+                <a:cs typeface="+mn-cs"/>
+              </a:rPr>
+              <a:t>	</a:t>
+            </a:r>
+            <a:r>
+              <a:rPr lang="en-US" sz="1200" b="0" i="0" kern="1200" dirty="0">
+                <a:solidFill>
+                  <a:schemeClr val="tx1"/>
+                </a:solidFill>
+                <a:effectLst/>
+                <a:latin typeface="+mn-lt"/>
+                <a:ea typeface="+mn-ea"/>
+                <a:cs typeface="+mn-cs"/>
+              </a:rPr>
+              <a:t>This helps you not share secrets across environments and also reduces the threat in case of a breach.</a:t>
+            </a:r>
+            <a:endParaRPr lang="sr-Latn-RS" sz="1200" b="0" i="0" kern="1200" dirty="0">
+              <a:solidFill>
+                <a:schemeClr val="tx1"/>
+              </a:solidFill>
+              <a:effectLst/>
+              <a:latin typeface="+mn-lt"/>
+              <a:ea typeface="+mn-ea"/>
+              <a:cs typeface="+mn-cs"/>
+            </a:endParaRPr>
+          </a:p>
+          <a:p>
+            <a:endParaRPr lang="sr-Latn-RS" sz="1200" b="1" i="0" kern="1200" dirty="0">
+              <a:solidFill>
+                <a:schemeClr val="tx1"/>
+              </a:solidFill>
+              <a:effectLst/>
+              <a:latin typeface="+mn-lt"/>
+              <a:ea typeface="+mn-ea"/>
+              <a:cs typeface="+mn-cs"/>
+            </a:endParaRPr>
+          </a:p>
+          <a:p>
+            <a:r>
+              <a:rPr lang="en-US" sz="1200" b="1" i="0" kern="1200" dirty="0">
+                <a:solidFill>
+                  <a:schemeClr val="tx1"/>
+                </a:solidFill>
+                <a:effectLst/>
+                <a:latin typeface="+mn-lt"/>
+                <a:ea typeface="+mn-ea"/>
+                <a:cs typeface="+mn-cs"/>
+              </a:rPr>
+              <a:t>Backup</a:t>
+            </a:r>
+          </a:p>
+          <a:p>
+            <a:r>
+              <a:rPr lang="sr-Latn-RS" sz="1200" b="0" i="0" kern="1200" dirty="0">
+                <a:solidFill>
+                  <a:schemeClr val="tx1"/>
+                </a:solidFill>
+                <a:effectLst/>
+                <a:latin typeface="+mn-lt"/>
+                <a:ea typeface="+mn-ea"/>
+                <a:cs typeface="+mn-cs"/>
+              </a:rPr>
+              <a:t>	</a:t>
+            </a:r>
+            <a:r>
+              <a:rPr lang="en-US" sz="1200" b="0" i="0" kern="1200" dirty="0">
+                <a:solidFill>
+                  <a:schemeClr val="tx1"/>
+                </a:solidFill>
+                <a:effectLst/>
+                <a:latin typeface="+mn-lt"/>
+                <a:ea typeface="+mn-ea"/>
+                <a:cs typeface="+mn-cs"/>
+              </a:rPr>
+              <a:t>Make sure you take regular back ups of your vault on update/delete/create of objects within a Vault.</a:t>
+            </a:r>
+            <a:endParaRPr lang="sr-Latn-RS" sz="1200" b="0" i="0" kern="1200" dirty="0">
+              <a:solidFill>
+                <a:schemeClr val="tx1"/>
+              </a:solidFill>
+              <a:effectLst/>
+              <a:latin typeface="+mn-lt"/>
+              <a:ea typeface="+mn-ea"/>
+              <a:cs typeface="+mn-cs"/>
+            </a:endParaRPr>
+          </a:p>
+          <a:p>
+            <a:endParaRPr lang="sr-Latn-RS" sz="1200" b="1" i="0" kern="1200" dirty="0">
+              <a:solidFill>
+                <a:schemeClr val="tx1"/>
+              </a:solidFill>
+              <a:effectLst/>
+              <a:latin typeface="+mn-lt"/>
+              <a:ea typeface="+mn-ea"/>
+              <a:cs typeface="+mn-cs"/>
+            </a:endParaRPr>
+          </a:p>
+          <a:p>
+            <a:r>
+              <a:rPr lang="en-US" sz="1200" b="1" i="0" kern="1200" dirty="0">
+                <a:solidFill>
+                  <a:schemeClr val="tx1"/>
+                </a:solidFill>
+                <a:effectLst/>
+                <a:latin typeface="+mn-lt"/>
+                <a:ea typeface="+mn-ea"/>
+                <a:cs typeface="+mn-cs"/>
+              </a:rPr>
+              <a:t>Turn on</a:t>
+            </a:r>
+            <a:r>
+              <a:rPr lang="sr-Latn-RS" sz="1200" b="1" i="0" kern="1200" dirty="0">
+                <a:solidFill>
+                  <a:schemeClr val="tx1"/>
+                </a:solidFill>
+                <a:effectLst/>
+                <a:latin typeface="+mn-lt"/>
+                <a:ea typeface="+mn-ea"/>
+                <a:cs typeface="+mn-cs"/>
+              </a:rPr>
+              <a:t> </a:t>
+            </a:r>
+            <a:r>
+              <a:rPr lang="sr-Latn-RS" sz="1200" b="1" i="0" kern="1200" dirty="0" err="1">
+                <a:solidFill>
+                  <a:schemeClr val="tx1"/>
+                </a:solidFill>
+                <a:effectLst/>
+                <a:latin typeface="+mn-lt"/>
+                <a:ea typeface="+mn-ea"/>
+                <a:cs typeface="+mn-cs"/>
+              </a:rPr>
+              <a:t>Logging</a:t>
+            </a:r>
+            <a:endParaRPr lang="sr-Latn-RS" sz="1200" b="1" i="0" kern="1200" dirty="0">
+              <a:solidFill>
+                <a:schemeClr val="tx1"/>
+              </a:solidFill>
+              <a:effectLst/>
+              <a:latin typeface="+mn-lt"/>
+              <a:ea typeface="+mn-ea"/>
+              <a:cs typeface="+mn-cs"/>
+            </a:endParaRPr>
+          </a:p>
+          <a:p>
+            <a:r>
+              <a:rPr lang="sr-Latn-RS" sz="1200" b="1" i="0" kern="1200" dirty="0">
+                <a:solidFill>
+                  <a:schemeClr val="tx1"/>
+                </a:solidFill>
+                <a:effectLst/>
+                <a:latin typeface="+mn-lt"/>
+                <a:ea typeface="+mn-ea"/>
+                <a:cs typeface="+mn-cs"/>
+              </a:rPr>
+              <a:t>	</a:t>
+            </a:r>
+            <a:r>
+              <a:rPr lang="en-US" sz="1200" b="0" i="0" u="sng" kern="1200" dirty="0">
+                <a:solidFill>
+                  <a:schemeClr val="tx1"/>
+                </a:solidFill>
+                <a:effectLst/>
+                <a:latin typeface="+mn-lt"/>
+                <a:ea typeface="+mn-ea"/>
+                <a:cs typeface="+mn-cs"/>
+                <a:hlinkClick r:id="rId4"/>
+              </a:rPr>
+              <a:t>Turn on logging</a:t>
+            </a:r>
+            <a:r>
+              <a:rPr lang="en-US" sz="1200" b="0" i="0" kern="1200" dirty="0">
+                <a:solidFill>
+                  <a:schemeClr val="tx1"/>
+                </a:solidFill>
+                <a:effectLst/>
+                <a:latin typeface="+mn-lt"/>
+                <a:ea typeface="+mn-ea"/>
+                <a:cs typeface="+mn-cs"/>
+              </a:rPr>
+              <a:t> for your Vault. Also set up alerts.</a:t>
+            </a:r>
+            <a:endParaRPr lang="sr-Latn-RS" sz="1200" b="0" i="0" kern="1200" dirty="0">
+              <a:solidFill>
+                <a:schemeClr val="tx1"/>
+              </a:solidFill>
+              <a:effectLst/>
+              <a:latin typeface="+mn-lt"/>
+              <a:ea typeface="+mn-ea"/>
+              <a:cs typeface="+mn-cs"/>
+            </a:endParaRPr>
+          </a:p>
+          <a:p>
+            <a:endParaRPr lang="sr-Latn-RS" sz="1200" b="0" i="0" kern="1200" dirty="0">
+              <a:solidFill>
+                <a:schemeClr val="tx1"/>
+              </a:solidFill>
+              <a:effectLst/>
+              <a:latin typeface="+mn-lt"/>
+              <a:ea typeface="+mn-ea"/>
+              <a:cs typeface="+mn-cs"/>
+            </a:endParaRPr>
+          </a:p>
+          <a:p>
+            <a:pPr marL="0" marR="0" lvl="0" indent="0" algn="l" defTabSz="914400" rtl="0" eaLnBrk="1" fontAlgn="auto" latinLnBrk="0" hangingPunct="1">
+              <a:lnSpc>
+                <a:spcPct val="100000"/>
+              </a:lnSpc>
+              <a:spcBef>
+                <a:spcPts val="0"/>
+              </a:spcBef>
+              <a:spcAft>
+                <a:spcPts val="0"/>
+              </a:spcAft>
+              <a:buClrTx/>
+              <a:buSzTx/>
+              <a:buFontTx/>
+              <a:buNone/>
+              <a:tabLst/>
+              <a:defRPr/>
+            </a:pPr>
+            <a:r>
+              <a:rPr lang="en-US" sz="1200" b="1" i="0" kern="1200" dirty="0">
+                <a:solidFill>
+                  <a:schemeClr val="tx1"/>
+                </a:solidFill>
+                <a:effectLst/>
+                <a:latin typeface="+mn-lt"/>
+                <a:ea typeface="+mn-ea"/>
+                <a:cs typeface="+mn-cs"/>
+              </a:rPr>
+              <a:t>Turn on recovery options</a:t>
+            </a:r>
+            <a:endParaRPr lang="sr-Latn-RS" sz="1200" b="1" i="0" kern="1200" dirty="0">
+              <a:solidFill>
+                <a:schemeClr val="tx1"/>
+              </a:solidFill>
+              <a:effectLst/>
+              <a:latin typeface="+mn-lt"/>
+              <a:ea typeface="+mn-ea"/>
+              <a:cs typeface="+mn-cs"/>
+            </a:endParaRPr>
+          </a:p>
+          <a:p>
+            <a:r>
+              <a:rPr lang="sr-Latn-RS" sz="1200" b="0" i="0" kern="1200" dirty="0">
+                <a:solidFill>
+                  <a:schemeClr val="tx1"/>
+                </a:solidFill>
+                <a:effectLst/>
+                <a:latin typeface="+mn-lt"/>
+                <a:ea typeface="+mn-ea"/>
+                <a:cs typeface="+mn-cs"/>
+              </a:rPr>
+              <a:t>	</a:t>
+            </a:r>
+            <a:r>
+              <a:rPr lang="en-US" sz="1200" b="0" i="0" kern="1200" dirty="0">
+                <a:solidFill>
+                  <a:schemeClr val="tx1"/>
+                </a:solidFill>
+                <a:effectLst/>
+                <a:latin typeface="+mn-lt"/>
+                <a:ea typeface="+mn-ea"/>
+                <a:cs typeface="+mn-cs"/>
+              </a:rPr>
+              <a:t>Turn on </a:t>
+            </a:r>
+            <a:r>
+              <a:rPr lang="en-US" sz="1200" b="0" i="0" u="sng" kern="1200" dirty="0">
+                <a:solidFill>
+                  <a:schemeClr val="tx1"/>
+                </a:solidFill>
+                <a:effectLst/>
+                <a:latin typeface="+mn-lt"/>
+                <a:ea typeface="+mn-ea"/>
+                <a:cs typeface="+mn-cs"/>
+                <a:hlinkClick r:id="rId5"/>
+              </a:rPr>
+              <a:t>Soft Delete</a:t>
+            </a:r>
+            <a:r>
+              <a:rPr lang="en-US" sz="1200" b="0" i="0" kern="1200" dirty="0">
+                <a:solidFill>
+                  <a:schemeClr val="tx1"/>
+                </a:solidFill>
+                <a:effectLst/>
+                <a:latin typeface="+mn-lt"/>
+                <a:ea typeface="+mn-ea"/>
+                <a:cs typeface="+mn-cs"/>
+              </a:rPr>
+              <a:t>.</a:t>
+            </a:r>
+          </a:p>
+          <a:p>
+            <a:r>
+              <a:rPr lang="sr-Latn-RS" sz="1200" b="0" i="0" kern="1200" dirty="0">
+                <a:solidFill>
+                  <a:schemeClr val="tx1"/>
+                </a:solidFill>
+                <a:effectLst/>
+                <a:latin typeface="+mn-lt"/>
+                <a:ea typeface="+mn-ea"/>
+                <a:cs typeface="+mn-cs"/>
+              </a:rPr>
+              <a:t>	</a:t>
+            </a:r>
+            <a:r>
+              <a:rPr lang="en-US" sz="1200" b="0" i="0" kern="1200" dirty="0">
+                <a:solidFill>
+                  <a:schemeClr val="tx1"/>
+                </a:solidFill>
+                <a:effectLst/>
+                <a:latin typeface="+mn-lt"/>
+                <a:ea typeface="+mn-ea"/>
+                <a:cs typeface="+mn-cs"/>
+              </a:rPr>
+              <a:t>Turn on purge protection if you want to guard against force deletion of the secret / vault even after soft-delete is turned on.</a:t>
+            </a:r>
+          </a:p>
+          <a:p>
+            <a:pPr marL="0" marR="0" lvl="0" indent="0" algn="l" defTabSz="914400" rtl="0" eaLnBrk="1" fontAlgn="auto" latinLnBrk="0" hangingPunct="1">
+              <a:lnSpc>
+                <a:spcPct val="100000"/>
+              </a:lnSpc>
+              <a:spcBef>
+                <a:spcPts val="0"/>
+              </a:spcBef>
+              <a:spcAft>
+                <a:spcPts val="0"/>
+              </a:spcAft>
+              <a:buClrTx/>
+              <a:buSzTx/>
+              <a:buFontTx/>
+              <a:buNone/>
+              <a:tabLst/>
+              <a:defRPr/>
+            </a:pPr>
+            <a:endParaRPr lang="en-US" sz="1200" b="1" i="0" kern="1200" dirty="0">
+              <a:solidFill>
+                <a:schemeClr val="tx1"/>
+              </a:solidFill>
+              <a:effectLst/>
+              <a:latin typeface="+mn-lt"/>
+              <a:ea typeface="+mn-ea"/>
+              <a:cs typeface="+mn-cs"/>
+            </a:endParaRPr>
+          </a:p>
+          <a:p>
+            <a:endParaRPr lang="en-US" sz="1200" b="0" i="0" kern="1200" dirty="0">
+              <a:solidFill>
+                <a:schemeClr val="tx1"/>
+              </a:solidFill>
+              <a:effectLst/>
+              <a:latin typeface="+mn-lt"/>
+              <a:ea typeface="+mn-ea"/>
+              <a:cs typeface="+mn-cs"/>
+            </a:endParaRPr>
+          </a:p>
+          <a:p>
+            <a:endParaRPr lang="en-US" sz="1200" b="0" i="0" kern="1200" dirty="0">
+              <a:solidFill>
+                <a:schemeClr val="tx1"/>
+              </a:solidFill>
+              <a:effectLst/>
+              <a:latin typeface="+mn-lt"/>
+              <a:ea typeface="+mn-ea"/>
+              <a:cs typeface="+mn-cs"/>
+            </a:endParaRPr>
+          </a:p>
+          <a:p>
+            <a:endParaRPr lang="en-US" sz="1200" b="1" i="0" kern="1200" dirty="0">
+              <a:solidFill>
+                <a:schemeClr val="tx1"/>
+              </a:solidFill>
+              <a:effectLst/>
+              <a:latin typeface="+mn-lt"/>
+              <a:ea typeface="+mn-ea"/>
+              <a:cs typeface="+mn-cs"/>
+            </a:endParaRPr>
+          </a:p>
+          <a:p>
+            <a:br>
+              <a:rPr lang="en-US" dirty="0"/>
+            </a:br>
+            <a:endParaRPr lang="en-US" dirty="0"/>
+          </a:p>
+        </p:txBody>
+      </p:sp>
+      <p:sp>
+        <p:nvSpPr>
+          <p:cNvPr id="4" name="Slide Number Placeholder 3"/>
+          <p:cNvSpPr>
+            <a:spLocks noGrp="1"/>
+          </p:cNvSpPr>
+          <p:nvPr>
+            <p:ph type="sldNum" sz="quarter" idx="5"/>
+          </p:nvPr>
+        </p:nvSpPr>
+        <p:spPr/>
+        <p:txBody>
+          <a:bodyPr/>
+          <a:lstStyle/>
+          <a:p>
+            <a:fld id="{82869989-EB00-4EE7-BCB5-25BDC5BB29F8}" type="slidenum">
+              <a:rPr lang="en-US" smtClean="0"/>
+              <a:t>13</a:t>
+            </a:fld>
+            <a:endParaRPr lang="en-US"/>
+          </a:p>
+        </p:txBody>
+      </p:sp>
+    </p:spTree>
+    <p:extLst>
+      <p:ext uri="{BB962C8B-B14F-4D97-AF65-F5344CB8AC3E}">
+        <p14:creationId xmlns:p14="http://schemas.microsoft.com/office/powerpoint/2010/main" val="675340293"/>
+      </p:ext>
+    </p:extLst>
+  </p:cSld>
+  <p:clrMapOvr>
+    <a:masterClrMapping/>
+  </p:clrMapOvr>
+</p:notes>
+</file>
+
+<file path=ppt/notesSlides/notesSlide12.xml><?xml version="1.0" encoding="utf-8"?>
+<p:notes xmlns:a="http://schemas.openxmlformats.org/drawingml/2006/main" xmlns:r="http://schemas.openxmlformats.org/officeDocument/2006/relationships" xmlns:p="http://schemas.openxmlformats.org/presentationml/2006/main">
+  <p:cSld>
+    <p:spTree>
+      <p:nvGrpSpPr>
+        <p:cNvPr id="1" name=""/>
+        <p:cNvGrpSpPr/>
+        <p:nvPr/>
+      </p:nvGrpSpPr>
+      <p:grpSpPr>
+        <a:xfrm>
+          <a:off x="0" y="0"/>
+          <a:ext cx="0" cy="0"/>
+          <a:chOff x="0" y="0"/>
+          <a:chExt cx="0" cy="0"/>
+        </a:xfrm>
+      </p:grpSpPr>
+      <p:sp>
+        <p:nvSpPr>
+          <p:cNvPr id="2" name="Slide Image Placeholder 1"/>
+          <p:cNvSpPr>
+            <a:spLocks noGrp="1" noRot="1" noChangeAspect="1"/>
+          </p:cNvSpPr>
+          <p:nvPr>
+            <p:ph type="sldImg"/>
+          </p:nvPr>
+        </p:nvSpPr>
+        <p:spPr/>
+      </p:sp>
+      <p:sp>
+        <p:nvSpPr>
+          <p:cNvPr id="3" name="Notes Placeholder 2"/>
+          <p:cNvSpPr>
+            <a:spLocks noGrp="1"/>
+          </p:cNvSpPr>
+          <p:nvPr>
+            <p:ph type="body" idx="1"/>
+          </p:nvPr>
+        </p:nvSpPr>
+        <p:spPr/>
+        <p:txBody>
+          <a:bodyPr/>
+          <a:lstStyle/>
+          <a:p>
+            <a:endParaRPr lang="en-US" dirty="0"/>
+          </a:p>
+          <a:p>
+            <a:endParaRPr lang="en-US" dirty="0"/>
+          </a:p>
+        </p:txBody>
+      </p:sp>
+      <p:sp>
+        <p:nvSpPr>
+          <p:cNvPr id="4" name="Slide Number Placeholder 3"/>
+          <p:cNvSpPr>
+            <a:spLocks noGrp="1"/>
+          </p:cNvSpPr>
+          <p:nvPr>
+            <p:ph type="sldNum" sz="quarter" idx="5"/>
+          </p:nvPr>
+        </p:nvSpPr>
+        <p:spPr/>
+        <p:txBody>
+          <a:bodyPr/>
+          <a:lstStyle/>
+          <a:p>
+            <a:fld id="{82869989-EB00-4EE7-BCB5-25BDC5BB29F8}" type="slidenum">
+              <a:rPr lang="en-US" smtClean="0"/>
+              <a:t>14</a:t>
+            </a:fld>
+            <a:endParaRPr lang="en-US"/>
+          </a:p>
+        </p:txBody>
+      </p:sp>
+    </p:spTree>
+    <p:extLst>
+      <p:ext uri="{BB962C8B-B14F-4D97-AF65-F5344CB8AC3E}">
+        <p14:creationId xmlns:p14="http://schemas.microsoft.com/office/powerpoint/2010/main" val="508181542"/>
+      </p:ext>
+    </p:extLst>
+  </p:cSld>
+  <p:clrMapOvr>
+    <a:masterClrMapping/>
+  </p:clrMapOvr>
+</p:notes>
+</file>
+
+<file path=ppt/notesSlides/notesSlide13.xml><?xml version="1.0" encoding="utf-8"?>
+<p:notes xmlns:a="http://schemas.openxmlformats.org/drawingml/2006/main" xmlns:r="http://schemas.openxmlformats.org/officeDocument/2006/relationships" xmlns:p="http://schemas.openxmlformats.org/presentationml/2006/main">
+  <p:cSld>
+    <p:spTree>
+      <p:nvGrpSpPr>
+        <p:cNvPr id="1" name=""/>
+        <p:cNvGrpSpPr/>
+        <p:nvPr/>
+      </p:nvGrpSpPr>
+      <p:grpSpPr>
+        <a:xfrm>
+          <a:off x="0" y="0"/>
+          <a:ext cx="0" cy="0"/>
+          <a:chOff x="0" y="0"/>
+          <a:chExt cx="0" cy="0"/>
+        </a:xfrm>
+      </p:grpSpPr>
+      <p:sp>
+        <p:nvSpPr>
+          <p:cNvPr id="2" name="Slide Image Placeholder 1"/>
+          <p:cNvSpPr>
+            <a:spLocks noGrp="1" noRot="1" noChangeAspect="1"/>
+          </p:cNvSpPr>
+          <p:nvPr>
+            <p:ph type="sldImg"/>
+          </p:nvPr>
+        </p:nvSpPr>
+        <p:spPr/>
+      </p:sp>
+      <p:sp>
+        <p:nvSpPr>
+          <p:cNvPr id="3" name="Notes Placeholder 2"/>
+          <p:cNvSpPr>
+            <a:spLocks noGrp="1"/>
+          </p:cNvSpPr>
+          <p:nvPr>
+            <p:ph type="body" idx="1"/>
+          </p:nvPr>
+        </p:nvSpPr>
+        <p:spPr/>
+        <p:txBody>
+          <a:bodyPr/>
+          <a:lstStyle/>
+          <a:p>
+            <a:endParaRPr lang="en-US" dirty="0"/>
+          </a:p>
+        </p:txBody>
+      </p:sp>
+      <p:sp>
+        <p:nvSpPr>
+          <p:cNvPr id="4" name="Slide Number Placeholder 3"/>
+          <p:cNvSpPr>
+            <a:spLocks noGrp="1"/>
+          </p:cNvSpPr>
+          <p:nvPr>
+            <p:ph type="sldNum" sz="quarter" idx="5"/>
+          </p:nvPr>
+        </p:nvSpPr>
+        <p:spPr/>
+        <p:txBody>
+          <a:bodyPr/>
+          <a:lstStyle/>
+          <a:p>
+            <a:fld id="{82869989-EB00-4EE7-BCB5-25BDC5BB29F8}" type="slidenum">
+              <a:rPr lang="en-US" smtClean="0"/>
+              <a:t>15</a:t>
+            </a:fld>
+            <a:endParaRPr lang="en-US"/>
+          </a:p>
+        </p:txBody>
+      </p:sp>
+    </p:spTree>
+    <p:extLst>
+      <p:ext uri="{BB962C8B-B14F-4D97-AF65-F5344CB8AC3E}">
+        <p14:creationId xmlns:p14="http://schemas.microsoft.com/office/powerpoint/2010/main" val="1463070729"/>
+      </p:ext>
+    </p:extLst>
+  </p:cSld>
+  <p:clrMapOvr>
+    <a:masterClrMapping/>
+  </p:clrMapOvr>
+</p:notes>
+</file>
+
+<file path=ppt/notesSlides/notesSlide14.xml><?xml version="1.0" encoding="utf-8"?>
+<p:notes xmlns:a="http://schemas.openxmlformats.org/drawingml/2006/main" xmlns:r="http://schemas.openxmlformats.org/officeDocument/2006/relationships" xmlns:p="http://schemas.openxmlformats.org/presentationml/2006/main">
+  <p:cSld>
+    <p:spTree>
+      <p:nvGrpSpPr>
+        <p:cNvPr id="1" name=""/>
+        <p:cNvGrpSpPr/>
+        <p:nvPr/>
+      </p:nvGrpSpPr>
+      <p:grpSpPr>
+        <a:xfrm>
+          <a:off x="0" y="0"/>
+          <a:ext cx="0" cy="0"/>
+          <a:chOff x="0" y="0"/>
+          <a:chExt cx="0" cy="0"/>
+        </a:xfrm>
+      </p:grpSpPr>
+      <p:sp>
+        <p:nvSpPr>
+          <p:cNvPr id="2" name="Slide Image Placeholder 1"/>
+          <p:cNvSpPr>
+            <a:spLocks noGrp="1" noRot="1" noChangeAspect="1"/>
+          </p:cNvSpPr>
+          <p:nvPr>
+            <p:ph type="sldImg"/>
+          </p:nvPr>
+        </p:nvSpPr>
+        <p:spPr/>
+      </p:sp>
+      <p:sp>
+        <p:nvSpPr>
+          <p:cNvPr id="3" name="Notes Placeholder 2"/>
+          <p:cNvSpPr>
+            <a:spLocks noGrp="1"/>
+          </p:cNvSpPr>
+          <p:nvPr>
+            <p:ph type="body" idx="1"/>
+          </p:nvPr>
+        </p:nvSpPr>
+        <p:spPr/>
+        <p:txBody>
+          <a:bodyPr/>
+          <a:lstStyle/>
+          <a:p>
+            <a:endParaRPr lang="en-US" dirty="0"/>
+          </a:p>
+        </p:txBody>
+      </p:sp>
+      <p:sp>
+        <p:nvSpPr>
+          <p:cNvPr id="4" name="Slide Number Placeholder 3"/>
+          <p:cNvSpPr>
+            <a:spLocks noGrp="1"/>
+          </p:cNvSpPr>
+          <p:nvPr>
+            <p:ph type="sldNum" sz="quarter" idx="5"/>
+          </p:nvPr>
+        </p:nvSpPr>
+        <p:spPr/>
+        <p:txBody>
+          <a:bodyPr/>
+          <a:lstStyle/>
+          <a:p>
+            <a:fld id="{82869989-EB00-4EE7-BCB5-25BDC5BB29F8}" type="slidenum">
+              <a:rPr lang="en-US" smtClean="0"/>
+              <a:t>16</a:t>
+            </a:fld>
+            <a:endParaRPr lang="en-US"/>
+          </a:p>
+        </p:txBody>
+      </p:sp>
+    </p:spTree>
+    <p:extLst>
+      <p:ext uri="{BB962C8B-B14F-4D97-AF65-F5344CB8AC3E}">
+        <p14:creationId xmlns:p14="http://schemas.microsoft.com/office/powerpoint/2010/main" val="2873285583"/>
+      </p:ext>
+    </p:extLst>
+  </p:cSld>
+  <p:clrMapOvr>
+    <a:masterClrMapping/>
+  </p:clrMapOvr>
+</p:notes>
+</file>
+
 <file path=ppt/notesSlides/notesSlide2.xml><?xml version="1.0" encoding="utf-8"?>
 <p:notes xmlns:a="http://schemas.openxmlformats.org/drawingml/2006/main" xmlns:r="http://schemas.openxmlformats.org/officeDocument/2006/relationships" xmlns:p="http://schemas.openxmlformats.org/presentationml/2006/main">
   <p:cSld>
@@ -3841,9 +1823,141 @@
                 <a:ea typeface="+mn-ea"/>
                 <a:cs typeface="+mn-cs"/>
               </a:rPr>
-              <a:t>Create and control encryption keys that encrypt your data.</a:t>
-            </a:r>
-            <a:endParaRPr lang="en-US" dirty="0"/>
+              <a:t>Alat – cloud </a:t>
+            </a:r>
+            <a:r>
+              <a:rPr lang="en-US" sz="1200" b="0" i="0" kern="1200" dirty="0" err="1">
+                <a:solidFill>
+                  <a:schemeClr val="tx1"/>
+                </a:solidFill>
+                <a:effectLst/>
+                <a:latin typeface="+mn-lt"/>
+                <a:ea typeface="+mn-ea"/>
+                <a:cs typeface="+mn-cs"/>
+              </a:rPr>
+              <a:t>servis</a:t>
+            </a:r>
+            <a:r>
+              <a:rPr lang="en-US" sz="1200" b="0" i="0" kern="1200" dirty="0">
+                <a:solidFill>
+                  <a:schemeClr val="tx1"/>
+                </a:solidFill>
+                <a:effectLst/>
+                <a:latin typeface="+mn-lt"/>
+                <a:ea typeface="+mn-ea"/>
+                <a:cs typeface="+mn-cs"/>
+              </a:rPr>
+              <a:t>, Microsoft, </a:t>
+            </a:r>
+            <a:r>
+              <a:rPr lang="en-US" sz="1200" b="0" i="0" kern="1200" dirty="0" err="1">
+                <a:solidFill>
+                  <a:schemeClr val="tx1"/>
+                </a:solidFill>
+                <a:effectLst/>
+                <a:latin typeface="+mn-lt"/>
+                <a:ea typeface="+mn-ea"/>
+                <a:cs typeface="+mn-cs"/>
+              </a:rPr>
+              <a:t>sertifikovan</a:t>
+            </a:r>
+            <a:endParaRPr lang="en-US" sz="1200" b="0" i="0" kern="1200" dirty="0">
+              <a:solidFill>
+                <a:schemeClr val="tx1"/>
+              </a:solidFill>
+              <a:effectLst/>
+              <a:latin typeface="+mn-lt"/>
+              <a:ea typeface="+mn-ea"/>
+              <a:cs typeface="+mn-cs"/>
+            </a:endParaRPr>
+          </a:p>
+          <a:p>
+            <a:r>
+              <a:rPr lang="en-US" sz="1200" b="0" i="0" kern="1200" dirty="0" err="1">
+                <a:solidFill>
+                  <a:schemeClr val="tx1"/>
+                </a:solidFill>
+                <a:effectLst/>
+                <a:latin typeface="+mn-lt"/>
+                <a:ea typeface="+mn-ea"/>
+                <a:cs typeface="+mn-cs"/>
+              </a:rPr>
+              <a:t>Kontrola</a:t>
+            </a:r>
+            <a:r>
+              <a:rPr lang="en-US" sz="1200" b="0" i="0" kern="1200" dirty="0">
+                <a:solidFill>
+                  <a:schemeClr val="tx1"/>
+                </a:solidFill>
+                <a:effectLst/>
+                <a:latin typeface="+mn-lt"/>
+                <a:ea typeface="+mn-ea"/>
+                <a:cs typeface="+mn-cs"/>
+              </a:rPr>
+              <a:t>- </a:t>
+            </a:r>
+          </a:p>
+          <a:p>
+            <a:r>
+              <a:rPr lang="en-US" sz="1200" b="0" i="0" kern="1200" dirty="0">
+                <a:solidFill>
+                  <a:schemeClr val="tx1"/>
+                </a:solidFill>
+                <a:effectLst/>
+                <a:latin typeface="+mn-lt"/>
+                <a:ea typeface="+mn-ea"/>
+                <a:cs typeface="+mn-cs"/>
+              </a:rPr>
+              <a:t>Access to a key vault is controlled through two interfaces: the </a:t>
+            </a:r>
+            <a:r>
+              <a:rPr lang="en-US" sz="1200" b="1" i="0" kern="1200" dirty="0">
+                <a:solidFill>
+                  <a:schemeClr val="tx1"/>
+                </a:solidFill>
+                <a:effectLst/>
+                <a:latin typeface="+mn-lt"/>
+                <a:ea typeface="+mn-ea"/>
+                <a:cs typeface="+mn-cs"/>
+              </a:rPr>
+              <a:t>management plane</a:t>
+            </a:r>
+            <a:r>
+              <a:rPr lang="en-US" sz="1200" b="0" i="0" kern="1200" dirty="0">
+                <a:solidFill>
+                  <a:schemeClr val="tx1"/>
+                </a:solidFill>
+                <a:effectLst/>
+                <a:latin typeface="+mn-lt"/>
+                <a:ea typeface="+mn-ea"/>
+                <a:cs typeface="+mn-cs"/>
+              </a:rPr>
+              <a:t> and the </a:t>
+            </a:r>
+            <a:r>
+              <a:rPr lang="en-US" sz="1200" b="1" i="0" kern="1200" dirty="0">
+                <a:solidFill>
+                  <a:schemeClr val="tx1"/>
+                </a:solidFill>
+                <a:effectLst/>
+                <a:latin typeface="+mn-lt"/>
+                <a:ea typeface="+mn-ea"/>
+                <a:cs typeface="+mn-cs"/>
+              </a:rPr>
+              <a:t>data plane</a:t>
+            </a:r>
+            <a:r>
+              <a:rPr lang="en-US" sz="1200" b="0" i="0" kern="1200" dirty="0">
+                <a:solidFill>
+                  <a:schemeClr val="tx1"/>
+                </a:solidFill>
+                <a:effectLst/>
+                <a:latin typeface="+mn-lt"/>
+                <a:ea typeface="+mn-ea"/>
+                <a:cs typeface="+mn-cs"/>
+              </a:rPr>
+              <a:t>. The management plane is where you manage Key Vault itself. Operations in this plane include creating and deleting key vaults, retrieving Key Vault properties, and updating access policies. The data plane is where you work with the data stored in a key vault. You can add, delete, and modify keys, secrets, and certificates.</a:t>
+            </a:r>
           </a:p>
         </p:txBody>
       </p:sp>
@@ -3864,7 +1978,7 @@
           <a:p>
             <a:fld id="{82869989-EB00-4EE7-BCB5-25BDC5BB29F8}" type="slidenum">
               <a:rPr lang="en-US" smtClean="0"/>
-              <a:t>5</a:t>
+              <a:t>4</a:t>
             </a:fld>
             <a:endParaRPr lang="en-US"/>
           </a:p>
@@ -3873,7 +1987,7 @@
     </p:spTree>
     <p:extLst>
       <p:ext uri="{BB962C8B-B14F-4D97-AF65-F5344CB8AC3E}">
-        <p14:creationId xmlns:p14="http://schemas.microsoft.com/office/powerpoint/2010/main" val="3187070382"/>
+        <p14:creationId xmlns:p14="http://schemas.microsoft.com/office/powerpoint/2010/main" val="1723514536"/>
       </p:ext>
     </p:extLst>
   </p:cSld>
@@ -3928,6 +2042,18 @@
           <a:lstStyle/>
           <a:p>
             <a:r>
+              <a:rPr lang="en-US" sz="1200" b="1" i="0" kern="1200" dirty="0">
+                <a:solidFill>
+                  <a:schemeClr val="tx1"/>
+                </a:solidFill>
+                <a:effectLst/>
+                <a:latin typeface="+mn-lt"/>
+                <a:ea typeface="+mn-ea"/>
+                <a:cs typeface="+mn-cs"/>
+              </a:rPr>
+              <a:t>Tenant</a:t>
+            </a:r>
+            <a:r>
               <a:rPr lang="en-US" sz="1200" b="0" i="0" kern="1200" dirty="0">
                 <a:solidFill>
                   <a:schemeClr val="tx1"/>
@@ -3937,9 +2063,242 @@
                 <a:ea typeface="+mn-ea"/>
                 <a:cs typeface="+mn-cs"/>
               </a:rPr>
-              <a:t>Securely store and tightly control access to tokens, passwords, certificates, API keys, and other secrets.</a:t>
-            </a:r>
-            <a:endParaRPr lang="en-US" dirty="0"/>
+              <a:t>: A tenant is the organization that owns and manages a specific instance of Microsoft cloud services. It's most often used to refer to the set of Azure and Office 365 services for an organization.</a:t>
+            </a:r>
+          </a:p>
+          <a:p>
+            <a:r>
+              <a:rPr lang="en-US" sz="1200" b="1" i="0" kern="1200" dirty="0">
+                <a:solidFill>
+                  <a:schemeClr val="tx1"/>
+                </a:solidFill>
+                <a:effectLst/>
+                <a:latin typeface="+mn-lt"/>
+                <a:ea typeface="+mn-ea"/>
+                <a:cs typeface="+mn-cs"/>
+              </a:rPr>
+              <a:t>Vault owner</a:t>
+            </a:r>
+            <a:r>
+              <a:rPr lang="en-US" sz="1200" b="0" i="0" kern="1200" dirty="0">
+                <a:solidFill>
+                  <a:schemeClr val="tx1"/>
+                </a:solidFill>
+                <a:effectLst/>
+                <a:latin typeface="+mn-lt"/>
+                <a:ea typeface="+mn-ea"/>
+                <a:cs typeface="+mn-cs"/>
+              </a:rPr>
+              <a:t>: A vault owner can create a key vault and gain full access and control over it. The vault owner can also set up auditing to log who accesses secrets and keys. Administrators can control the key lifecycle. They can roll to a new version of the key, back it up, and do related tasks.</a:t>
+            </a:r>
+          </a:p>
+          <a:p>
+            <a:r>
+              <a:rPr lang="en-US" sz="1200" b="1" i="0" kern="1200" dirty="0">
+                <a:solidFill>
+                  <a:schemeClr val="tx1"/>
+                </a:solidFill>
+                <a:effectLst/>
+                <a:latin typeface="+mn-lt"/>
+                <a:ea typeface="+mn-ea"/>
+                <a:cs typeface="+mn-cs"/>
+              </a:rPr>
+              <a:t>Vault consumer</a:t>
+            </a:r>
+            <a:r>
+              <a:rPr lang="en-US" sz="1200" b="0" i="0" kern="1200" dirty="0">
+                <a:solidFill>
+                  <a:schemeClr val="tx1"/>
+                </a:solidFill>
+                <a:effectLst/>
+                <a:latin typeface="+mn-lt"/>
+                <a:ea typeface="+mn-ea"/>
+                <a:cs typeface="+mn-cs"/>
+              </a:rPr>
+              <a:t>: A vault consumer can perform actions on the assets inside the key vault when the vault owner grants the consumer access. The available actions depend on the permissions granted.</a:t>
+            </a:r>
+          </a:p>
+          <a:p>
+            <a:r>
+              <a:rPr lang="en-US" sz="1200" b="1" i="0" kern="1200" dirty="0">
+                <a:solidFill>
+                  <a:schemeClr val="tx1"/>
+                </a:solidFill>
+                <a:effectLst/>
+                <a:latin typeface="+mn-lt"/>
+                <a:ea typeface="+mn-ea"/>
+                <a:cs typeface="+mn-cs"/>
+              </a:rPr>
+              <a:t>Resource</a:t>
+            </a:r>
+            <a:r>
+              <a:rPr lang="en-US" sz="1200" b="0" i="0" kern="1200" dirty="0">
+                <a:solidFill>
+                  <a:schemeClr val="tx1"/>
+                </a:solidFill>
+                <a:effectLst/>
+                <a:latin typeface="+mn-lt"/>
+                <a:ea typeface="+mn-ea"/>
+                <a:cs typeface="+mn-cs"/>
+              </a:rPr>
+              <a:t>: A resource is a manageable item that's available through Azure. Common examples are virtual machine, storage account, web app, database, and virtual network. There are many more.</a:t>
+            </a:r>
+          </a:p>
+          <a:p>
+            <a:r>
+              <a:rPr lang="en-US" sz="1200" b="1" i="0" kern="1200" dirty="0">
+                <a:solidFill>
+                  <a:schemeClr val="tx1"/>
+                </a:solidFill>
+                <a:effectLst/>
+                <a:latin typeface="+mn-lt"/>
+                <a:ea typeface="+mn-ea"/>
+                <a:cs typeface="+mn-cs"/>
+              </a:rPr>
+              <a:t>Resource group</a:t>
+            </a:r>
+            <a:r>
+              <a:rPr lang="en-US" sz="1200" b="0" i="0" kern="1200" dirty="0">
+                <a:solidFill>
+                  <a:schemeClr val="tx1"/>
+                </a:solidFill>
+                <a:effectLst/>
+                <a:latin typeface="+mn-lt"/>
+                <a:ea typeface="+mn-ea"/>
+                <a:cs typeface="+mn-cs"/>
+              </a:rPr>
+              <a:t>: A resource group is a container that holds related resources for an Azure solution. The resource group can include all the resources for the solution, or only those resources that you want to manage as a group. You decide how you want to allocate resources to resource groups, based on what makes the most sense for your organization.</a:t>
+            </a:r>
+          </a:p>
+          <a:p>
+            <a:r>
+              <a:rPr lang="en-US" sz="1200" b="1" i="0" kern="1200" dirty="0">
+                <a:solidFill>
+                  <a:schemeClr val="tx1"/>
+                </a:solidFill>
+                <a:effectLst/>
+                <a:latin typeface="+mn-lt"/>
+                <a:ea typeface="+mn-ea"/>
+                <a:cs typeface="+mn-cs"/>
+              </a:rPr>
+              <a:t>Service principal</a:t>
+            </a:r>
+            <a:r>
+              <a:rPr lang="en-US" sz="1200" b="0" i="0" kern="1200" dirty="0">
+                <a:solidFill>
+                  <a:schemeClr val="tx1"/>
+                </a:solidFill>
+                <a:effectLst/>
+                <a:latin typeface="+mn-lt"/>
+                <a:ea typeface="+mn-ea"/>
+                <a:cs typeface="+mn-cs"/>
+              </a:rPr>
+              <a:t>: An Azure service principal is a security identity that user-created apps, services, and automation tools use to access specific Azure resources. Think of it as a "user identity" (username and password or certificate) with a specific role, and tightly controlled permissions. A service principal should only need to do specific things, unlike a general user identity. It improves security if you grant it only the minimum permission level that it needs to perform its management tasks.</a:t>
+            </a:r>
+          </a:p>
+          <a:p>
+            <a:r>
+              <a:rPr lang="en-US" sz="1200" b="0" i="0" u="sng" kern="1200" dirty="0">
+                <a:solidFill>
+                  <a:schemeClr val="tx1"/>
+                </a:solidFill>
+                <a:effectLst/>
+                <a:latin typeface="+mn-lt"/>
+                <a:ea typeface="+mn-ea"/>
+                <a:cs typeface="+mn-cs"/>
+                <a:hlinkClick r:id="rId3"/>
+              </a:rPr>
+              <a:t>Azure Active Directory (Azure AD)</a:t>
+            </a:r>
+            <a:r>
+              <a:rPr lang="en-US" sz="1200" b="0" i="0" kern="1200" dirty="0">
+                <a:solidFill>
+                  <a:schemeClr val="tx1"/>
+                </a:solidFill>
+                <a:effectLst/>
+                <a:latin typeface="+mn-lt"/>
+                <a:ea typeface="+mn-ea"/>
+                <a:cs typeface="+mn-cs"/>
+              </a:rPr>
+              <a:t>: Azure AD is the Active Directory service for a tenant. Each directory has one or more domains. A directory can have many subscriptions associated with it, but only one tenant.</a:t>
+            </a:r>
+          </a:p>
+          <a:p>
+            <a:r>
+              <a:rPr lang="en-US" sz="1200" b="1" i="0" kern="1200" dirty="0">
+                <a:solidFill>
+                  <a:schemeClr val="tx1"/>
+                </a:solidFill>
+                <a:effectLst/>
+                <a:latin typeface="+mn-lt"/>
+                <a:ea typeface="+mn-ea"/>
+                <a:cs typeface="+mn-cs"/>
+              </a:rPr>
+              <a:t>Azure tenant ID</a:t>
+            </a:r>
+            <a:r>
+              <a:rPr lang="en-US" sz="1200" b="0" i="0" kern="1200" dirty="0">
+                <a:solidFill>
+                  <a:schemeClr val="tx1"/>
+                </a:solidFill>
+                <a:effectLst/>
+                <a:latin typeface="+mn-lt"/>
+                <a:ea typeface="+mn-ea"/>
+                <a:cs typeface="+mn-cs"/>
+              </a:rPr>
+              <a:t>: A tenant ID is a unique way to identify an Azure AD instance within an Azure subscription.</a:t>
+            </a:r>
+          </a:p>
+          <a:p>
+            <a:r>
+              <a:rPr lang="en-US" sz="1200" b="1" i="0" kern="1200" dirty="0">
+                <a:solidFill>
+                  <a:schemeClr val="tx1"/>
+                </a:solidFill>
+                <a:effectLst/>
+                <a:latin typeface="+mn-lt"/>
+                <a:ea typeface="+mn-ea"/>
+                <a:cs typeface="+mn-cs"/>
+              </a:rPr>
+              <a:t>Managed identities</a:t>
+            </a:r>
+            <a:r>
+              <a:rPr lang="en-US" sz="1200" b="0" i="0" kern="1200" dirty="0">
+                <a:solidFill>
+                  <a:schemeClr val="tx1"/>
+                </a:solidFill>
+                <a:effectLst/>
+                <a:latin typeface="+mn-lt"/>
+                <a:ea typeface="+mn-ea"/>
+                <a:cs typeface="+mn-cs"/>
+              </a:rPr>
+              <a:t>: Azure Key Vault provides a way to securely store credentials and other keys and secrets, but your code needs to authenticate to Key Vault to retrieve them. Using a managed identity makes solving this problem simpler by giving Azure services an automatically managed identity in Azure AD. You can use this identity to authenticate to Key Vault or any service that supports Azure AD authentication, without having any credentials in your code. For more information, see the following image and the </a:t>
+            </a:r>
+            <a:r>
+              <a:rPr lang="en-US" sz="1200" b="0" i="0" u="sng" kern="1200" dirty="0">
+                <a:solidFill>
+                  <a:schemeClr val="tx1"/>
+                </a:solidFill>
+                <a:effectLst/>
+                <a:latin typeface="+mn-lt"/>
+                <a:ea typeface="+mn-ea"/>
+                <a:cs typeface="+mn-cs"/>
+                <a:hlinkClick r:id="rId4"/>
+              </a:rPr>
+              <a:t>overview of managed identities for Azure resources</a:t>
+            </a:r>
+            <a:r>
+              <a:rPr lang="en-US" sz="1200" b="0" i="0" kern="1200" dirty="0">
+                <a:solidFill>
+                  <a:schemeClr val="tx1"/>
+                </a:solidFill>
+                <a:effectLst/>
+                <a:latin typeface="+mn-lt"/>
+                <a:ea typeface="+mn-ea"/>
+                <a:cs typeface="+mn-cs"/>
+              </a:rPr>
+              <a:t>.</a:t>
+            </a:r>
           </a:p>
         </p:txBody>
       </p:sp>
@@ -3960,7 +2319,7 @@
           <a:p>
             <a:fld id="{82869989-EB00-4EE7-BCB5-25BDC5BB29F8}" type="slidenum">
               <a:rPr lang="en-US" smtClean="0"/>
-              <a:t>6</a:t>
+              <a:t>5</a:t>
             </a:fld>
             <a:endParaRPr lang="en-US"/>
           </a:p>
@@ -3969,7 +2328,7 @@
     </p:spTree>
     <p:extLst>
       <p:ext uri="{BB962C8B-B14F-4D97-AF65-F5344CB8AC3E}">
-        <p14:creationId xmlns:p14="http://schemas.microsoft.com/office/powerpoint/2010/main" val="848918288"/>
+        <p14:creationId xmlns:p14="http://schemas.microsoft.com/office/powerpoint/2010/main" val="3306964619"/>
       </p:ext>
     </p:extLst>
   </p:cSld>
@@ -4033,7 +2392,7 @@
                 <a:ea typeface="+mn-ea"/>
                 <a:cs typeface="+mn-cs"/>
               </a:rPr>
-              <a:t>Provision, manage, and deploy public and private Secure Sockets Layer/Transport Layer Security (SSL/TLS) certificates for use with Azure and your internal connected resources.</a:t>
+              <a:t>Create and control encryption keys that encrypt your data.</a:t>
             </a:r>
             <a:endParaRPr lang="en-US" dirty="0"/>
           </a:p>
@@ -4056,7 +2415,199 @@
           <a:p>
             <a:fld id="{82869989-EB00-4EE7-BCB5-25BDC5BB29F8}" type="slidenum">
               <a:rPr lang="en-US" smtClean="0"/>
+              <a:t>6</a:t>
+            </a:fld>
+            <a:endParaRPr lang="en-US"/>
+          </a:p>
+        </p:txBody>
+      </p:sp>
+    </p:spTree>
+    <p:extLst>
+      <p:ext uri="{BB962C8B-B14F-4D97-AF65-F5344CB8AC3E}">
+        <p14:creationId xmlns:p14="http://schemas.microsoft.com/office/powerpoint/2010/main" val="3187070382"/>
+      </p:ext>
+    </p:extLst>
+  </p:cSld>
+  <p:clrMapOvr>
+    <a:masterClrMapping/>
+  </p:clrMapOvr>
+</p:notes>
+</file>
+
+<file path=ppt/notesSlides/notesSlide5.xml><?xml version="1.0" encoding="utf-8"?>
+<p:notes xmlns:a="http://schemas.openxmlformats.org/drawingml/2006/main" xmlns:r="http://schemas.openxmlformats.org/officeDocument/2006/relationships" xmlns:p="http://schemas.openxmlformats.org/presentationml/2006/main">
+  <p:cSld>
+    <p:spTree>
+      <p:nvGrpSpPr>
+        <p:cNvPr id="1" name=""/>
+        <p:cNvGrpSpPr/>
+        <p:nvPr/>
+      </p:nvGrpSpPr>
+      <p:grpSpPr>
+        <a:xfrm>
+          <a:off x="0" y="0"/>
+          <a:ext cx="0" cy="0"/>
+          <a:chOff x="0" y="0"/>
+          <a:chExt cx="0" cy="0"/>
+        </a:xfrm>
+      </p:grpSpPr>
+      <p:sp>
+        <p:nvSpPr>
+          <p:cNvPr id="2" name="Slide Image Placeholder 1"/>
+          <p:cNvSpPr>
+            <a:spLocks noGrp="1" noRot="1" noChangeAspect="1"/>
+          </p:cNvSpPr>
+          <p:nvPr>
+            <p:ph type="sldImg"/>
+          </p:nvPr>
+        </p:nvSpPr>
+        <p:spPr/>
+      </p:sp>
+      <p:sp>
+        <p:nvSpPr>
+          <p:cNvPr id="3" name="Notes Placeholder 2"/>
+          <p:cNvSpPr>
+            <a:spLocks noGrp="1"/>
+          </p:cNvSpPr>
+          <p:nvPr>
+            <p:ph type="body" idx="1"/>
+          </p:nvPr>
+        </p:nvSpPr>
+        <p:spPr/>
+        <p:txBody>
+          <a:bodyPr/>
+          <a:lstStyle/>
+          <a:p>
+            <a:r>
+              <a:rPr lang="en-US" sz="1200" b="0" i="0" kern="1200" dirty="0">
+                <a:solidFill>
+                  <a:schemeClr val="tx1"/>
+                </a:solidFill>
+                <a:effectLst/>
+                <a:latin typeface="+mn-lt"/>
+                <a:ea typeface="+mn-ea"/>
+                <a:cs typeface="+mn-cs"/>
+              </a:rPr>
+              <a:t>Securely store and tightly control access to tokens, passwords, certificates, API keys, and other secrets.</a:t>
+            </a:r>
+            <a:endParaRPr lang="en-US" dirty="0"/>
+          </a:p>
+        </p:txBody>
+      </p:sp>
+      <p:sp>
+        <p:nvSpPr>
+          <p:cNvPr id="4" name="Slide Number Placeholder 3"/>
+          <p:cNvSpPr>
+            <a:spLocks noGrp="1"/>
+          </p:cNvSpPr>
+          <p:nvPr>
+            <p:ph type="sldNum" sz="quarter" idx="5"/>
+          </p:nvPr>
+        </p:nvSpPr>
+        <p:spPr/>
+        <p:txBody>
+          <a:bodyPr/>
+          <a:lstStyle/>
+          <a:p>
+            <a:fld id="{82869989-EB00-4EE7-BCB5-25BDC5BB29F8}" type="slidenum">
+              <a:rPr lang="en-US" smtClean="0"/>
               <a:t>7</a:t>
+            </a:fld>
+            <a:endParaRPr lang="en-US"/>
+          </a:p>
+        </p:txBody>
+      </p:sp>
+    </p:spTree>
+    <p:extLst>
+      <p:ext uri="{BB962C8B-B14F-4D97-AF65-F5344CB8AC3E}">
+        <p14:creationId xmlns:p14="http://schemas.microsoft.com/office/powerpoint/2010/main" val="848918288"/>
+      </p:ext>
+    </p:extLst>
+  </p:cSld>
+  <p:clrMapOvr>
+    <a:masterClrMapping/>
+  </p:clrMapOvr>
+</p:notes>
+</file>
+
+<file path=ppt/notesSlides/notesSlide6.xml><?xml version="1.0" encoding="utf-8"?>
+<p:notes xmlns:a="http://schemas.openxmlformats.org/drawingml/2006/main" xmlns:r="http://schemas.openxmlformats.org/officeDocument/2006/relationships" xmlns:p="http://schemas.openxmlformats.org/presentationml/2006/main">
+  <p:cSld>
+    <p:spTree>
+      <p:nvGrpSpPr>
+        <p:cNvPr id="1" name=""/>
+        <p:cNvGrpSpPr/>
+        <p:nvPr/>
+      </p:nvGrpSpPr>
+      <p:grpSpPr>
+        <a:xfrm>
+          <a:off x="0" y="0"/>
+          <a:ext cx="0" cy="0"/>
+          <a:chOff x="0" y="0"/>
+          <a:chExt cx="0" cy="0"/>
+        </a:xfrm>
+      </p:grpSpPr>
+      <p:sp>
+        <p:nvSpPr>
+          <p:cNvPr id="2" name="Slide Image Placeholder 1"/>
+          <p:cNvSpPr>
+            <a:spLocks noGrp="1" noRot="1" noChangeAspect="1"/>
+          </p:cNvSpPr>
+          <p:nvPr>
+            <p:ph type="sldImg"/>
+          </p:nvPr>
+        </p:nvSpPr>
+        <p:spPr/>
+      </p:sp>
+      <p:sp>
+        <p:nvSpPr>
+          <p:cNvPr id="3" name="Notes Placeholder 2"/>
+          <p:cNvSpPr>
+            <a:spLocks noGrp="1"/>
+          </p:cNvSpPr>
+          <p:nvPr>
+            <p:ph type="body" idx="1"/>
+          </p:nvPr>
+        </p:nvSpPr>
+        <p:spPr/>
+        <p:txBody>
+          <a:bodyPr/>
+          <a:lstStyle/>
+          <a:p>
+            <a:r>
+              <a:rPr lang="en-US" sz="1200" b="0" i="0" kern="1200" dirty="0">
+                <a:solidFill>
+                  <a:schemeClr val="tx1"/>
+                </a:solidFill>
+                <a:effectLst/>
+                <a:latin typeface="+mn-lt"/>
+                <a:ea typeface="+mn-ea"/>
+                <a:cs typeface="+mn-cs"/>
+              </a:rPr>
+              <a:t>Provision, manage, and deploy public and private Secure Sockets Layer/Transport Layer Security (SSL/TLS) certificates for use with Azure and your internal connected resources.</a:t>
+            </a:r>
+            <a:endParaRPr lang="en-US" dirty="0"/>
+          </a:p>
+        </p:txBody>
+      </p:sp>
+      <p:sp>
+        <p:nvSpPr>
+          <p:cNvPr id="4" name="Slide Number Placeholder 3"/>
+          <p:cNvSpPr>
+            <a:spLocks noGrp="1"/>
+          </p:cNvSpPr>
+          <p:nvPr>
+            <p:ph type="sldNum" sz="quarter" idx="5"/>
+          </p:nvPr>
+        </p:nvSpPr>
+        <p:spPr/>
+        <p:txBody>
+          <a:bodyPr/>
+          <a:lstStyle/>
+          <a:p>
+            <a:fld id="{82869989-EB00-4EE7-BCB5-25BDC5BB29F8}" type="slidenum">
+              <a:rPr lang="en-US" smtClean="0"/>
+              <a:t>8</a:t>
             </a:fld>
             <a:endParaRPr lang="en-US"/>
           </a:p>
@@ -4066,6 +2617,544 @@
     <p:extLst>
       <p:ext uri="{BB962C8B-B14F-4D97-AF65-F5344CB8AC3E}">
         <p14:creationId xmlns:p14="http://schemas.microsoft.com/office/powerpoint/2010/main" val="3484827270"/>
+      </p:ext>
+    </p:extLst>
+  </p:cSld>
+  <p:clrMapOvr>
+    <a:masterClrMapping/>
+  </p:clrMapOvr>
+</p:notes>
+</file>
+
+<file path=ppt/notesSlides/notesSlide7.xml><?xml version="1.0" encoding="utf-8"?>
+<p:notes xmlns:a="http://schemas.openxmlformats.org/drawingml/2006/main" xmlns:r="http://schemas.openxmlformats.org/officeDocument/2006/relationships" xmlns:p="http://schemas.openxmlformats.org/presentationml/2006/main">
+  <p:cSld>
+    <p:spTree>
+      <p:nvGrpSpPr>
+        <p:cNvPr id="1" name=""/>
+        <p:cNvGrpSpPr/>
+        <p:nvPr/>
+      </p:nvGrpSpPr>
+      <p:grpSpPr>
+        <a:xfrm>
+          <a:off x="0" y="0"/>
+          <a:ext cx="0" cy="0"/>
+          <a:chOff x="0" y="0"/>
+          <a:chExt cx="0" cy="0"/>
+        </a:xfrm>
+      </p:grpSpPr>
+      <p:sp>
+        <p:nvSpPr>
+          <p:cNvPr id="2" name="Slide Image Placeholder 1"/>
+          <p:cNvSpPr>
+            <a:spLocks noGrp="1" noRot="1" noChangeAspect="1"/>
+          </p:cNvSpPr>
+          <p:nvPr>
+            <p:ph type="sldImg"/>
+          </p:nvPr>
+        </p:nvSpPr>
+        <p:spPr/>
+      </p:sp>
+      <p:sp>
+        <p:nvSpPr>
+          <p:cNvPr id="3" name="Notes Placeholder 2"/>
+          <p:cNvSpPr>
+            <a:spLocks noGrp="1"/>
+          </p:cNvSpPr>
+          <p:nvPr>
+            <p:ph type="body" idx="1"/>
+          </p:nvPr>
+        </p:nvSpPr>
+        <p:spPr/>
+        <p:txBody>
+          <a:bodyPr/>
+          <a:lstStyle/>
+          <a:p>
+            <a:r>
+              <a:rPr lang="en-US" sz="1200" b="0" i="0" kern="1200" dirty="0">
+                <a:solidFill>
+                  <a:schemeClr val="tx1"/>
+                </a:solidFill>
+                <a:effectLst/>
+                <a:latin typeface="+mn-lt"/>
+                <a:ea typeface="+mn-ea"/>
+                <a:cs typeface="+mn-cs"/>
+              </a:rPr>
+              <a:t>CIOs need to ensure their security teams are not holding back cloud initiatives with unsubstantiated cloud security worries. Exaggerated fears can result in lost opportunity and inappropriate spending.</a:t>
+            </a:r>
+          </a:p>
+          <a:p>
+            <a:endParaRPr lang="en-US" sz="1200" b="0" i="0" kern="1200" dirty="0">
+              <a:solidFill>
+                <a:schemeClr val="tx1"/>
+              </a:solidFill>
+              <a:effectLst/>
+              <a:latin typeface="+mn-lt"/>
+              <a:ea typeface="+mn-ea"/>
+              <a:cs typeface="+mn-cs"/>
+            </a:endParaRPr>
+          </a:p>
+          <a:p>
+            <a:r>
+              <a:rPr lang="en-US" sz="1200" b="0" i="0" kern="1200" dirty="0">
+                <a:solidFill>
+                  <a:schemeClr val="tx1"/>
+                </a:solidFill>
+                <a:effectLst/>
+                <a:latin typeface="+mn-lt"/>
+                <a:ea typeface="+mn-ea"/>
+                <a:cs typeface="+mn-cs"/>
+              </a:rPr>
+              <a:t>Data breaches occur due to targeted attacks, human errors, application vulnerabilities, or poor security practices. A majority of breaches in the cloud have been reported due to misconfigurations from the user’s end that lead to SQL injection, brute force attacks, etc. These data breaches were never a cloud provider’s fault! </a:t>
+            </a:r>
+            <a:endParaRPr lang="en-US" dirty="0"/>
+          </a:p>
+        </p:txBody>
+      </p:sp>
+      <p:sp>
+        <p:nvSpPr>
+          <p:cNvPr id="4" name="Slide Number Placeholder 3"/>
+          <p:cNvSpPr>
+            <a:spLocks noGrp="1"/>
+          </p:cNvSpPr>
+          <p:nvPr>
+            <p:ph type="sldNum" sz="quarter" idx="5"/>
+          </p:nvPr>
+        </p:nvSpPr>
+        <p:spPr/>
+        <p:txBody>
+          <a:bodyPr/>
+          <a:lstStyle/>
+          <a:p>
+            <a:fld id="{82869989-EB00-4EE7-BCB5-25BDC5BB29F8}" type="slidenum">
+              <a:rPr lang="en-US" smtClean="0"/>
+              <a:t>9</a:t>
+            </a:fld>
+            <a:endParaRPr lang="en-US"/>
+          </a:p>
+        </p:txBody>
+      </p:sp>
+    </p:spTree>
+    <p:extLst>
+      <p:ext uri="{BB962C8B-B14F-4D97-AF65-F5344CB8AC3E}">
+        <p14:creationId xmlns:p14="http://schemas.microsoft.com/office/powerpoint/2010/main" val="3763191011"/>
+      </p:ext>
+    </p:extLst>
+  </p:cSld>
+  <p:clrMapOvr>
+    <a:masterClrMapping/>
+  </p:clrMapOvr>
+</p:notes>
+</file>
+
+<file path=ppt/notesSlides/notesSlide8.xml><?xml version="1.0" encoding="utf-8"?>
+<p:notes xmlns:a="http://schemas.openxmlformats.org/drawingml/2006/main" xmlns:r="http://schemas.openxmlformats.org/officeDocument/2006/relationships" xmlns:p="http://schemas.openxmlformats.org/presentationml/2006/main">
+  <p:cSld>
+    <p:spTree>
+      <p:nvGrpSpPr>
+        <p:cNvPr id="1" name=""/>
+        <p:cNvGrpSpPr/>
+        <p:nvPr/>
+      </p:nvGrpSpPr>
+      <p:grpSpPr>
+        <a:xfrm>
+          <a:off x="0" y="0"/>
+          <a:ext cx="0" cy="0"/>
+          <a:chOff x="0" y="0"/>
+          <a:chExt cx="0" cy="0"/>
+        </a:xfrm>
+      </p:grpSpPr>
+      <p:sp>
+        <p:nvSpPr>
+          <p:cNvPr id="2" name="Slide Image Placeholder 1"/>
+          <p:cNvSpPr>
+            <a:spLocks noGrp="1" noRot="1" noChangeAspect="1"/>
+          </p:cNvSpPr>
+          <p:nvPr>
+            <p:ph type="sldImg"/>
+          </p:nvPr>
+        </p:nvSpPr>
+        <p:spPr/>
+      </p:sp>
+      <p:sp>
+        <p:nvSpPr>
+          <p:cNvPr id="3" name="Notes Placeholder 2"/>
+          <p:cNvSpPr>
+            <a:spLocks noGrp="1"/>
+          </p:cNvSpPr>
+          <p:nvPr>
+            <p:ph type="body" idx="1"/>
+          </p:nvPr>
+        </p:nvSpPr>
+        <p:spPr/>
+        <p:txBody>
+          <a:bodyPr/>
+          <a:lstStyle/>
+          <a:p>
+            <a:r>
+              <a:rPr lang="en-US" dirty="0" err="1"/>
+              <a:t>Svih</a:t>
+            </a:r>
+            <a:endParaRPr lang="en-US" dirty="0"/>
+          </a:p>
+          <a:p>
+            <a:pPr marL="171450" indent="-171450">
+              <a:buFontTx/>
+              <a:buChar char="-"/>
+            </a:pPr>
+            <a:r>
+              <a:rPr lang="en-US" dirty="0" err="1"/>
+              <a:t>Klijent</a:t>
+            </a:r>
+            <a:endParaRPr lang="en-US" dirty="0"/>
+          </a:p>
+          <a:p>
+            <a:pPr marL="171450" indent="-171450">
+              <a:buFontTx/>
+              <a:buChar char="-"/>
+            </a:pPr>
+            <a:r>
+              <a:rPr lang="en-US" dirty="0"/>
+              <a:t>Product owners</a:t>
+            </a:r>
+          </a:p>
+          <a:p>
+            <a:pPr marL="171450" indent="-171450">
+              <a:buFontTx/>
+              <a:buChar char="-"/>
+            </a:pPr>
+            <a:r>
+              <a:rPr lang="en-US" dirty="0" err="1"/>
+              <a:t>Testeri</a:t>
+            </a:r>
+            <a:endParaRPr lang="en-US" dirty="0"/>
+          </a:p>
+          <a:p>
+            <a:pPr marL="171450" indent="-171450">
+              <a:buFontTx/>
+              <a:buChar char="-"/>
+            </a:pPr>
+            <a:r>
+              <a:rPr lang="en-US" dirty="0" err="1"/>
+              <a:t>Developeri</a:t>
+            </a:r>
+            <a:endParaRPr lang="en-US" dirty="0"/>
+          </a:p>
+          <a:p>
+            <a:pPr marL="171450" indent="-171450">
+              <a:buFontTx/>
+              <a:buChar char="-"/>
+            </a:pPr>
+            <a:endParaRPr lang="en-US" dirty="0"/>
+          </a:p>
+          <a:p>
+            <a:pPr marL="171450" indent="-171450">
+              <a:buFontTx/>
+              <a:buChar char="-"/>
+            </a:pPr>
+            <a:r>
+              <a:rPr lang="en-US" dirty="0"/>
+              <a:t>Ko </a:t>
+            </a:r>
+            <a:r>
+              <a:rPr lang="en-US" dirty="0" err="1"/>
+              <a:t>popravlja</a:t>
+            </a:r>
+            <a:r>
+              <a:rPr lang="en-US" dirty="0"/>
+              <a:t> </a:t>
+            </a:r>
+            <a:r>
+              <a:rPr lang="en-US" dirty="0" err="1"/>
+              <a:t>stetu</a:t>
+            </a:r>
+            <a:endParaRPr lang="en-US" dirty="0"/>
+          </a:p>
+          <a:p>
+            <a:pPr marL="171450" indent="-171450">
+              <a:buFontTx/>
+              <a:buChar char="-"/>
+            </a:pPr>
+            <a:r>
+              <a:rPr lang="en-US" dirty="0" err="1"/>
+              <a:t>Developeri</a:t>
+            </a:r>
+            <a:endParaRPr lang="en-US" dirty="0"/>
+          </a:p>
+          <a:p>
+            <a:pPr marL="171450" indent="-171450">
+              <a:buFontTx/>
+              <a:buChar char="-"/>
+            </a:pPr>
+            <a:endParaRPr lang="en-US" dirty="0"/>
+          </a:p>
+          <a:p>
+            <a:pPr marL="171450" indent="-171450">
+              <a:buFontTx/>
+              <a:buChar char="-"/>
+            </a:pPr>
+            <a:r>
+              <a:rPr lang="en-US" dirty="0">
+                <a:hlinkClick r:id="rId3"/>
+              </a:rPr>
+              <a:t>https://arstechnica.com/information-technology/2020/06/machine-learning-clusters-in-azure-hijacked-to-mine-cryptocurrency/</a:t>
+            </a:r>
+            <a:endParaRPr lang="en-US" dirty="0"/>
+          </a:p>
+          <a:p>
+            <a:pPr marL="171450" indent="-171450">
+              <a:buFontTx/>
+              <a:buChar char="-"/>
+            </a:pPr>
+            <a:r>
+              <a:rPr lang="en-US" dirty="0">
+                <a:hlinkClick r:id="rId4"/>
+              </a:rPr>
+              <a:t>https://securityboulevard.com/2020/01/microsoft-leaks-250m-customer-details-in-azure-fat-finger-faux-pas/</a:t>
+            </a:r>
+            <a:endParaRPr lang="en-US" dirty="0"/>
+          </a:p>
+          <a:p>
+            <a:pPr marL="171450" indent="-171450">
+              <a:buFontTx/>
+              <a:buChar char="-"/>
+            </a:pPr>
+            <a:endParaRPr lang="en-US" dirty="0"/>
+          </a:p>
+          <a:p>
+            <a:pPr marL="171450" indent="-171450">
+              <a:buFontTx/>
+              <a:buChar char="-"/>
+            </a:pPr>
+            <a:r>
+              <a:rPr lang="en-US" sz="1200" b="0" i="0" kern="1200" dirty="0">
+                <a:solidFill>
+                  <a:schemeClr val="tx1"/>
+                </a:solidFill>
+                <a:effectLst/>
+                <a:latin typeface="+mn-lt"/>
+                <a:ea typeface="+mn-ea"/>
+                <a:cs typeface="+mn-cs"/>
+              </a:rPr>
+              <a:t> We want to be transparent about this incident with all customers and reassure them that we are taking it very seriously and holding ourselves accountable. … Upon notification of the issue, engineers remediated the configuration on December 31.</a:t>
+            </a:r>
+            <a:endParaRPr lang="en-US" dirty="0"/>
+          </a:p>
+        </p:txBody>
+      </p:sp>
+      <p:sp>
+        <p:nvSpPr>
+          <p:cNvPr id="4" name="Slide Number Placeholder 3"/>
+          <p:cNvSpPr>
+            <a:spLocks noGrp="1"/>
+          </p:cNvSpPr>
+          <p:nvPr>
+            <p:ph type="sldNum" sz="quarter" idx="5"/>
+          </p:nvPr>
+        </p:nvSpPr>
+        <p:spPr/>
+        <p:txBody>
+          <a:bodyPr/>
+          <a:lstStyle/>
+          <a:p>
+            <a:fld id="{82869989-EB00-4EE7-BCB5-25BDC5BB29F8}" type="slidenum">
+              <a:rPr lang="en-US" smtClean="0"/>
+              <a:t>10</a:t>
+            </a:fld>
+            <a:endParaRPr lang="en-US"/>
+          </a:p>
+        </p:txBody>
+      </p:sp>
+    </p:spTree>
+    <p:extLst>
+      <p:ext uri="{BB962C8B-B14F-4D97-AF65-F5344CB8AC3E}">
+        <p14:creationId xmlns:p14="http://schemas.microsoft.com/office/powerpoint/2010/main" val="3431517232"/>
+      </p:ext>
+    </p:extLst>
+  </p:cSld>
+  <p:clrMapOvr>
+    <a:masterClrMapping/>
+  </p:clrMapOvr>
+</p:notes>
+</file>
+
+<file path=ppt/notesSlides/notesSlide9.xml><?xml version="1.0" encoding="utf-8"?>
+<p:notes xmlns:a="http://schemas.openxmlformats.org/drawingml/2006/main" xmlns:r="http://schemas.openxmlformats.org/officeDocument/2006/relationships" xmlns:p="http://schemas.openxmlformats.org/presentationml/2006/main">
+  <p:cSld>
+    <p:spTree>
+      <p:nvGrpSpPr>
+        <p:cNvPr id="1" name=""/>
+        <p:cNvGrpSpPr/>
+        <p:nvPr/>
+      </p:nvGrpSpPr>
+      <p:grpSpPr>
+        <a:xfrm>
+          <a:off x="0" y="0"/>
+          <a:ext cx="0" cy="0"/>
+          <a:chOff x="0" y="0"/>
+          <a:chExt cx="0" cy="0"/>
+        </a:xfrm>
+      </p:grpSpPr>
+      <p:sp>
+        <p:nvSpPr>
+          <p:cNvPr id="2" name="Slide Image Placeholder 1"/>
+          <p:cNvSpPr>
+            <a:spLocks noGrp="1" noRot="1" noChangeAspect="1"/>
+          </p:cNvSpPr>
+          <p:nvPr>
+            <p:ph type="sldImg"/>
+          </p:nvPr>
+        </p:nvSpPr>
+        <p:spPr/>
+      </p:sp>
+      <p:sp>
+        <p:nvSpPr>
+          <p:cNvPr id="3" name="Notes Placeholder 2"/>
+          <p:cNvSpPr>
+            <a:spLocks noGrp="1"/>
+          </p:cNvSpPr>
+          <p:nvPr>
+            <p:ph type="body" idx="1"/>
+          </p:nvPr>
+        </p:nvSpPr>
+        <p:spPr/>
+        <p:txBody>
+          <a:bodyPr/>
+          <a:lstStyle/>
+          <a:p>
+            <a:r>
+              <a:rPr lang="en-US" sz="1200" b="0" i="0" kern="1200" dirty="0">
+                <a:solidFill>
+                  <a:schemeClr val="tx1"/>
+                </a:solidFill>
+                <a:effectLst/>
+                <a:latin typeface="+mn-lt"/>
+                <a:ea typeface="+mn-ea"/>
+                <a:cs typeface="+mn-cs"/>
+              </a:rPr>
+              <a:t>CIOs need to ensure their security teams are not holding back cloud initiatives with unsubstantiated cloud security worries. Exaggerated fears can result in lost opportunity and inappropriate spending.</a:t>
+            </a:r>
+          </a:p>
+          <a:p>
+            <a:endParaRPr lang="en-US" sz="1200" b="0" i="0" kern="1200" dirty="0">
+              <a:solidFill>
+                <a:schemeClr val="tx1"/>
+              </a:solidFill>
+              <a:effectLst/>
+              <a:latin typeface="+mn-lt"/>
+              <a:ea typeface="+mn-ea"/>
+              <a:cs typeface="+mn-cs"/>
+            </a:endParaRPr>
+          </a:p>
+          <a:p>
+            <a:r>
+              <a:rPr lang="en-US" sz="1200" b="0" i="0" kern="1200" dirty="0">
+                <a:solidFill>
+                  <a:schemeClr val="tx1"/>
+                </a:solidFill>
+                <a:effectLst/>
+                <a:latin typeface="+mn-lt"/>
+                <a:ea typeface="+mn-ea"/>
+                <a:cs typeface="+mn-cs"/>
+              </a:rPr>
+              <a:t>Data breaches occur due to targeted attacks, human errors, application vulnerabilities, or poor security practices. A majority of breaches in the cloud have been reported due to misconfigurations from the user’s end that lead to SQL injection, brute force attacks, etc. These data breaches were never a cloud provider’s fault! </a:t>
+            </a:r>
+          </a:p>
+          <a:p>
+            <a:endParaRPr lang="en-US" sz="1200" b="0" i="0" kern="1200" dirty="0">
+              <a:solidFill>
+                <a:schemeClr val="tx1"/>
+              </a:solidFill>
+              <a:effectLst/>
+              <a:latin typeface="+mn-lt"/>
+              <a:ea typeface="+mn-ea"/>
+              <a:cs typeface="+mn-cs"/>
+            </a:endParaRPr>
+          </a:p>
+          <a:p>
+            <a:pPr marL="171450" indent="-171450">
+              <a:buFontTx/>
+              <a:buChar char="-"/>
+            </a:pPr>
+            <a:r>
+              <a:rPr lang="en-US" dirty="0">
+                <a:hlinkClick r:id="rId3"/>
+              </a:rPr>
+              <a:t>https://arstechnica.com/information-technology/2020/06/machine-learning-clusters-in-azure-hijacked-to-mine-cryptocurrency/</a:t>
+            </a:r>
+            <a:endParaRPr lang="en-US" dirty="0"/>
+          </a:p>
+          <a:p>
+            <a:pPr marL="171450" indent="-171450">
+              <a:buFontTx/>
+              <a:buChar char="-"/>
+            </a:pPr>
+            <a:r>
+              <a:rPr lang="en-US" dirty="0">
+                <a:hlinkClick r:id="rId4"/>
+              </a:rPr>
+              <a:t>https://securityboulevard.com/2020/01/microsoft-leaks-250m-customer-details-in-azure-fat-finger-faux-pas/</a:t>
+            </a:r>
+            <a:endParaRPr lang="en-US" dirty="0"/>
+          </a:p>
+          <a:p>
+            <a:pPr marL="171450" indent="-171450">
+              <a:buFontTx/>
+              <a:buChar char="-"/>
+            </a:pPr>
+            <a:endParaRPr lang="en-US" dirty="0"/>
+          </a:p>
+          <a:p>
+            <a:pPr marL="171450" indent="-171450">
+              <a:buFontTx/>
+              <a:buChar char="-"/>
+            </a:pPr>
+            <a:r>
+              <a:rPr lang="en-US" sz="1200" b="0" i="0" kern="1200" dirty="0">
+                <a:solidFill>
+                  <a:schemeClr val="tx1"/>
+                </a:solidFill>
+                <a:effectLst/>
+                <a:latin typeface="+mn-lt"/>
+                <a:ea typeface="+mn-ea"/>
+                <a:cs typeface="+mn-cs"/>
+              </a:rPr>
+              <a:t> We want to be transparent about this incident with all customers and reassure them that we are taking it very seriously and holding ourselves accountable. … Upon notification of the issue, engineers remediated the configuration on December 31.</a:t>
+            </a:r>
+            <a:endParaRPr lang="en-US" dirty="0"/>
+          </a:p>
+          <a:p>
+            <a:endParaRPr lang="en-US" dirty="0"/>
+          </a:p>
+        </p:txBody>
+      </p:sp>
+      <p:sp>
+        <p:nvSpPr>
+          <p:cNvPr id="4" name="Slide Number Placeholder 3"/>
+          <p:cNvSpPr>
+            <a:spLocks noGrp="1"/>
+          </p:cNvSpPr>
+          <p:nvPr>
+            <p:ph type="sldNum" sz="quarter" idx="5"/>
+          </p:nvPr>
+        </p:nvSpPr>
+        <p:spPr/>
+        <p:txBody>
+          <a:bodyPr/>
+          <a:lstStyle/>
+          <a:p>
+            <a:fld id="{82869989-EB00-4EE7-BCB5-25BDC5BB29F8}" type="slidenum">
+              <a:rPr lang="en-US" smtClean="0"/>
+              <a:t>11</a:t>
+            </a:fld>
+            <a:endParaRPr lang="en-US"/>
+          </a:p>
+        </p:txBody>
+      </p:sp>
+    </p:spTree>
+    <p:extLst>
+      <p:ext uri="{BB962C8B-B14F-4D97-AF65-F5344CB8AC3E}">
+        <p14:creationId xmlns:p14="http://schemas.microsoft.com/office/powerpoint/2010/main" val="1023534503"/>
       </p:ext>
     </p:extLst>
   </p:cSld>
@@ -6216,7 +5305,7 @@
           <a:p>
             <a:fld id="{384A29A4-78C8-47AB-BA06-22CB45938951}" type="datetime1">
               <a:rPr lang="en-US" smtClean="0"/>
-              <a:t>6/14/2020</a:t>
+              <a:t>6/15/2020</a:t>
             </a:fld>
             <a:endParaRPr lang="en-US"/>
           </a:p>
@@ -6411,7 +5500,7 @@
           <a:p>
             <a:fld id="{E1ED4ACF-2D82-46F2-A8E9-23963AA34E86}" type="datetime1">
               <a:rPr lang="en-US" smtClean="0"/>
-              <a:t>6/14/2020</a:t>
+              <a:t>6/15/2020</a:t>
             </a:fld>
             <a:endParaRPr lang="en-US"/>
           </a:p>
@@ -6595,7 +5684,7 @@
           <a:p>
             <a:fld id="{AE374B5B-21A0-4192-BF4C-38187F1A68D8}" type="datetime1">
               <a:rPr lang="en-US" smtClean="0"/>
-              <a:t>6/14/2020</a:t>
+              <a:t>6/15/2020</a:t>
             </a:fld>
             <a:endParaRPr lang="en-US"/>
           </a:p>
@@ -8936,7 +8025,7 @@
           <a:p>
             <a:fld id="{33B5CF7C-B333-48E1-A4A6-83A3C8B73AC0}" type="datetime1">
               <a:rPr lang="en-US" smtClean="0"/>
-              <a:t>6/14/2020</a:t>
+              <a:t>6/15/2020</a:t>
             </a:fld>
             <a:endParaRPr lang="en-US"/>
           </a:p>
@@ -9389,7 +8478,7 @@
           <a:p>
             <a:fld id="{AE320762-5CBF-4210-AB54-376B091119F8}" type="datetime1">
               <a:rPr lang="en-US" smtClean="0"/>
-              <a:t>6/14/2020</a:t>
+              <a:t>6/15/2020</a:t>
             </a:fld>
             <a:endParaRPr lang="en-US"/>
           </a:p>
@@ -9521,7 +8610,7 @@
           <a:p>
             <a:fld id="{7F0DB371-BF5F-4058-A212-1A908E4D2674}" type="datetime1">
               <a:rPr lang="en-US" smtClean="0"/>
-              <a:t>6/14/2020</a:t>
+              <a:t>6/15/2020</a:t>
             </a:fld>
             <a:endParaRPr lang="en-US"/>
           </a:p>
@@ -11454,7 +10543,7 @@
           <a:p>
             <a:fld id="{60A4083B-90AA-48CF-BAD5-00AA24D7F288}" type="datetime1">
               <a:rPr lang="en-US" smtClean="0"/>
-              <a:t>6/14/2020</a:t>
+              <a:t>6/15/2020</a:t>
             </a:fld>
             <a:endParaRPr lang="en-US"/>
           </a:p>
@@ -13713,7 +12802,7 @@
             <a:fld id="{F5BAF629-ECA2-4CF3-B790-9D9BDED98269}" type="datetime1">
               <a:rPr lang="en-US" smtClean="0"/>
               <a:pPr/>
-              <a:t>6/14/2020</a:t>
+              <a:t>6/15/2020</a:t>
             </a:fld>
             <a:endParaRPr lang="en-US"/>
           </a:p>
@@ -18008,7 +17097,7 @@
             <a:fld id="{B51B2453-8663-4C69-AF73-9FD7B1DEC5D0}" type="datetime1">
               <a:rPr lang="en-US" smtClean="0"/>
               <a:pPr/>
-              <a:t>6/14/2020</a:t>
+              <a:t>6/15/2020</a:t>
             </a:fld>
             <a:endParaRPr lang="en-US" dirty="0"/>
           </a:p>
@@ -18559,7 +17648,13 @@
       </p:grpSpPr>
       <p:sp>
         <p:nvSpPr>
-          <p:cNvPr id="2" name="Title 1"/>
+          <p:cNvPr id="2" name="Title 1">
+            <a:extLst>
+              <a:ext uri="{FF2B5EF4-FFF2-40B4-BE49-F238E27FC236}">
+                <a16:creationId xmlns:a16="http://schemas.microsoft.com/office/drawing/2014/main" id="{4729815B-9C8D-4DEB-960A-6A6DDA61BF87}"/>
+              </a:ext>
+            </a:extLst>
+          </p:cNvPr>
           <p:cNvSpPr>
             <a:spLocks noGrp="1"/>
           </p:cNvSpPr>
@@ -18567,302 +17662,30 @@
             <p:ph type="title"/>
           </p:nvPr>
         </p:nvSpPr>
-        <p:spPr/>
+        <p:spPr>
+          <a:xfrm>
+            <a:off x="1295400" y="495607"/>
+            <a:ext cx="9601200" cy="1142385"/>
+          </a:xfrm>
+        </p:spPr>
         <p:txBody>
           <a:bodyPr/>
           <a:lstStyle/>
           <a:p>
             <a:r>
-              <a:rPr lang="en-US" dirty="0"/>
-              <a:t>Two content layout with table</a:t>
-            </a:r>
+              <a:rPr lang="sr-Latn-RS" dirty="0"/>
+              <a:t>Čija je odgovornost bezbednost</a:t>
+            </a:r>
+            <a:endParaRPr lang="en-US" dirty="0"/>
           </a:p>
         </p:txBody>
       </p:sp>
-      <p:sp>
-        <p:nvSpPr>
-          <p:cNvPr id="3" name="Content Placeholder 2"/>
-          <p:cNvSpPr>
-            <a:spLocks noGrp="1"/>
-          </p:cNvSpPr>
-          <p:nvPr>
-            <p:ph sz="half" idx="1"/>
-          </p:nvPr>
-        </p:nvSpPr>
-        <p:spPr/>
-        <p:txBody>
-          <a:bodyPr/>
-          <a:lstStyle/>
-          <a:p>
-            <a:r>
-              <a:rPr lang="en-US" dirty="0"/>
-              <a:t>First bullet point here</a:t>
-            </a:r>
-          </a:p>
-          <a:p>
-            <a:r>
-              <a:rPr lang="en-US" dirty="0"/>
-              <a:t>Second bullet point here</a:t>
-            </a:r>
-          </a:p>
-          <a:p>
-            <a:r>
-              <a:rPr lang="en-US" dirty="0"/>
-              <a:t>Third bullet point here</a:t>
-            </a:r>
-          </a:p>
-        </p:txBody>
-      </p:sp>
-      <p:graphicFrame>
-        <p:nvGraphicFramePr>
-          <p:cNvPr id="5" name="Content Placeholder 4"/>
-          <p:cNvGraphicFramePr>
-            <a:graphicFrameLocks noGrp="1"/>
-          </p:cNvGraphicFramePr>
-          <p:nvPr>
-            <p:ph sz="half" idx="2"/>
-            <p:extLst>
-              <p:ext uri="{D42A27DB-BD31-4B8C-83A1-F6EECF244321}">
-                <p14:modId xmlns:p14="http://schemas.microsoft.com/office/powerpoint/2010/main" val="1856702625"/>
-              </p:ext>
-            </p:extLst>
-          </p:nvPr>
-        </p:nvGraphicFramePr>
-        <p:xfrm>
-          <a:off x="6324600" y="1981200"/>
-          <a:ext cx="4572000" cy="2141912"/>
-        </p:xfrm>
-        <a:graphic>
-          <a:graphicData uri="http://schemas.openxmlformats.org/drawingml/2006/table">
-            <a:tbl>
-              <a:tblPr firstRow="1" bandRow="1">
-                <a:tableStyleId>{BC89EF96-8CEA-46FF-86C4-4CE0E7609802}</a:tableStyleId>
-              </a:tblPr>
-              <a:tblGrid>
-                <a:gridCol w="1524000">
-                  <a:extLst>
-                    <a:ext uri="{9D8B030D-6E8A-4147-A177-3AD203B41FA5}">
-                      <a16:colId xmlns:a16="http://schemas.microsoft.com/office/drawing/2014/main" val="20000"/>
-                    </a:ext>
-                  </a:extLst>
-                </a:gridCol>
-                <a:gridCol w="1524000">
-                  <a:extLst>
-                    <a:ext uri="{9D8B030D-6E8A-4147-A177-3AD203B41FA5}">
-                      <a16:colId xmlns:a16="http://schemas.microsoft.com/office/drawing/2014/main" val="20001"/>
-                    </a:ext>
-                  </a:extLst>
-                </a:gridCol>
-                <a:gridCol w="1524000">
-                  <a:extLst>
-                    <a:ext uri="{9D8B030D-6E8A-4147-A177-3AD203B41FA5}">
-                      <a16:colId xmlns:a16="http://schemas.microsoft.com/office/drawing/2014/main" val="20002"/>
-                    </a:ext>
-                  </a:extLst>
-                </a:gridCol>
-              </a:tblGrid>
-              <a:tr h="535478">
-                <a:tc>
-                  <a:txBody>
-                    <a:bodyPr/>
-                    <a:lstStyle/>
-                    <a:p>
-                      <a:r>
-                        <a:rPr lang="en-US" dirty="0"/>
-                        <a:t>Class</a:t>
-                      </a:r>
-                    </a:p>
-                  </a:txBody>
-                  <a:tcPr anchor="ctr"/>
-                </a:tc>
-                <a:tc>
-                  <a:txBody>
-                    <a:bodyPr/>
-                    <a:lstStyle/>
-                    <a:p>
-                      <a:pPr algn="ctr"/>
-                      <a:r>
-                        <a:rPr lang="en-US" dirty="0"/>
-                        <a:t>Group 1</a:t>
-                      </a:r>
-                    </a:p>
-                  </a:txBody>
-                  <a:tcPr anchor="ctr"/>
-                </a:tc>
-                <a:tc>
-                  <a:txBody>
-                    <a:bodyPr/>
-                    <a:lstStyle/>
-                    <a:p>
-                      <a:pPr algn="ctr"/>
-                      <a:r>
-                        <a:rPr lang="en-US" dirty="0"/>
-                        <a:t>Group 2</a:t>
-                      </a:r>
-                    </a:p>
-                  </a:txBody>
-                  <a:tcPr anchor="ctr"/>
-                </a:tc>
-                <a:extLst>
-                  <a:ext uri="{0D108BD9-81ED-4DB2-BD59-A6C34878D82A}">
-                    <a16:rowId xmlns:a16="http://schemas.microsoft.com/office/drawing/2014/main" val="10000"/>
-                  </a:ext>
-                </a:extLst>
-              </a:tr>
-              <a:tr h="535478">
-                <a:tc>
-                  <a:txBody>
-                    <a:bodyPr/>
-                    <a:lstStyle/>
-                    <a:p>
-                      <a:r>
-                        <a:rPr lang="en-US" dirty="0"/>
-                        <a:t>Class 1</a:t>
-                      </a:r>
-                    </a:p>
-                  </a:txBody>
-                  <a:tcPr anchor="ctr"/>
-                </a:tc>
-                <a:tc>
-                  <a:txBody>
-                    <a:bodyPr/>
-                    <a:lstStyle/>
-                    <a:p>
-                      <a:pPr algn="ctr"/>
-                      <a:r>
-                        <a:rPr lang="en-US" dirty="0"/>
-                        <a:t>82</a:t>
-                      </a:r>
-                    </a:p>
-                  </a:txBody>
-                  <a:tcPr anchor="ctr"/>
-                </a:tc>
-                <a:tc>
-                  <a:txBody>
-                    <a:bodyPr/>
-                    <a:lstStyle/>
-                    <a:p>
-                      <a:pPr algn="ctr"/>
-                      <a:r>
-                        <a:rPr lang="en-US" dirty="0"/>
-                        <a:t>95</a:t>
-                      </a:r>
-                    </a:p>
-                  </a:txBody>
-                  <a:tcPr anchor="ctr"/>
-                </a:tc>
-                <a:extLst>
-                  <a:ext uri="{0D108BD9-81ED-4DB2-BD59-A6C34878D82A}">
-                    <a16:rowId xmlns:a16="http://schemas.microsoft.com/office/drawing/2014/main" val="10001"/>
-                  </a:ext>
-                </a:extLst>
-              </a:tr>
-              <a:tr h="535478">
-                <a:tc>
-                  <a:txBody>
-                    <a:bodyPr/>
-                    <a:lstStyle/>
-                    <a:p>
-                      <a:r>
-                        <a:rPr lang="en-US" dirty="0"/>
-                        <a:t>Class 2</a:t>
-                      </a:r>
-                    </a:p>
-                  </a:txBody>
-                  <a:tcPr anchor="ctr"/>
-                </a:tc>
-                <a:tc>
-                  <a:txBody>
-                    <a:bodyPr/>
-                    <a:lstStyle/>
-                    <a:p>
-                      <a:pPr algn="ctr"/>
-                      <a:r>
-                        <a:rPr lang="en-US" dirty="0"/>
-                        <a:t>76</a:t>
-                      </a:r>
-                    </a:p>
-                  </a:txBody>
-                  <a:tcPr anchor="ctr"/>
-                </a:tc>
-                <a:tc>
-                  <a:txBody>
-                    <a:bodyPr/>
-                    <a:lstStyle/>
-                    <a:p>
-                      <a:pPr algn="ctr"/>
-                      <a:r>
-                        <a:rPr lang="en-US" dirty="0"/>
-                        <a:t>88</a:t>
-                      </a:r>
-                    </a:p>
-                  </a:txBody>
-                  <a:tcPr anchor="ctr"/>
-                </a:tc>
-                <a:extLst>
-                  <a:ext uri="{0D108BD9-81ED-4DB2-BD59-A6C34878D82A}">
-                    <a16:rowId xmlns:a16="http://schemas.microsoft.com/office/drawing/2014/main" val="10002"/>
-                  </a:ext>
-                </a:extLst>
-              </a:tr>
-              <a:tr h="535478">
-                <a:tc>
-                  <a:txBody>
-                    <a:bodyPr/>
-                    <a:lstStyle/>
-                    <a:p>
-                      <a:r>
-                        <a:rPr lang="en-US" dirty="0"/>
-                        <a:t>Class 3</a:t>
-                      </a:r>
-                    </a:p>
-                  </a:txBody>
-                  <a:tcPr anchor="ctr"/>
-                </a:tc>
-                <a:tc>
-                  <a:txBody>
-                    <a:bodyPr/>
-                    <a:lstStyle/>
-                    <a:p>
-                      <a:pPr algn="ctr"/>
-                      <a:r>
-                        <a:rPr lang="en-US" dirty="0"/>
-                        <a:t>84</a:t>
-                      </a:r>
-                    </a:p>
-                  </a:txBody>
-                  <a:tcPr anchor="ctr"/>
-                </a:tc>
-                <a:tc>
-                  <a:txBody>
-                    <a:bodyPr/>
-                    <a:lstStyle/>
-                    <a:p>
-                      <a:pPr algn="ctr"/>
-                      <a:r>
-                        <a:rPr lang="en-US" dirty="0"/>
-                        <a:t>90</a:t>
-                      </a:r>
-                    </a:p>
-                  </a:txBody>
-                  <a:tcPr anchor="ctr"/>
-                </a:tc>
-                <a:extLst>
-                  <a:ext uri="{0D108BD9-81ED-4DB2-BD59-A6C34878D82A}">
-                    <a16:rowId xmlns:a16="http://schemas.microsoft.com/office/drawing/2014/main" val="10003"/>
-                  </a:ext>
-                </a:extLst>
-              </a:tr>
-            </a:tbl>
-          </a:graphicData>
-        </a:graphic>
-      </p:graphicFrame>
       <p:pic>
         <p:nvPicPr>
-          <p:cNvPr id="6" name="Picture 5">
+          <p:cNvPr id="5" name="Picture 4">
             <a:extLst>
               <a:ext uri="{FF2B5EF4-FFF2-40B4-BE49-F238E27FC236}">
-                <a16:creationId xmlns:a16="http://schemas.microsoft.com/office/drawing/2014/main" id="{1E17B5FC-A75C-41B6-925D-DCDD2CB0531C}"/>
+                <a16:creationId xmlns:a16="http://schemas.microsoft.com/office/drawing/2014/main" id="{10CBD4FF-6CC8-4942-A828-988C4A82091E}"/>
               </a:ext>
               <a:ext uri="{C183D7F6-B498-43B3-948B-1728B52AA6E4}">
                 <adec:decorative xmlns:adec="http://schemas.microsoft.com/office/drawing/2017/decorative" val="1"/>
@@ -18875,7 +17698,7 @@
           <p:nvPr/>
         </p:nvPicPr>
         <p:blipFill>
-          <a:blip r:embed="rId2">
+          <a:blip r:embed="rId3">
             <a:alphaModFix amt="50000"/>
           </a:blip>
           <a:stretch>
@@ -18892,10 +17715,59 @@
           </a:prstGeom>
         </p:spPr>
       </p:pic>
+      <p:pic>
+        <p:nvPicPr>
+          <p:cNvPr id="1026" name="Picture 2" descr="Aws S3 Bucket Policy Gone Wrong">
+            <a:extLst>
+              <a:ext uri="{FF2B5EF4-FFF2-40B4-BE49-F238E27FC236}">
+                <a16:creationId xmlns:a16="http://schemas.microsoft.com/office/drawing/2014/main" id="{812FFEBA-F7D6-4ADF-A0F9-B785E0D3B279}"/>
+              </a:ext>
+            </a:extLst>
+          </p:cNvPr>
+          <p:cNvPicPr>
+            <a:picLocks noGrp="1" noChangeAspect="1" noChangeArrowheads="1"/>
+          </p:cNvPicPr>
+          <p:nvPr>
+            <p:ph idx="1"/>
+          </p:nvPr>
+        </p:nvPicPr>
+        <p:blipFill>
+          <a:blip r:embed="rId4">
+            <a:extLst>
+              <a:ext uri="{28A0092B-C50C-407E-A947-70E740481C1C}">
+                <a14:useLocalDpi xmlns:a14="http://schemas.microsoft.com/office/drawing/2010/main" val="0"/>
+              </a:ext>
+            </a:extLst>
+          </a:blip>
+          <a:srcRect/>
+          <a:stretch>
+            <a:fillRect/>
+          </a:stretch>
+        </p:blipFill>
+        <p:spPr bwMode="auto">
+          <a:xfrm>
+            <a:off x="2282822" y="1637992"/>
+            <a:ext cx="7626356" cy="4140022"/>
+          </a:xfrm>
+          <a:prstGeom prst="rect">
+            <a:avLst/>
+          </a:prstGeom>
+          <a:noFill/>
+          <a:extLst>
+            <a:ext uri="{909E8E84-426E-40DD-AFC4-6F175D3DCCD1}">
+              <a14:hiddenFill xmlns:a14="http://schemas.microsoft.com/office/drawing/2010/main">
+                <a:solidFill>
+                  <a:srgbClr val="FFFFFF"/>
+                </a:solidFill>
+              </a14:hiddenFill>
+            </a:ext>
+          </a:extLst>
+        </p:spPr>
+      </p:pic>
     </p:spTree>
     <p:extLst>
       <p:ext uri="{BB962C8B-B14F-4D97-AF65-F5344CB8AC3E}">
-        <p14:creationId xmlns:p14="http://schemas.microsoft.com/office/powerpoint/2010/main" val="2475092730"/>
+        <p14:creationId xmlns:p14="http://schemas.microsoft.com/office/powerpoint/2010/main" val="2420318896"/>
       </p:ext>
     </p:extLst>
   </p:cSld>
@@ -18934,12 +17806,92 @@
           <a:chExt cx="0" cy="0"/>
         </a:xfrm>
       </p:grpSpPr>
+      <p:sp>
+        <p:nvSpPr>
+          <p:cNvPr id="2" name="Title 1">
+            <a:extLst>
+              <a:ext uri="{FF2B5EF4-FFF2-40B4-BE49-F238E27FC236}">
+                <a16:creationId xmlns:a16="http://schemas.microsoft.com/office/drawing/2014/main" id="{4729815B-9C8D-4DEB-960A-6A6DDA61BF87}"/>
+              </a:ext>
+            </a:extLst>
+          </p:cNvPr>
+          <p:cNvSpPr>
+            <a:spLocks noGrp="1"/>
+          </p:cNvSpPr>
+          <p:nvPr>
+            <p:ph type="title"/>
+          </p:nvPr>
+        </p:nvSpPr>
+        <p:spPr/>
+        <p:txBody>
+          <a:bodyPr/>
+          <a:lstStyle/>
+          <a:p>
+            <a:r>
+              <a:rPr lang="en-US" dirty="0"/>
+              <a:t>Ko </a:t>
+            </a:r>
+            <a:r>
+              <a:rPr lang="en-US" dirty="0" err="1"/>
+              <a:t>popravlja</a:t>
+            </a:r>
+            <a:r>
+              <a:rPr lang="en-US" dirty="0"/>
+              <a:t> </a:t>
+            </a:r>
+            <a:r>
+              <a:rPr lang="en-US" dirty="0" err="1"/>
+              <a:t>sigurnosne</a:t>
+            </a:r>
+            <a:r>
+              <a:rPr lang="en-US" dirty="0"/>
+              <a:t> </a:t>
+            </a:r>
+            <a:r>
+              <a:rPr lang="en-US" dirty="0" err="1"/>
+              <a:t>probleme</a:t>
+            </a:r>
+            <a:r>
+              <a:rPr lang="en-US" dirty="0"/>
+              <a:t>?</a:t>
+            </a:r>
+          </a:p>
+        </p:txBody>
+      </p:sp>
+      <p:sp>
+        <p:nvSpPr>
+          <p:cNvPr id="3" name="Content Placeholder 2">
+            <a:extLst>
+              <a:ext uri="{FF2B5EF4-FFF2-40B4-BE49-F238E27FC236}">
+                <a16:creationId xmlns:a16="http://schemas.microsoft.com/office/drawing/2014/main" id="{DB3E3814-FDD9-4A9D-A32B-62CEB93E5C66}"/>
+              </a:ext>
+            </a:extLst>
+          </p:cNvPr>
+          <p:cNvSpPr>
+            <a:spLocks noGrp="1"/>
+          </p:cNvSpPr>
+          <p:nvPr>
+            <p:ph idx="1"/>
+          </p:nvPr>
+        </p:nvSpPr>
+        <p:spPr/>
+        <p:txBody>
+          <a:bodyPr/>
+          <a:lstStyle/>
+          <a:p>
+            <a:r>
+              <a:rPr lang="en-US" dirty="0"/>
+              <a:t>We want to be transparent about this incident with all customers and reassure them that we are taking it very seriously and holding ourselves accountable. … Upon notification of the issue, engineers remediated the configuration on December 31.</a:t>
+            </a:r>
+          </a:p>
+        </p:txBody>
+      </p:sp>
       <p:pic>
         <p:nvPicPr>
-          <p:cNvPr id="2" name="Picture 1">
+          <p:cNvPr id="5" name="Picture 4">
             <a:extLst>
               <a:ext uri="{FF2B5EF4-FFF2-40B4-BE49-F238E27FC236}">
-                <a16:creationId xmlns:a16="http://schemas.microsoft.com/office/drawing/2014/main" id="{E89DF713-E432-4ADA-963A-78EF12510058}"/>
+                <a16:creationId xmlns:a16="http://schemas.microsoft.com/office/drawing/2014/main" id="{10CBD4FF-6CC8-4942-A828-988C4A82091E}"/>
               </a:ext>
               <a:ext uri="{C183D7F6-B498-43B3-948B-1728B52AA6E4}">
                 <adec:decorative xmlns:adec="http://schemas.microsoft.com/office/drawing/2017/decorative" val="1"/>
@@ -18952,7 +17904,7 @@
           <p:nvPr/>
         </p:nvPicPr>
         <p:blipFill>
-          <a:blip r:embed="rId2">
+          <a:blip r:embed="rId3">
             <a:alphaModFix amt="50000"/>
           </a:blip>
           <a:stretch>
@@ -18972,7 +17924,7 @@
     </p:spTree>
     <p:extLst>
       <p:ext uri="{BB962C8B-B14F-4D97-AF65-F5344CB8AC3E}">
-        <p14:creationId xmlns:p14="http://schemas.microsoft.com/office/powerpoint/2010/main" val="927765974"/>
+        <p14:creationId xmlns:p14="http://schemas.microsoft.com/office/powerpoint/2010/main" val="2837794925"/>
       </p:ext>
     </p:extLst>
   </p:cSld>
@@ -19013,7 +17965,13 @@
       </p:grpSpPr>
       <p:sp>
         <p:nvSpPr>
-          <p:cNvPr id="2" name="Title 1"/>
+          <p:cNvPr id="2" name="Title 1">
+            <a:extLst>
+              <a:ext uri="{FF2B5EF4-FFF2-40B4-BE49-F238E27FC236}">
+                <a16:creationId xmlns:a16="http://schemas.microsoft.com/office/drawing/2014/main" id="{4729815B-9C8D-4DEB-960A-6A6DDA61BF87}"/>
+              </a:ext>
+            </a:extLst>
+          </p:cNvPr>
           <p:cNvSpPr>
             <a:spLocks noGrp="1"/>
           </p:cNvSpPr>
@@ -19027,43 +17985,55 @@
           <a:lstStyle/>
           <a:p>
             <a:r>
-              <a:rPr lang="en-US" dirty="0"/>
-              <a:t>Title and content layout with SmartArt</a:t>
-            </a:r>
+              <a:rPr lang="sr-Latn-RS" dirty="0"/>
+              <a:t>Integracija sa .NET </a:t>
+            </a:r>
+            <a:r>
+              <a:rPr lang="sr-Latn-RS" dirty="0" err="1"/>
+              <a:t>Core</a:t>
+            </a:r>
+            <a:r>
+              <a:rPr lang="sr-Latn-RS" dirty="0"/>
+              <a:t> aplikacijama</a:t>
+            </a:r>
+            <a:endParaRPr lang="en-US" dirty="0"/>
           </a:p>
         </p:txBody>
       </p:sp>
-      <p:graphicFrame>
-        <p:nvGraphicFramePr>
-          <p:cNvPr id="4" name="Content Placeholder 3" descr="Process Arrows diagram showing 3 steps arranged from left to right with task descriptions for each group"/>
-          <p:cNvGraphicFramePr>
-            <a:graphicFrameLocks noGrp="1"/>
-          </p:cNvGraphicFramePr>
+      <p:sp>
+        <p:nvSpPr>
+          <p:cNvPr id="3" name="Content Placeholder 2">
+            <a:extLst>
+              <a:ext uri="{FF2B5EF4-FFF2-40B4-BE49-F238E27FC236}">
+                <a16:creationId xmlns:a16="http://schemas.microsoft.com/office/drawing/2014/main" id="{DB3E3814-FDD9-4A9D-A32B-62CEB93E5C66}"/>
+              </a:ext>
+            </a:extLst>
+          </p:cNvPr>
+          <p:cNvSpPr>
+            <a:spLocks noGrp="1"/>
+          </p:cNvSpPr>
           <p:nvPr>
             <p:ph idx="1"/>
-            <p:extLst>
-              <p:ext uri="{D42A27DB-BD31-4B8C-83A1-F6EECF244321}">
-                <p14:modId xmlns:p14="http://schemas.microsoft.com/office/powerpoint/2010/main" val="662401178"/>
-              </p:ext>
-            </p:extLst>
           </p:nvPr>
-        </p:nvGraphicFramePr>
-        <p:xfrm>
-          <a:off x="1295400" y="1981200"/>
-          <a:ext cx="9601200" cy="3810000"/>
-        </p:xfrm>
-        <a:graphic>
-          <a:graphicData uri="http://schemas.openxmlformats.org/drawingml/2006/diagram">
-            <dgm:relIds xmlns:dgm="http://schemas.openxmlformats.org/drawingml/2006/diagram" xmlns:r="http://schemas.openxmlformats.org/officeDocument/2006/relationships" r:dm="rId2" r:lo="rId3" r:qs="rId4" r:cs="rId5"/>
-          </a:graphicData>
-        </a:graphic>
-      </p:graphicFrame>
+        </p:nvSpPr>
+        <p:spPr/>
+        <p:txBody>
+          <a:bodyPr/>
+          <a:lstStyle/>
+          <a:p>
+            <a:r>
+              <a:rPr lang="sr-Latn-RS" dirty="0"/>
+              <a:t>demo</a:t>
+            </a:r>
+          </a:p>
+        </p:txBody>
+      </p:sp>
       <p:pic>
         <p:nvPicPr>
           <p:cNvPr id="5" name="Picture 4">
             <a:extLst>
               <a:ext uri="{FF2B5EF4-FFF2-40B4-BE49-F238E27FC236}">
-                <a16:creationId xmlns:a16="http://schemas.microsoft.com/office/drawing/2014/main" id="{FB95EAA7-B9E6-44F6-971D-EA31D497F4FB}"/>
+                <a16:creationId xmlns:a16="http://schemas.microsoft.com/office/drawing/2014/main" id="{10CBD4FF-6CC8-4942-A828-988C4A82091E}"/>
               </a:ext>
               <a:ext uri="{C183D7F6-B498-43B3-948B-1728B52AA6E4}">
                 <adec:decorative xmlns:adec="http://schemas.microsoft.com/office/drawing/2017/decorative" val="1"/>
@@ -19076,7 +18046,7 @@
           <p:nvPr/>
         </p:nvPicPr>
         <p:blipFill>
-          <a:blip r:embed="rId7">
+          <a:blip r:embed="rId3">
             <a:alphaModFix amt="50000"/>
           </a:blip>
           <a:stretch>
@@ -19096,7 +18066,7 @@
     </p:spTree>
     <p:extLst>
       <p:ext uri="{BB962C8B-B14F-4D97-AF65-F5344CB8AC3E}">
-        <p14:creationId xmlns:p14="http://schemas.microsoft.com/office/powerpoint/2010/main" val="2761515851"/>
+        <p14:creationId xmlns:p14="http://schemas.microsoft.com/office/powerpoint/2010/main" val="1539816278"/>
       </p:ext>
     </p:extLst>
   </p:cSld>
@@ -19137,7 +18107,13 @@
       </p:grpSpPr>
       <p:sp>
         <p:nvSpPr>
-          <p:cNvPr id="2" name="Title 1"/>
+          <p:cNvPr id="2" name="Title 1">
+            <a:extLst>
+              <a:ext uri="{FF2B5EF4-FFF2-40B4-BE49-F238E27FC236}">
+                <a16:creationId xmlns:a16="http://schemas.microsoft.com/office/drawing/2014/main" id="{4729815B-9C8D-4DEB-960A-6A6DDA61BF87}"/>
+              </a:ext>
+            </a:extLst>
+          </p:cNvPr>
           <p:cNvSpPr>
             <a:spLocks noGrp="1"/>
           </p:cNvSpPr>
@@ -19151,20 +18127,35 @@
           <a:lstStyle/>
           <a:p>
             <a:r>
+              <a:rPr lang="en-US" dirty="0" err="1"/>
+              <a:t>Najbolja</a:t>
+            </a:r>
+            <a:r>
               <a:rPr lang="en-US" dirty="0"/>
-              <a:t>Add a Slide Title - 1</a:t>
-            </a:r>
+              <a:t> </a:t>
+            </a:r>
+            <a:r>
+              <a:rPr lang="en-US" dirty="0" err="1"/>
+              <a:t>praksa</a:t>
+            </a:r>
+            <a:endParaRPr lang="sr-Latn-RS" dirty="0"/>
           </a:p>
         </p:txBody>
       </p:sp>
       <p:sp>
         <p:nvSpPr>
-          <p:cNvPr id="3" name="Text Placeholder 2"/>
+          <p:cNvPr id="3" name="Content Placeholder 2">
+            <a:extLst>
+              <a:ext uri="{FF2B5EF4-FFF2-40B4-BE49-F238E27FC236}">
+                <a16:creationId xmlns:a16="http://schemas.microsoft.com/office/drawing/2014/main" id="{DB3E3814-FDD9-4A9D-A32B-62CEB93E5C66}"/>
+              </a:ext>
+            </a:extLst>
+          </p:cNvPr>
           <p:cNvSpPr>
             <a:spLocks noGrp="1"/>
           </p:cNvSpPr>
           <p:nvPr>
-            <p:ph type="body" idx="1"/>
+            <p:ph idx="1"/>
           </p:nvPr>
         </p:nvSpPr>
         <p:spPr/>
@@ -19172,16 +18163,128 @@
           <a:bodyPr/>
           <a:lstStyle/>
           <a:p>
+            <a:r>
+              <a:rPr lang="sr-Latn-RS" dirty="0"/>
+              <a:t>Kon</a:t>
+            </a:r>
+            <a:r>
+              <a:rPr lang="en-US" dirty="0"/>
+              <a:t>t</a:t>
+            </a:r>
+            <a:r>
+              <a:rPr lang="sr-Latn-RS" dirty="0"/>
+              <a:t>rola pristupa </a:t>
+            </a:r>
+            <a:r>
+              <a:rPr lang="en-US" dirty="0"/>
+              <a:t>vault</a:t>
+            </a:r>
+            <a:r>
+              <a:rPr lang="sr-Latn-RS" dirty="0"/>
+              <a:t>-u</a:t>
+            </a:r>
+            <a:endParaRPr lang="en-US" dirty="0"/>
+          </a:p>
+          <a:p>
+            <a:r>
+              <a:rPr lang="en-US" dirty="0" err="1"/>
+              <a:t>Razli</a:t>
+            </a:r>
+            <a:r>
+              <a:rPr lang="sr-Latn-RS" dirty="0" err="1"/>
+              <a:t>čit</a:t>
+            </a:r>
+            <a:r>
+              <a:rPr lang="en-US" dirty="0"/>
+              <a:t> Key Vault</a:t>
+            </a:r>
+            <a:r>
+              <a:rPr lang="sr-Latn-RS" dirty="0"/>
+              <a:t> po okruženju</a:t>
+            </a:r>
+            <a:r>
+              <a:rPr lang="en-US" dirty="0"/>
+              <a:t> (De</a:t>
+            </a:r>
+            <a:r>
+              <a:rPr lang="sr-Latn-RS" dirty="0"/>
+              <a:t>v, </a:t>
+            </a:r>
+            <a:r>
+              <a:rPr lang="sr-Latn-RS" dirty="0" err="1"/>
+              <a:t>Acc</a:t>
+            </a:r>
+            <a:r>
+              <a:rPr lang="sr-Latn-RS" dirty="0"/>
+              <a:t>, </a:t>
+            </a:r>
+            <a:r>
+              <a:rPr lang="sr-Latn-RS" dirty="0" err="1"/>
+              <a:t>Prod</a:t>
+            </a:r>
+            <a:r>
+              <a:rPr lang="sr-Latn-RS" dirty="0"/>
+              <a:t>)</a:t>
+            </a:r>
+          </a:p>
+          <a:p>
+            <a:r>
+              <a:rPr lang="sr-Latn-RS" dirty="0" err="1"/>
+              <a:t>Backup</a:t>
+            </a:r>
+            <a:endParaRPr lang="sr-Latn-RS" dirty="0"/>
+          </a:p>
+          <a:p>
+            <a:r>
+              <a:rPr lang="sr-Latn-RS" dirty="0"/>
+              <a:t>Uključiti </a:t>
+            </a:r>
+            <a:r>
+              <a:rPr lang="sr-Latn-RS" dirty="0" err="1"/>
+              <a:t>Logging</a:t>
+            </a:r>
+            <a:endParaRPr lang="sr-Latn-RS" dirty="0"/>
+          </a:p>
+          <a:p>
+            <a:r>
+              <a:rPr lang="en-US" dirty="0" err="1"/>
+              <a:t>Uklju</a:t>
+            </a:r>
+            <a:r>
+              <a:rPr lang="sr-Latn-RS" dirty="0" err="1"/>
+              <a:t>čiti</a:t>
+            </a:r>
+            <a:r>
+              <a:rPr lang="sr-Latn-RS" dirty="0"/>
+              <a:t> </a:t>
+            </a:r>
+            <a:r>
+              <a:rPr lang="en-US" dirty="0"/>
+              <a:t>recovery options</a:t>
+            </a:r>
+            <a:endParaRPr lang="sr-Latn-RS" dirty="0"/>
+          </a:p>
+          <a:p>
+            <a:r>
+              <a:rPr lang="sr-Latn-RS" dirty="0"/>
+              <a:t>Podesiti isticanje trajanja ključeva</a:t>
+            </a:r>
+            <a:endParaRPr lang="en-US" dirty="0"/>
+          </a:p>
+          <a:p>
+            <a:endParaRPr lang="sr-Latn-RS" b="1" dirty="0"/>
+          </a:p>
+          <a:p>
             <a:endParaRPr lang="en-US" dirty="0"/>
           </a:p>
         </p:txBody>
       </p:sp>
       <p:pic>
         <p:nvPicPr>
-          <p:cNvPr id="4" name="Picture 3">
+          <p:cNvPr id="5" name="Picture 4">
             <a:extLst>
               <a:ext uri="{FF2B5EF4-FFF2-40B4-BE49-F238E27FC236}">
-                <a16:creationId xmlns:a16="http://schemas.microsoft.com/office/drawing/2014/main" id="{EFF5348F-8EFA-4DA0-878C-ECC61D77A81C}"/>
+                <a16:creationId xmlns:a16="http://schemas.microsoft.com/office/drawing/2014/main" id="{10CBD4FF-6CC8-4942-A828-988C4A82091E}"/>
               </a:ext>
               <a:ext uri="{C183D7F6-B498-43B3-948B-1728B52AA6E4}">
                 <adec:decorative xmlns:adec="http://schemas.microsoft.com/office/drawing/2017/decorative" val="1"/>
@@ -19194,7 +18297,7 @@
           <p:nvPr/>
         </p:nvPicPr>
         <p:blipFill>
-          <a:blip r:embed="rId2">
+          <a:blip r:embed="rId3">
             <a:alphaModFix amt="50000"/>
           </a:blip>
           <a:stretch>
@@ -19214,7 +18317,7 @@
     </p:spTree>
     <p:extLst>
       <p:ext uri="{BB962C8B-B14F-4D97-AF65-F5344CB8AC3E}">
-        <p14:creationId xmlns:p14="http://schemas.microsoft.com/office/powerpoint/2010/main" val="2362296366"/>
+        <p14:creationId xmlns:p14="http://schemas.microsoft.com/office/powerpoint/2010/main" val="3296256229"/>
       </p:ext>
     </p:extLst>
   </p:cSld>
@@ -19255,7 +18358,13 @@
       </p:grpSpPr>
       <p:sp>
         <p:nvSpPr>
-          <p:cNvPr id="2" name="Title 1"/>
+          <p:cNvPr id="2" name="Title 1">
+            <a:extLst>
+              <a:ext uri="{FF2B5EF4-FFF2-40B4-BE49-F238E27FC236}">
+                <a16:creationId xmlns:a16="http://schemas.microsoft.com/office/drawing/2014/main" id="{680A354B-2574-4F2E-B617-C0D6469277BC}"/>
+              </a:ext>
+            </a:extLst>
+          </p:cNvPr>
           <p:cNvSpPr>
             <a:spLocks noGrp="1"/>
           </p:cNvSpPr>
@@ -19263,100 +18372,64 @@
             <p:ph type="title"/>
           </p:nvPr>
         </p:nvSpPr>
-        <p:spPr/>
+        <p:spPr>
+          <a:xfrm>
+            <a:off x="1295400" y="503853"/>
+            <a:ext cx="9601200" cy="562947"/>
+          </a:xfrm>
+        </p:spPr>
         <p:txBody>
-          <a:bodyPr/>
+          <a:bodyPr anchor="b">
+            <a:normAutofit/>
+          </a:bodyPr>
           <a:lstStyle/>
           <a:p>
             <a:r>
-              <a:rPr lang="en-US" dirty="0"/>
-              <a:t>Add a Slide Title - 2</a:t>
-            </a:r>
-          </a:p>
-        </p:txBody>
-      </p:sp>
-      <p:sp>
-        <p:nvSpPr>
-          <p:cNvPr id="3" name="Text Placeholder 2"/>
-          <p:cNvSpPr>
-            <a:spLocks noGrp="1"/>
-          </p:cNvSpPr>
-          <p:nvPr>
-            <p:ph type="body" idx="1"/>
-          </p:nvPr>
-        </p:nvSpPr>
-        <p:spPr/>
-        <p:txBody>
-          <a:bodyPr/>
-          <a:lstStyle/>
-          <a:p>
-            <a:endParaRPr lang="en-US"/>
-          </a:p>
-        </p:txBody>
-      </p:sp>
-      <p:sp>
-        <p:nvSpPr>
-          <p:cNvPr id="4" name="Content Placeholder 3"/>
-          <p:cNvSpPr>
-            <a:spLocks noGrp="1"/>
-          </p:cNvSpPr>
-          <p:nvPr>
-            <p:ph sz="half" idx="2"/>
-          </p:nvPr>
-        </p:nvSpPr>
-        <p:spPr/>
-        <p:txBody>
-          <a:bodyPr/>
-          <a:lstStyle/>
-          <a:p>
-            <a:endParaRPr lang="en-US"/>
-          </a:p>
-        </p:txBody>
-      </p:sp>
-      <p:sp>
-        <p:nvSpPr>
-          <p:cNvPr id="5" name="Text Placeholder 4"/>
-          <p:cNvSpPr>
-            <a:spLocks noGrp="1"/>
-          </p:cNvSpPr>
-          <p:nvPr>
-            <p:ph type="body" sz="quarter" idx="3"/>
-          </p:nvPr>
-        </p:nvSpPr>
-        <p:spPr/>
-        <p:txBody>
-          <a:bodyPr/>
-          <a:lstStyle/>
-          <a:p>
-            <a:endParaRPr lang="en-US"/>
-          </a:p>
-        </p:txBody>
-      </p:sp>
-      <p:sp>
-        <p:nvSpPr>
-          <p:cNvPr id="6" name="Content Placeholder 5"/>
-          <p:cNvSpPr>
-            <a:spLocks noGrp="1"/>
-          </p:cNvSpPr>
-          <p:nvPr>
-            <p:ph sz="quarter" idx="4"/>
-          </p:nvPr>
-        </p:nvSpPr>
-        <p:spPr/>
-        <p:txBody>
-          <a:bodyPr/>
-          <a:lstStyle/>
-          <a:p>
-            <a:endParaRPr lang="en-US"/>
+              <a:rPr lang="sr-Latn-RS" dirty="0"/>
+              <a:t>Cena</a:t>
+            </a:r>
+            <a:endParaRPr lang="en-US" dirty="0"/>
           </a:p>
         </p:txBody>
       </p:sp>
       <p:pic>
         <p:nvPicPr>
-          <p:cNvPr id="7" name="Picture 6">
+          <p:cNvPr id="12" name="Content Placeholder 11">
             <a:extLst>
               <a:ext uri="{FF2B5EF4-FFF2-40B4-BE49-F238E27FC236}">
-                <a16:creationId xmlns:a16="http://schemas.microsoft.com/office/drawing/2014/main" id="{7D973A56-4278-4B11-991C-2A95729B1AB7}"/>
+                <a16:creationId xmlns:a16="http://schemas.microsoft.com/office/drawing/2014/main" id="{40C21B12-4413-44EA-807C-8D0000901E9A}"/>
+              </a:ext>
+            </a:extLst>
+          </p:cNvPr>
+          <p:cNvPicPr>
+            <a:picLocks noGrp="1" noChangeAspect="1"/>
+          </p:cNvPicPr>
+          <p:nvPr>
+            <p:ph idx="1"/>
+          </p:nvPr>
+        </p:nvPicPr>
+        <p:blipFill>
+          <a:blip r:embed="rId3"/>
+          <a:stretch>
+            <a:fillRect/>
+          </a:stretch>
+        </p:blipFill>
+        <p:spPr>
+          <a:xfrm>
+            <a:off x="2537255" y="1066800"/>
+            <a:ext cx="7117490" cy="4876800"/>
+          </a:xfrm>
+          <a:prstGeom prst="rect">
+            <a:avLst/>
+          </a:prstGeom>
+        </p:spPr>
+      </p:pic>
+      <p:pic>
+        <p:nvPicPr>
+          <p:cNvPr id="13" name="Picture 12">
+            <a:extLst>
+              <a:ext uri="{FF2B5EF4-FFF2-40B4-BE49-F238E27FC236}">
+                <a16:creationId xmlns:a16="http://schemas.microsoft.com/office/drawing/2014/main" id="{C037AC0B-A7C5-410B-B26E-DBCBC3A07BC7}"/>
               </a:ext>
               <a:ext uri="{C183D7F6-B498-43B3-948B-1728B52AA6E4}">
                 <adec:decorative xmlns:adec="http://schemas.microsoft.com/office/drawing/2017/decorative" val="1"/>
@@ -19369,7 +18442,7 @@
           <p:nvPr/>
         </p:nvPicPr>
         <p:blipFill>
-          <a:blip r:embed="rId2">
+          <a:blip r:embed="rId4">
             <a:alphaModFix amt="50000"/>
           </a:blip>
           <a:stretch>
@@ -19389,7 +18462,7 @@
     </p:spTree>
     <p:extLst>
       <p:ext uri="{BB962C8B-B14F-4D97-AF65-F5344CB8AC3E}">
-        <p14:creationId xmlns:p14="http://schemas.microsoft.com/office/powerpoint/2010/main" val="3229171051"/>
+        <p14:creationId xmlns:p14="http://schemas.microsoft.com/office/powerpoint/2010/main" val="2819174045"/>
       </p:ext>
     </p:extLst>
   </p:cSld>
@@ -19430,32 +18503,79 @@
       </p:grpSpPr>
       <p:sp>
         <p:nvSpPr>
-          <p:cNvPr id="2" name="Title 1"/>
+          <p:cNvPr id="2" name="Title 1">
+            <a:extLst>
+              <a:ext uri="{FF2B5EF4-FFF2-40B4-BE49-F238E27FC236}">
+                <a16:creationId xmlns:a16="http://schemas.microsoft.com/office/drawing/2014/main" id="{680A354B-2574-4F2E-B617-C0D6469277BC}"/>
+              </a:ext>
+            </a:extLst>
+          </p:cNvPr>
           <p:cNvSpPr>
             <a:spLocks noGrp="1"/>
           </p:cNvSpPr>
           <p:nvPr>
-            <p:ph type="title"/>
+            <p:ph type="ctrTitle"/>
           </p:nvPr>
         </p:nvSpPr>
-        <p:spPr/>
+        <p:spPr>
+          <a:xfrm>
+            <a:off x="1293845" y="1909346"/>
+            <a:ext cx="9604310" cy="3383280"/>
+          </a:xfrm>
+        </p:spPr>
+        <p:txBody>
+          <a:bodyPr anchor="b">
+            <a:normAutofit/>
+          </a:bodyPr>
+          <a:lstStyle/>
+          <a:p>
+            <a:r>
+              <a:rPr lang="sr-Latn-RS" dirty="0"/>
+              <a:t>QA</a:t>
+            </a:r>
+            <a:endParaRPr lang="en-US" dirty="0"/>
+          </a:p>
+        </p:txBody>
+      </p:sp>
+      <p:sp>
+        <p:nvSpPr>
+          <p:cNvPr id="8" name="Subtitle 2">
+            <a:extLst>
+              <a:ext uri="{FF2B5EF4-FFF2-40B4-BE49-F238E27FC236}">
+                <a16:creationId xmlns:a16="http://schemas.microsoft.com/office/drawing/2014/main" id="{2718F81D-777E-4117-871D-E1C96A75F5F1}"/>
+              </a:ext>
+            </a:extLst>
+          </p:cNvPr>
+          <p:cNvSpPr>
+            <a:spLocks noGrp="1"/>
+          </p:cNvSpPr>
+          <p:nvPr>
+            <p:ph type="subTitle" idx="1"/>
+          </p:nvPr>
+        </p:nvSpPr>
+        <p:spPr>
+          <a:xfrm>
+            <a:off x="1293845" y="5432564"/>
+            <a:ext cx="9604310" cy="457200"/>
+          </a:xfrm>
+        </p:spPr>
         <p:txBody>
           <a:bodyPr/>
           <a:lstStyle/>
           <a:p>
             <a:r>
               <a:rPr lang="en-US" dirty="0"/>
-              <a:t>Add a Slide Title – 3</a:t>
+              <a:t>?</a:t>
             </a:r>
           </a:p>
         </p:txBody>
       </p:sp>
       <p:pic>
         <p:nvPicPr>
-          <p:cNvPr id="3" name="Picture 2">
+          <p:cNvPr id="5" name="Picture 4">
             <a:extLst>
               <a:ext uri="{FF2B5EF4-FFF2-40B4-BE49-F238E27FC236}">
-                <a16:creationId xmlns:a16="http://schemas.microsoft.com/office/drawing/2014/main" id="{91A01ED0-6F57-4DB8-93F2-6891E73FEDE5}"/>
+                <a16:creationId xmlns:a16="http://schemas.microsoft.com/office/drawing/2014/main" id="{17B175E3-C54C-4895-8C64-876F77A648FF}"/>
               </a:ext>
               <a:ext uri="{C183D7F6-B498-43B3-948B-1728B52AA6E4}">
                 <adec:decorative xmlns:adec="http://schemas.microsoft.com/office/drawing/2017/decorative" val="1"/>
@@ -19468,7 +18588,7 @@
           <p:nvPr/>
         </p:nvPicPr>
         <p:blipFill>
-          <a:blip r:embed="rId2">
+          <a:blip r:embed="rId3">
             <a:alphaModFix amt="50000"/>
           </a:blip>
           <a:stretch>
@@ -19488,7 +18608,7 @@
     </p:spTree>
     <p:extLst>
       <p:ext uri="{BB962C8B-B14F-4D97-AF65-F5344CB8AC3E}">
-        <p14:creationId xmlns:p14="http://schemas.microsoft.com/office/powerpoint/2010/main" val="452733939"/>
+        <p14:creationId xmlns:p14="http://schemas.microsoft.com/office/powerpoint/2010/main" val="627353012"/>
       </p:ext>
     </p:extLst>
   </p:cSld>
@@ -19527,12 +18647,124 @@
           <a:chExt cx="0" cy="0"/>
         </a:xfrm>
       </p:grpSpPr>
+      <p:sp>
+        <p:nvSpPr>
+          <p:cNvPr id="2" name="Title 1">
+            <a:extLst>
+              <a:ext uri="{FF2B5EF4-FFF2-40B4-BE49-F238E27FC236}">
+                <a16:creationId xmlns:a16="http://schemas.microsoft.com/office/drawing/2014/main" id="{D7E69B4D-2A36-486B-8406-88EBEB50D7BE}"/>
+              </a:ext>
+            </a:extLst>
+          </p:cNvPr>
+          <p:cNvSpPr>
+            <a:spLocks noGrp="1"/>
+          </p:cNvSpPr>
+          <p:nvPr>
+            <p:ph type="title"/>
+          </p:nvPr>
+        </p:nvSpPr>
+        <p:spPr/>
+        <p:txBody>
+          <a:bodyPr/>
+          <a:lstStyle/>
+          <a:p>
+            <a:r>
+              <a:rPr lang="en-US" dirty="0" err="1"/>
+              <a:t>Kraj</a:t>
+            </a:r>
+            <a:endParaRPr lang="en-US" dirty="0"/>
+          </a:p>
+        </p:txBody>
+      </p:sp>
+      <p:sp>
+        <p:nvSpPr>
+          <p:cNvPr id="3" name="Content Placeholder 2">
+            <a:extLst>
+              <a:ext uri="{FF2B5EF4-FFF2-40B4-BE49-F238E27FC236}">
+                <a16:creationId xmlns:a16="http://schemas.microsoft.com/office/drawing/2014/main" id="{49339F3B-C036-42E3-9E13-6ADBDE493AC4}"/>
+              </a:ext>
+            </a:extLst>
+          </p:cNvPr>
+          <p:cNvSpPr>
+            <a:spLocks noGrp="1"/>
+          </p:cNvSpPr>
+          <p:nvPr>
+            <p:ph idx="1"/>
+          </p:nvPr>
+        </p:nvSpPr>
+        <p:spPr/>
+        <p:txBody>
+          <a:bodyPr/>
+          <a:lstStyle/>
+          <a:p>
+            <a:r>
+              <a:rPr lang="en-US" dirty="0" err="1"/>
+              <a:t>Izvorni</a:t>
+            </a:r>
+            <a:r>
+              <a:rPr lang="en-US" dirty="0"/>
+              <a:t> </a:t>
+            </a:r>
+            <a:r>
+              <a:rPr lang="en-US" dirty="0" err="1"/>
+              <a:t>kod</a:t>
+            </a:r>
+            <a:r>
+              <a:rPr lang="en-US" dirty="0"/>
+              <a:t>, </a:t>
+            </a:r>
+            <a:r>
+              <a:rPr lang="en-US" dirty="0" err="1"/>
+              <a:t>skripte</a:t>
+            </a:r>
+            <a:r>
+              <a:rPr lang="en-US" dirty="0"/>
+              <a:t> i </a:t>
+            </a:r>
+            <a:r>
+              <a:rPr lang="en-US" dirty="0" err="1"/>
+              <a:t>prezentacija</a:t>
+            </a:r>
+            <a:r>
+              <a:rPr lang="en-US" dirty="0"/>
+              <a:t>: </a:t>
+            </a:r>
+            <a:r>
+              <a:rPr lang="en-US" dirty="0">
+                <a:hlinkClick r:id="rId3"/>
+              </a:rPr>
+              <a:t>GitHub</a:t>
+            </a:r>
+            <a:endParaRPr lang="en-US" dirty="0"/>
+          </a:p>
+          <a:p>
+            <a:r>
+              <a:rPr lang="en-US" dirty="0" err="1"/>
+              <a:t>Kontakt</a:t>
+            </a:r>
+            <a:r>
+              <a:rPr lang="en-US" dirty="0"/>
+              <a:t>: </a:t>
+            </a:r>
+            <a:r>
+              <a:rPr lang="en-US" dirty="0" err="1">
+                <a:hlinkClick r:id="rId4"/>
+              </a:rPr>
+              <a:t>srdjan.zivojinovic@crafters.cloud</a:t>
+            </a:r>
+            <a:r>
+              <a:rPr lang="en-US" dirty="0"/>
+              <a:t> </a:t>
+            </a:r>
+          </a:p>
+        </p:txBody>
+      </p:sp>
       <p:pic>
         <p:nvPicPr>
-          <p:cNvPr id="2" name="Picture 1">
+          <p:cNvPr id="4" name="Picture 3">
             <a:extLst>
               <a:ext uri="{FF2B5EF4-FFF2-40B4-BE49-F238E27FC236}">
-                <a16:creationId xmlns:a16="http://schemas.microsoft.com/office/drawing/2014/main" id="{BA10DAA0-D392-476D-A1B0-39D0F0840B4C}"/>
+                <a16:creationId xmlns:a16="http://schemas.microsoft.com/office/drawing/2014/main" id="{D0687285-A5AF-4FF7-BD15-4B6359D00F29}"/>
               </a:ext>
               <a:ext uri="{C183D7F6-B498-43B3-948B-1728B52AA6E4}">
                 <adec:decorative xmlns:adec="http://schemas.microsoft.com/office/drawing/2017/decorative" val="1"/>
@@ -19545,7 +18777,7 @@
           <p:nvPr/>
         </p:nvPicPr>
         <p:blipFill>
-          <a:blip r:embed="rId2">
+          <a:blip r:embed="rId5">
             <a:alphaModFix amt="50000"/>
           </a:blip>
           <a:stretch>
@@ -19565,137 +18797,7 @@
     </p:spTree>
     <p:extLst>
       <p:ext uri="{BB962C8B-B14F-4D97-AF65-F5344CB8AC3E}">
-        <p14:creationId xmlns:p14="http://schemas.microsoft.com/office/powerpoint/2010/main" val="1544302913"/>
-      </p:ext>
-    </p:extLst>
-  </p:cSld>
-  <p:clrMapOvr>
-    <a:masterClrMapping/>
-  </p:clrMapOvr>
-  <mc:AlternateContent xmlns:mc="http://schemas.openxmlformats.org/markup-compatibility/2006" xmlns:p14="http://schemas.microsoft.com/office/powerpoint/2010/main">
-    <mc:Choice Requires="p14">
-      <p:transition spd="med" p14:dur="700">
-        <p:fade/>
-      </p:transition>
-    </mc:Choice>
-    <mc:Fallback xmlns="">
-      <p:transition spd="med">
-        <p:fade/>
-      </p:transition>
-    </mc:Fallback>
-  </mc:AlternateContent>
-</p:sld>
-</file>
-
-<file path=ppt/slides/slide17.xml><?xml version="1.0" encoding="utf-8"?>
-<p:sld xmlns:a="http://schemas.openxmlformats.org/drawingml/2006/main" xmlns:r="http://schemas.openxmlformats.org/officeDocument/2006/relationships" xmlns:p="http://schemas.openxmlformats.org/presentationml/2006/main">
-  <p:cSld>
-    <p:spTree>
-      <p:nvGrpSpPr>
-        <p:cNvPr id="1" name=""/>
-        <p:cNvGrpSpPr/>
-        <p:nvPr/>
-      </p:nvGrpSpPr>
-      <p:grpSpPr>
-        <a:xfrm>
-          <a:off x="0" y="0"/>
-          <a:ext cx="0" cy="0"/>
-          <a:chOff x="0" y="0"/>
-          <a:chExt cx="0" cy="0"/>
-        </a:xfrm>
-      </p:grpSpPr>
-      <p:sp>
-        <p:nvSpPr>
-          <p:cNvPr id="3" name="Title 2"/>
-          <p:cNvSpPr>
-            <a:spLocks noGrp="1"/>
-          </p:cNvSpPr>
-          <p:nvPr>
-            <p:ph type="title"/>
-          </p:nvPr>
-        </p:nvSpPr>
-        <p:spPr/>
-        <p:txBody>
-          <a:bodyPr/>
-          <a:lstStyle/>
-          <a:p>
-            <a:r>
-              <a:rPr lang="en-US" dirty="0"/>
-              <a:t>Add a Slide Title - 5</a:t>
-            </a:r>
-          </a:p>
-        </p:txBody>
-      </p:sp>
-      <p:sp>
-        <p:nvSpPr>
-          <p:cNvPr id="5" name="Picture Placeholder 4"/>
-          <p:cNvSpPr>
-            <a:spLocks noGrp="1"/>
-          </p:cNvSpPr>
-          <p:nvPr>
-            <p:ph type="pic" idx="1"/>
-          </p:nvPr>
-        </p:nvSpPr>
-        <p:spPr/>
-      </p:sp>
-      <p:sp>
-        <p:nvSpPr>
-          <p:cNvPr id="6" name="Text Placeholder 5"/>
-          <p:cNvSpPr>
-            <a:spLocks noGrp="1"/>
-          </p:cNvSpPr>
-          <p:nvPr>
-            <p:ph type="body" sz="half" idx="2"/>
-          </p:nvPr>
-        </p:nvSpPr>
-        <p:spPr/>
-        <p:txBody>
-          <a:bodyPr/>
-          <a:lstStyle/>
-          <a:p>
-            <a:endParaRPr lang="en-US"/>
-          </a:p>
-        </p:txBody>
-      </p:sp>
-      <p:pic>
-        <p:nvPicPr>
-          <p:cNvPr id="7" name="Picture 6">
-            <a:extLst>
-              <a:ext uri="{FF2B5EF4-FFF2-40B4-BE49-F238E27FC236}">
-                <a16:creationId xmlns:a16="http://schemas.microsoft.com/office/drawing/2014/main" id="{6131B106-5E23-45B4-960E-959DBB9A462C}"/>
-              </a:ext>
-              <a:ext uri="{C183D7F6-B498-43B3-948B-1728B52AA6E4}">
-                <adec:decorative xmlns:adec="http://schemas.microsoft.com/office/drawing/2017/decorative" val="1"/>
-              </a:ext>
-            </a:extLst>
-          </p:cNvPr>
-          <p:cNvPicPr>
-            <a:picLocks noChangeAspect="1"/>
-          </p:cNvPicPr>
-          <p:nvPr/>
-        </p:nvPicPr>
-        <p:blipFill>
-          <a:blip r:embed="rId2">
-            <a:alphaModFix amt="50000"/>
-          </a:blip>
-          <a:stretch>
-            <a:fillRect/>
-          </a:stretch>
-        </p:blipFill>
-        <p:spPr>
-          <a:xfrm>
-            <a:off x="10095253" y="275253"/>
-            <a:ext cx="1602694" cy="457200"/>
-          </a:xfrm>
-          <a:prstGeom prst="rect">
-            <a:avLst/>
-          </a:prstGeom>
-        </p:spPr>
-      </p:pic>
-    </p:spTree>
-    <p:extLst>
-      <p:ext uri="{BB962C8B-B14F-4D97-AF65-F5344CB8AC3E}">
-        <p14:creationId xmlns:p14="http://schemas.microsoft.com/office/powerpoint/2010/main" val="2794409471"/>
+        <p14:creationId xmlns:p14="http://schemas.microsoft.com/office/powerpoint/2010/main" val="1149490812"/>
       </p:ext>
     </p:extLst>
   </p:cSld>
@@ -19802,6 +18904,19 @@
               <a:rPr lang="sr-Latn-RS" dirty="0"/>
               <a:t>O bezbednosti aplikacija</a:t>
             </a:r>
+            <a:r>
+              <a:rPr lang="en-US" dirty="0"/>
+              <a:t> </a:t>
+            </a:r>
+            <a:r>
+              <a:rPr lang="en-US" dirty="0" err="1"/>
+              <a:t>na</a:t>
+            </a:r>
+            <a:r>
+              <a:rPr lang="en-US" dirty="0"/>
+              <a:t> cloud-u</a:t>
+            </a:r>
+            <a:endParaRPr lang="sr-Latn-RS" dirty="0"/>
           </a:p>
           <a:p>
             <a:r>
@@ -19837,17 +18952,18 @@
           </a:p>
           <a:p>
             <a:r>
-              <a:rPr lang="sr-Latn-RS" dirty="0"/>
-              <a:t>Iskustva iz </a:t>
-            </a:r>
-            <a:r>
-              <a:rPr lang="sr-Latn-RS" dirty="0" err="1"/>
-              <a:t>development</a:t>
-            </a:r>
-            <a:r>
-              <a:rPr lang="sr-Latn-RS" dirty="0"/>
-              <a:t> procesa</a:t>
-            </a:r>
+              <a:rPr lang="en-US" dirty="0" err="1"/>
+              <a:t>Najbolja</a:t>
+            </a:r>
+            <a:r>
+              <a:rPr lang="en-US" dirty="0"/>
+              <a:t> </a:t>
+            </a:r>
+            <a:r>
+              <a:rPr lang="en-US" dirty="0" err="1"/>
+              <a:t>praksa</a:t>
+            </a:r>
+            <a:endParaRPr lang="sr-Latn-RS" dirty="0"/>
           </a:p>
           <a:p>
             <a:r>
@@ -20290,28 +19406,13 @@
           <a:lstStyle/>
           <a:p>
             <a:r>
+              <a:rPr lang="en-US" dirty="0"/>
+              <a:t>Alat </a:t>
+            </a:r>
+            <a:r>
               <a:rPr lang="sr-Latn-RS" dirty="0"/>
-              <a:t>Microsoft </a:t>
-            </a:r>
-            <a:r>
-              <a:rPr lang="sr-Latn-RS" dirty="0" err="1"/>
-              <a:t>Cloud</a:t>
-            </a:r>
-            <a:r>
-              <a:rPr lang="sr-Latn-RS" dirty="0"/>
-              <a:t> servis za čuvanje tajni (ključevi, tajne, sertifikati)</a:t>
-            </a:r>
-          </a:p>
-          <a:p>
-            <a:r>
-              <a:rPr lang="sr-Latn-RS" dirty="0"/>
-              <a:t>Nema održavanja HSM i softvera za upravljanje </a:t>
-            </a:r>
-            <a:r>
-              <a:rPr lang="sr-Latn-RS" dirty="0" err="1"/>
-              <a:t>kjučevima</a:t>
-            </a:r>
-            <a:endParaRPr lang="sr-Latn-RS" dirty="0"/>
+              <a:t>za čuvanje tajni (ključevi, tajne, sertifikati)</a:t>
+            </a:r>
           </a:p>
           <a:p>
             <a:r>
@@ -20333,6 +19434,10 @@
               <a:rPr lang="sr-Latn-RS" dirty="0" err="1"/>
               <a:t>policies</a:t>
             </a:r>
+            <a:r>
+              <a:rPr lang="en-US" dirty="0"/>
+              <a:t> with RBAC</a:t>
+            </a:r>
             <a:endParaRPr lang="sr-Latn-RS" dirty="0"/>
           </a:p>
           <a:p>
@@ -20348,12 +19453,6 @@
               <a:rPr lang="sr-Latn-RS" dirty="0" err="1"/>
               <a:t>notifications</a:t>
             </a:r>
-            <a:endParaRPr lang="sr-Latn-RS" dirty="0"/>
-          </a:p>
-          <a:p>
-            <a:endParaRPr lang="sr-Latn-RS" dirty="0"/>
-          </a:p>
-          <a:p>
             <a:endParaRPr lang="sr-Latn-RS" dirty="0"/>
           </a:p>
         </p:txBody>
@@ -20421,9 +19520,17 @@
               <a:rPr lang="sr-Latn-RS" dirty="0"/>
               <a:t> da izvuče ključeve</a:t>
             </a:r>
-          </a:p>
-          <a:p>
-            <a:pPr lvl="1"/>
+            <a:endParaRPr lang="en-US" dirty="0"/>
+          </a:p>
+          <a:p>
+            <a:r>
+              <a:rPr lang="sr-Latn-RS" dirty="0"/>
+              <a:t>Nema održavanja HSM i softvera za upravljanje </a:t>
+            </a:r>
+            <a:r>
+              <a:rPr lang="sr-Latn-RS" dirty="0" err="1"/>
+              <a:t>kjučevima</a:t>
+            </a:r>
             <a:endParaRPr lang="sr-Latn-RS" dirty="0"/>
           </a:p>
           <a:p>
@@ -20457,7 +19564,7 @@
           <p:nvPr/>
         </p:nvPicPr>
         <p:blipFill>
-          <a:blip r:embed="rId2">
+          <a:blip r:embed="rId3">
             <a:alphaModFix amt="50000"/>
           </a:blip>
           <a:stretch>
@@ -20500,6 +19607,221 @@
 </file>
 
 <file path=ppt/slides/slide5.xml><?xml version="1.0" encoding="utf-8"?>
+<p:sld xmlns:a="http://schemas.openxmlformats.org/drawingml/2006/main" xmlns:r="http://schemas.openxmlformats.org/officeDocument/2006/relationships" xmlns:p="http://schemas.openxmlformats.org/presentationml/2006/main">
+  <p:cSld>
+    <p:spTree>
+      <p:nvGrpSpPr>
+        <p:cNvPr id="1" name=""/>
+        <p:cNvGrpSpPr/>
+        <p:nvPr/>
+      </p:nvGrpSpPr>
+      <p:grpSpPr>
+        <a:xfrm>
+          <a:off x="0" y="0"/>
+          <a:ext cx="0" cy="0"/>
+          <a:chOff x="0" y="0"/>
+          <a:chExt cx="0" cy="0"/>
+        </a:xfrm>
+      </p:grpSpPr>
+      <p:sp>
+        <p:nvSpPr>
+          <p:cNvPr id="2" name="Title 1">
+            <a:extLst>
+              <a:ext uri="{FF2B5EF4-FFF2-40B4-BE49-F238E27FC236}">
+                <a16:creationId xmlns:a16="http://schemas.microsoft.com/office/drawing/2014/main" id="{4729815B-9C8D-4DEB-960A-6A6DDA61BF87}"/>
+              </a:ext>
+            </a:extLst>
+          </p:cNvPr>
+          <p:cNvSpPr>
+            <a:spLocks noGrp="1"/>
+          </p:cNvSpPr>
+          <p:nvPr>
+            <p:ph type="title"/>
+          </p:nvPr>
+        </p:nvSpPr>
+        <p:spPr/>
+        <p:txBody>
+          <a:bodyPr/>
+          <a:lstStyle/>
+          <a:p>
+            <a:r>
+              <a:rPr lang="en-US" dirty="0" err="1"/>
+              <a:t>Osnovna</a:t>
+            </a:r>
+            <a:r>
+              <a:rPr lang="en-US" dirty="0"/>
+              <a:t> </a:t>
+            </a:r>
+            <a:r>
+              <a:rPr lang="en-US" dirty="0" err="1"/>
+              <a:t>terminologija</a:t>
+            </a:r>
+            <a:endParaRPr lang="en-US" dirty="0"/>
+          </a:p>
+        </p:txBody>
+      </p:sp>
+      <p:sp>
+        <p:nvSpPr>
+          <p:cNvPr id="3" name="Content Placeholder 2">
+            <a:extLst>
+              <a:ext uri="{FF2B5EF4-FFF2-40B4-BE49-F238E27FC236}">
+                <a16:creationId xmlns:a16="http://schemas.microsoft.com/office/drawing/2014/main" id="{DB3E3814-FDD9-4A9D-A32B-62CEB93E5C66}"/>
+              </a:ext>
+            </a:extLst>
+          </p:cNvPr>
+          <p:cNvSpPr>
+            <a:spLocks noGrp="1"/>
+          </p:cNvSpPr>
+          <p:nvPr>
+            <p:ph sz="half" idx="1"/>
+          </p:nvPr>
+        </p:nvSpPr>
+        <p:spPr/>
+        <p:txBody>
+          <a:bodyPr/>
+          <a:lstStyle/>
+          <a:p>
+            <a:endParaRPr lang="sr-Latn-RS" dirty="0"/>
+          </a:p>
+          <a:p>
+            <a:r>
+              <a:rPr lang="en-US" dirty="0"/>
+              <a:t>Tenant</a:t>
+            </a:r>
+          </a:p>
+          <a:p>
+            <a:r>
+              <a:rPr lang="en-US" dirty="0"/>
+              <a:t>Vault owner</a:t>
+            </a:r>
+          </a:p>
+          <a:p>
+            <a:r>
+              <a:rPr lang="en-US" dirty="0"/>
+              <a:t>Vault consumer</a:t>
+            </a:r>
+          </a:p>
+          <a:p>
+            <a:r>
+              <a:rPr lang="en-US" dirty="0"/>
+              <a:t>Resource</a:t>
+            </a:r>
+          </a:p>
+          <a:p>
+            <a:r>
+              <a:rPr lang="en-US" dirty="0"/>
+              <a:t>Resource Group</a:t>
+            </a:r>
+          </a:p>
+          <a:p>
+            <a:endParaRPr lang="sr-Latn-RS" dirty="0"/>
+          </a:p>
+        </p:txBody>
+      </p:sp>
+      <p:sp>
+        <p:nvSpPr>
+          <p:cNvPr id="11" name="Content Placeholder 10">
+            <a:extLst>
+              <a:ext uri="{FF2B5EF4-FFF2-40B4-BE49-F238E27FC236}">
+                <a16:creationId xmlns:a16="http://schemas.microsoft.com/office/drawing/2014/main" id="{E8EF8271-4A01-4A37-A3D2-135D553899F3}"/>
+              </a:ext>
+            </a:extLst>
+          </p:cNvPr>
+          <p:cNvSpPr>
+            <a:spLocks noGrp="1"/>
+          </p:cNvSpPr>
+          <p:nvPr>
+            <p:ph sz="half" idx="2"/>
+          </p:nvPr>
+        </p:nvSpPr>
+        <p:spPr/>
+        <p:txBody>
+          <a:bodyPr/>
+          <a:lstStyle/>
+          <a:p>
+            <a:endParaRPr lang="en-US" dirty="0"/>
+          </a:p>
+          <a:p>
+            <a:r>
+              <a:rPr lang="en-US" dirty="0"/>
+              <a:t>Service principal</a:t>
+            </a:r>
+          </a:p>
+          <a:p>
+            <a:r>
+              <a:rPr lang="en-US" dirty="0"/>
+              <a:t>Azure tenant ID</a:t>
+            </a:r>
+          </a:p>
+          <a:p>
+            <a:r>
+              <a:rPr lang="en-US" dirty="0"/>
+              <a:t>Managed Identities</a:t>
+            </a:r>
+          </a:p>
+        </p:txBody>
+      </p:sp>
+      <p:pic>
+        <p:nvPicPr>
+          <p:cNvPr id="5" name="Picture 4">
+            <a:extLst>
+              <a:ext uri="{FF2B5EF4-FFF2-40B4-BE49-F238E27FC236}">
+                <a16:creationId xmlns:a16="http://schemas.microsoft.com/office/drawing/2014/main" id="{D99B51C3-3FAD-4053-853A-2A76FE58592F}"/>
+              </a:ext>
+              <a:ext uri="{C183D7F6-B498-43B3-948B-1728B52AA6E4}">
+                <adec:decorative xmlns:adec="http://schemas.microsoft.com/office/drawing/2017/decorative" val="1"/>
+              </a:ext>
+            </a:extLst>
+          </p:cNvPr>
+          <p:cNvPicPr>
+            <a:picLocks noChangeAspect="1"/>
+          </p:cNvPicPr>
+          <p:nvPr/>
+        </p:nvPicPr>
+        <p:blipFill>
+          <a:blip r:embed="rId3">
+            <a:alphaModFix amt="50000"/>
+          </a:blip>
+          <a:stretch>
+            <a:fillRect/>
+          </a:stretch>
+        </p:blipFill>
+        <p:spPr>
+          <a:xfrm>
+            <a:off x="10095253" y="275253"/>
+            <a:ext cx="1602694" cy="457200"/>
+          </a:xfrm>
+          <a:prstGeom prst="rect">
+            <a:avLst/>
+          </a:prstGeom>
+        </p:spPr>
+      </p:pic>
+    </p:spTree>
+    <p:extLst>
+      <p:ext uri="{BB962C8B-B14F-4D97-AF65-F5344CB8AC3E}">
+        <p14:creationId xmlns:p14="http://schemas.microsoft.com/office/powerpoint/2010/main" val="2985822908"/>
+      </p:ext>
+    </p:extLst>
+  </p:cSld>
+  <p:clrMapOvr>
+    <a:masterClrMapping/>
+  </p:clrMapOvr>
+  <mc:AlternateContent xmlns:mc="http://schemas.openxmlformats.org/markup-compatibility/2006" xmlns:p14="http://schemas.microsoft.com/office/powerpoint/2010/main">
+    <mc:Choice Requires="p14">
+      <p:transition spd="med" p14:dur="700">
+        <p:fade/>
+      </p:transition>
+    </mc:Choice>
+    <mc:Fallback xmlns="">
+      <p:transition spd="med">
+        <p:fade/>
+      </p:transition>
+    </mc:Fallback>
+  </mc:AlternateContent>
+</p:sld>
+</file>
+
+<file path=ppt/slides/slide6.xml><?xml version="1.0" encoding="utf-8"?>
 <p:sld xmlns:a="http://schemas.openxmlformats.org/drawingml/2006/main" xmlns:r="http://schemas.openxmlformats.org/officeDocument/2006/relationships" xmlns:p="http://schemas.openxmlformats.org/presentationml/2006/main">
   <p:cSld>
     <p:spTree>
@@ -20649,7 +19971,7 @@
 </p:sld>
 </file>
 
-<file path=ppt/slides/slide6.xml><?xml version="1.0" encoding="utf-8"?>
+<file path=ppt/slides/slide7.xml><?xml version="1.0" encoding="utf-8"?>
 <p:sld xmlns:a="http://schemas.openxmlformats.org/drawingml/2006/main" xmlns:r="http://schemas.openxmlformats.org/officeDocument/2006/relationships" xmlns:p="http://schemas.openxmlformats.org/presentationml/2006/main">
   <p:cSld>
     <p:spTree>
@@ -20807,7 +20129,7 @@
 </p:sld>
 </file>
 
-<file path=ppt/slides/slide7.xml><?xml version="1.0" encoding="utf-8"?>
+<file path=ppt/slides/slide8.xml><?xml version="1.0" encoding="utf-8"?>
 <p:sld xmlns:a="http://schemas.openxmlformats.org/drawingml/2006/main" xmlns:r="http://schemas.openxmlformats.org/officeDocument/2006/relationships" xmlns:p="http://schemas.openxmlformats.org/presentationml/2006/main">
   <p:cSld>
     <p:spTree>
@@ -20965,162 +20287,6 @@
 </p:sld>
 </file>
 
-<file path=ppt/slides/slide8.xml><?xml version="1.0" encoding="utf-8"?>
-<p:sld xmlns:a="http://schemas.openxmlformats.org/drawingml/2006/main" xmlns:r="http://schemas.openxmlformats.org/officeDocument/2006/relationships" xmlns:p="http://schemas.openxmlformats.org/presentationml/2006/main">
-  <p:cSld>
-    <p:spTree>
-      <p:nvGrpSpPr>
-        <p:cNvPr id="1" name=""/>
-        <p:cNvGrpSpPr/>
-        <p:nvPr/>
-      </p:nvGrpSpPr>
-      <p:grpSpPr>
-        <a:xfrm>
-          <a:off x="0" y="0"/>
-          <a:ext cx="0" cy="0"/>
-          <a:chOff x="0" y="0"/>
-          <a:chExt cx="0" cy="0"/>
-        </a:xfrm>
-      </p:grpSpPr>
-      <p:sp>
-        <p:nvSpPr>
-          <p:cNvPr id="2" name="Title 1">
-            <a:extLst>
-              <a:ext uri="{FF2B5EF4-FFF2-40B4-BE49-F238E27FC236}">
-                <a16:creationId xmlns:a16="http://schemas.microsoft.com/office/drawing/2014/main" id="{4729815B-9C8D-4DEB-960A-6A6DDA61BF87}"/>
-              </a:ext>
-            </a:extLst>
-          </p:cNvPr>
-          <p:cNvSpPr>
-            <a:spLocks noGrp="1"/>
-          </p:cNvSpPr>
-          <p:nvPr>
-            <p:ph type="title"/>
-          </p:nvPr>
-        </p:nvSpPr>
-        <p:spPr/>
-        <p:txBody>
-          <a:bodyPr/>
-          <a:lstStyle/>
-          <a:p>
-            <a:r>
-              <a:rPr lang="sr-Latn-RS" dirty="0"/>
-              <a:t>Osnovni principi bezbednosti</a:t>
-            </a:r>
-            <a:endParaRPr lang="en-US" dirty="0"/>
-          </a:p>
-        </p:txBody>
-      </p:sp>
-      <p:sp>
-        <p:nvSpPr>
-          <p:cNvPr id="3" name="Content Placeholder 2">
-            <a:extLst>
-              <a:ext uri="{FF2B5EF4-FFF2-40B4-BE49-F238E27FC236}">
-                <a16:creationId xmlns:a16="http://schemas.microsoft.com/office/drawing/2014/main" id="{DB3E3814-FDD9-4A9D-A32B-62CEB93E5C66}"/>
-              </a:ext>
-            </a:extLst>
-          </p:cNvPr>
-          <p:cNvSpPr>
-            <a:spLocks noGrp="1"/>
-          </p:cNvSpPr>
-          <p:nvPr>
-            <p:ph sz="half" idx="1"/>
-          </p:nvPr>
-        </p:nvSpPr>
-        <p:spPr/>
-        <p:txBody>
-          <a:bodyPr/>
-          <a:lstStyle/>
-          <a:p>
-            <a:endParaRPr lang="en-US" dirty="0"/>
-          </a:p>
-        </p:txBody>
-      </p:sp>
-      <p:sp>
-        <p:nvSpPr>
-          <p:cNvPr id="4" name="Content Placeholder 3">
-            <a:extLst>
-              <a:ext uri="{FF2B5EF4-FFF2-40B4-BE49-F238E27FC236}">
-                <a16:creationId xmlns:a16="http://schemas.microsoft.com/office/drawing/2014/main" id="{B4B25569-EB33-4346-A3BD-AA45C7F825F1}"/>
-              </a:ext>
-            </a:extLst>
-          </p:cNvPr>
-          <p:cNvSpPr>
-            <a:spLocks noGrp="1"/>
-          </p:cNvSpPr>
-          <p:nvPr>
-            <p:ph sz="half" idx="2"/>
-          </p:nvPr>
-        </p:nvSpPr>
-        <p:spPr/>
-        <p:txBody>
-          <a:bodyPr/>
-          <a:lstStyle/>
-          <a:p>
-            <a:endParaRPr lang="en-US"/>
-          </a:p>
-        </p:txBody>
-      </p:sp>
-      <p:pic>
-        <p:nvPicPr>
-          <p:cNvPr id="5" name="Picture 4">
-            <a:extLst>
-              <a:ext uri="{FF2B5EF4-FFF2-40B4-BE49-F238E27FC236}">
-                <a16:creationId xmlns:a16="http://schemas.microsoft.com/office/drawing/2014/main" id="{10CBD4FF-6CC8-4942-A828-988C4A82091E}"/>
-              </a:ext>
-              <a:ext uri="{C183D7F6-B498-43B3-948B-1728B52AA6E4}">
-                <adec:decorative xmlns:adec="http://schemas.microsoft.com/office/drawing/2017/decorative" val="1"/>
-              </a:ext>
-            </a:extLst>
-          </p:cNvPr>
-          <p:cNvPicPr>
-            <a:picLocks noChangeAspect="1"/>
-          </p:cNvPicPr>
-          <p:nvPr/>
-        </p:nvPicPr>
-        <p:blipFill>
-          <a:blip r:embed="rId2">
-            <a:alphaModFix amt="50000"/>
-          </a:blip>
-          <a:stretch>
-            <a:fillRect/>
-          </a:stretch>
-        </p:blipFill>
-        <p:spPr>
-          <a:xfrm>
-            <a:off x="10095253" y="275253"/>
-            <a:ext cx="1602694" cy="457200"/>
-          </a:xfrm>
-          <a:prstGeom prst="rect">
-            <a:avLst/>
-          </a:prstGeom>
-        </p:spPr>
-      </p:pic>
-    </p:spTree>
-    <p:extLst>
-      <p:ext uri="{BB962C8B-B14F-4D97-AF65-F5344CB8AC3E}">
-        <p14:creationId xmlns:p14="http://schemas.microsoft.com/office/powerpoint/2010/main" val="2441817941"/>
-      </p:ext>
-    </p:extLst>
-  </p:cSld>
-  <p:clrMapOvr>
-    <a:masterClrMapping/>
-  </p:clrMapOvr>
-  <mc:AlternateContent xmlns:mc="http://schemas.openxmlformats.org/markup-compatibility/2006" xmlns:p14="http://schemas.microsoft.com/office/powerpoint/2010/main">
-    <mc:Choice Requires="p14">
-      <p:transition spd="med" p14:dur="700">
-        <p:fade/>
-      </p:transition>
-    </mc:Choice>
-    <mc:Fallback xmlns="">
-      <p:transition spd="med">
-        <p:fade/>
-      </p:transition>
-    </mc:Fallback>
-  </mc:AlternateContent>
-</p:sld>
-</file>
-
 <file path=ppt/slides/slide9.xml><?xml version="1.0" encoding="utf-8"?>
 <p:sld xmlns:a="http://schemas.openxmlformats.org/drawingml/2006/main" xmlns:r="http://schemas.openxmlformats.org/officeDocument/2006/relationships" xmlns:p="http://schemas.openxmlformats.org/presentationml/2006/main">
   <p:cSld>
@@ -21160,8 +20326,12 @@
           <a:lstStyle/>
           <a:p>
             <a:r>
-              <a:rPr lang="sr-Latn-RS" dirty="0"/>
-              <a:t>Čija je odgovornost bezbednost aplikacija</a:t>
+              <a:rPr lang="en-US" dirty="0"/>
+              <a:t>Cloud </a:t>
+            </a:r>
+            <a:r>
+              <a:rPr lang="en-US" dirty="0" err="1"/>
+              <a:t>bezbednost</a:t>
             </a:r>
             <a:endParaRPr lang="en-US" dirty="0"/>
           </a:p>
@@ -21180,7 +20350,7 @@
             <a:spLocks noGrp="1"/>
           </p:cNvSpPr>
           <p:nvPr>
-            <p:ph sz="half" idx="1"/>
+            <p:ph idx="1"/>
           </p:nvPr>
         </p:nvSpPr>
         <p:spPr/>
@@ -21188,32 +20358,31 @@
           <a:bodyPr/>
           <a:lstStyle/>
           <a:p>
-            <a:endParaRPr lang="en-US" dirty="0"/>
-          </a:p>
-        </p:txBody>
-      </p:sp>
-      <p:sp>
-        <p:nvSpPr>
-          <p:cNvPr id="4" name="Content Placeholder 3">
-            <a:extLst>
-              <a:ext uri="{FF2B5EF4-FFF2-40B4-BE49-F238E27FC236}">
-                <a16:creationId xmlns:a16="http://schemas.microsoft.com/office/drawing/2014/main" id="{B4B25569-EB33-4346-A3BD-AA45C7F825F1}"/>
-              </a:ext>
-            </a:extLst>
-          </p:cNvPr>
-          <p:cNvSpPr>
-            <a:spLocks noGrp="1"/>
-          </p:cNvSpPr>
-          <p:nvPr>
-            <p:ph sz="half" idx="2"/>
-          </p:nvPr>
-        </p:nvSpPr>
-        <p:spPr/>
-        <p:txBody>
-          <a:bodyPr/>
-          <a:lstStyle/>
-          <a:p>
-            <a:endParaRPr lang="en-US"/>
+            <a:r>
+              <a:rPr lang="en-US" dirty="0"/>
+              <a:t>Gartner predictions:</a:t>
+            </a:r>
+          </a:p>
+          <a:p>
+            <a:pPr lvl="1"/>
+            <a:r>
+              <a:rPr lang="en-US" dirty="0"/>
+              <a:t>Through 2025, 90% of the organizations that fail to control public cloud use will inappropriately share sensitive data</a:t>
+            </a:r>
+          </a:p>
+          <a:p>
+            <a:pPr lvl="1"/>
+            <a:r>
+              <a:rPr lang="en-US" dirty="0"/>
+              <a:t>Through 2024, the majority of enterprises will continue to struggle with appropriately measuring cloud security risks</a:t>
+            </a:r>
+          </a:p>
+          <a:p>
+            <a:pPr lvl="1"/>
+            <a:r>
+              <a:rPr lang="en-US" dirty="0"/>
+              <a:t>Through 2025, 99% of cloud security failures will be the customer’s fault</a:t>
+            </a:r>
           </a:p>
         </p:txBody>
       </p:sp>
@@ -21222,7 +20391,7 @@
           <p:cNvPr id="5" name="Picture 4">
             <a:extLst>
               <a:ext uri="{FF2B5EF4-FFF2-40B4-BE49-F238E27FC236}">
-                <a16:creationId xmlns:a16="http://schemas.microsoft.com/office/drawing/2014/main" id="{595FF5CF-9505-46B8-BD00-B08ECC727232}"/>
+                <a16:creationId xmlns:a16="http://schemas.microsoft.com/office/drawing/2014/main" id="{10CBD4FF-6CC8-4942-A828-988C4A82091E}"/>
               </a:ext>
               <a:ext uri="{C183D7F6-B498-43B3-948B-1728B52AA6E4}">
                 <adec:decorative xmlns:adec="http://schemas.microsoft.com/office/drawing/2017/decorative" val="1"/>
@@ -21235,7 +20404,7 @@
           <p:nvPr/>
         </p:nvPicPr>
         <p:blipFill>
-          <a:blip r:embed="rId2">
+          <a:blip r:embed="rId3">
             <a:alphaModFix amt="50000"/>
           </a:blip>
           <a:stretch>
@@ -21255,7 +20424,7 @@
     </p:spTree>
     <p:extLst>
       <p:ext uri="{BB962C8B-B14F-4D97-AF65-F5344CB8AC3E}">
-        <p14:creationId xmlns:p14="http://schemas.microsoft.com/office/powerpoint/2010/main" val="2753501234"/>
+        <p14:creationId xmlns:p14="http://schemas.microsoft.com/office/powerpoint/2010/main" val="2441817941"/>
       </p:ext>
     </p:extLst>
   </p:cSld>
